--- a/trunk/presentacion/Aspect Mining2-primera parte.pptx
+++ b/trunk/presentacion/Aspect Mining2-primera parte.pptx
@@ -14202,7 +14202,7 @@
         </p:nvSpPr>
         <p:spPr>
           <a:xfrm>
-            <a:off x="214282" y="1457325"/>
+            <a:off x="457200" y="1457325"/>
             <a:ext cx="8472518" cy="1828799"/>
           </a:xfrm>
         </p:spPr>
@@ -14221,7 +14221,23 @@
                   <a:srgbClr val="0F233C"/>
                 </a:solidFill>
               </a:rPr>
-              <a:t>Programa de ordenador o computadora que  tiene capacidad para dar respuestas semejantes a las que daría un experto en la materia.</a:t>
+              <a:t>Programa de ordenador o computadora que </a:t>
+            </a:r>
+            <a:r>
+              <a:rPr lang="es-AR" sz="2800" dirty="0" smtClean="0">
+                <a:solidFill>
+                  <a:srgbClr val="0F233C"/>
+                </a:solidFill>
+              </a:rPr>
+              <a:t>tiene </a:t>
+            </a:r>
+            <a:r>
+              <a:rPr lang="es-AR" sz="2800" dirty="0" smtClean="0">
+                <a:solidFill>
+                  <a:srgbClr val="0F233C"/>
+                </a:solidFill>
+              </a:rPr>
+              <a:t>capacidad para dar respuestas semejantes a las que daría un experto en la materia.</a:t>
             </a:r>
           </a:p>
         </p:txBody>
@@ -14236,7 +14252,7 @@
         </p:nvSpPr>
         <p:spPr>
           <a:xfrm>
-            <a:off x="285720" y="3071810"/>
+            <a:off x="457200" y="3071810"/>
             <a:ext cx="8001056" cy="3571900"/>
           </a:xfrm>
           <a:prstGeom prst="rect">
@@ -14249,7 +14265,7 @@
           </a:bodyPr>
           <a:lstStyle/>
           <a:p>
-            <a:pPr marL="342900" marR="0" lvl="0" indent="-342900" algn="l" defTabSz="914400" rtl="0" eaLnBrk="1" fontAlgn="auto" latinLnBrk="0" hangingPunct="1">
+            <a:pPr marL="342900" marR="0" lvl="0" indent="-342900" algn="just" defTabSz="914400" rtl="0" eaLnBrk="1" fontAlgn="auto" latinLnBrk="0" hangingPunct="1">
               <a:lnSpc>
                 <a:spcPct val="100000"/>
               </a:lnSpc>
@@ -14276,7 +14292,7 @@
             </a:r>
           </a:p>
           <a:p>
-            <a:pPr marL="800100" lvl="1" indent="-342900">
+            <a:pPr marL="800100" lvl="1" indent="-342900" algn="just">
               <a:spcBef>
                 <a:spcPct val="20000"/>
               </a:spcBef>
@@ -14296,7 +14312,7 @@
             </a:r>
           </a:p>
           <a:p>
-            <a:pPr marL="800100" lvl="1" indent="-342900">
+            <a:pPr marL="800100" lvl="1" indent="-342900" algn="just">
               <a:spcBef>
                 <a:spcPct val="20000"/>
               </a:spcBef>
@@ -14332,7 +14348,7 @@
             </a:r>
           </a:p>
           <a:p>
-            <a:pPr marL="342900" marR="0" lvl="0" indent="-342900" algn="l" defTabSz="914400" rtl="0" eaLnBrk="1" fontAlgn="auto" latinLnBrk="0" hangingPunct="1">
+            <a:pPr marL="342900" marR="0" lvl="0" indent="-342900" algn="just" defTabSz="914400" rtl="0" eaLnBrk="1" fontAlgn="auto" latinLnBrk="0" hangingPunct="1">
               <a:lnSpc>
                 <a:spcPct val="100000"/>
               </a:lnSpc>
@@ -14359,7 +14375,7 @@
             </a:r>
           </a:p>
           <a:p>
-            <a:pPr marL="800100" lvl="1" indent="-342900">
+            <a:pPr marL="800100" lvl="1" indent="-342900" algn="just">
               <a:spcBef>
                 <a:spcPct val="20000"/>
               </a:spcBef>
@@ -14379,7 +14395,7 @@
             </a:r>
           </a:p>
           <a:p>
-            <a:pPr marL="800100" lvl="1" indent="-342900">
+            <a:pPr marL="800100" lvl="1" indent="-342900" algn="just">
               <a:spcBef>
                 <a:spcPct val="20000"/>
               </a:spcBef>
@@ -14542,8 +14558,8 @@
         </p:nvSpPr>
         <p:spPr>
           <a:xfrm>
-            <a:off x="214282" y="1357298"/>
-            <a:ext cx="4214842" cy="5143536"/>
+            <a:off x="214282" y="1428736"/>
+            <a:ext cx="4214842" cy="5000660"/>
           </a:xfrm>
         </p:spPr>
         <p:txBody>
@@ -15182,7 +15198,7 @@
         </p:blipFill>
         <p:spPr bwMode="auto">
           <a:xfrm>
-            <a:off x="1643043" y="3071811"/>
+            <a:off x="2214546" y="3071810"/>
             <a:ext cx="4761905" cy="3314286"/>
           </a:xfrm>
           <a:prstGeom prst="rect">
@@ -15499,7 +15515,15 @@
                   <a:srgbClr val="0F233C"/>
                 </a:solidFill>
               </a:rPr>
-              <a:t>Propuesta: Cálculo de Fan-in</a:t>
+              <a:t>Propuesta: </a:t>
+            </a:r>
+            <a:r>
+              <a:rPr lang="es-AR" sz="4000" dirty="0" smtClean="0">
+                <a:solidFill>
+                  <a:srgbClr val="0F233C"/>
+                </a:solidFill>
+              </a:rPr>
+              <a:t>Fan-in</a:t>
             </a:r>
             <a:endParaRPr lang="en-US" sz="4000" dirty="0">
               <a:solidFill>
@@ -15521,7 +15545,7 @@
         </p:nvSpPr>
         <p:spPr>
           <a:xfrm>
-            <a:off x="271490" y="1600201"/>
+            <a:off x="457200" y="1600201"/>
             <a:ext cx="8229600" cy="757229"/>
           </a:xfrm>
         </p:spPr>
@@ -15531,6 +15555,7 @@
           </a:bodyPr>
           <a:lstStyle/>
           <a:p>
+            <a:pPr algn="just"/>
             <a:r>
               <a:rPr lang="es-ES" sz="2800" dirty="0" smtClean="0">
                 <a:solidFill>
@@ -15555,7 +15580,7 @@
         </p:nvSpPr>
         <p:spPr>
           <a:xfrm>
-            <a:off x="357158" y="2500306"/>
+            <a:off x="500034" y="2500306"/>
             <a:ext cx="1643074" cy="830997"/>
           </a:xfrm>
           <a:prstGeom prst="rect">
@@ -15593,7 +15618,7 @@
         </p:nvSpPr>
         <p:spPr>
           <a:xfrm>
-            <a:off x="1857356" y="2714620"/>
+            <a:off x="2000232" y="2714620"/>
             <a:ext cx="571504" cy="428628"/>
           </a:xfrm>
           <a:prstGeom prst="rightArrow">
@@ -15633,7 +15658,7 @@
         </p:nvSpPr>
         <p:spPr>
           <a:xfrm>
-            <a:off x="5072066" y="2357430"/>
+            <a:off x="5214942" y="2357430"/>
             <a:ext cx="3857652" cy="1200329"/>
           </a:xfrm>
           <a:prstGeom prst="rect">
@@ -15673,7 +15698,7 @@
         </p:nvSpPr>
         <p:spPr>
           <a:xfrm>
-            <a:off x="285720" y="3857628"/>
+            <a:off x="457200" y="3857628"/>
             <a:ext cx="8229600" cy="2714643"/>
           </a:xfrm>
           <a:prstGeom prst="rect">
@@ -15686,7 +15711,7 @@
           </a:bodyPr>
           <a:lstStyle/>
           <a:p>
-            <a:pPr marL="342900" marR="0" lvl="0" indent="-342900" algn="l" defTabSz="914400" rtl="0" eaLnBrk="1" fontAlgn="auto" latinLnBrk="0" hangingPunct="1">
+            <a:pPr marL="342900" marR="0" lvl="0" indent="-342900" algn="just" defTabSz="914400" rtl="0" eaLnBrk="1" fontAlgn="auto" latinLnBrk="0" hangingPunct="1">
               <a:lnSpc>
                 <a:spcPct val="100000"/>
               </a:lnSpc>
@@ -15713,7 +15738,7 @@
             </a:r>
           </a:p>
           <a:p>
-            <a:pPr marL="800100" lvl="1" indent="-342900">
+            <a:pPr marL="800100" lvl="1" indent="-342900" algn="just">
               <a:spcBef>
                 <a:spcPct val="20000"/>
               </a:spcBef>
@@ -15726,11 +15751,24 @@
                   <a:srgbClr val="0F233C"/>
                 </a:solidFill>
               </a:rPr>
-              <a:t>Calculo de clases y método familiares</a:t>
-            </a:r>
-          </a:p>
-          <a:p>
-            <a:pPr marL="800100" lvl="1" indent="-342900">
+              <a:t>Calculo de clases y método </a:t>
+            </a:r>
+            <a:r>
+              <a:rPr lang="es-AR" sz="2400" dirty="0" smtClean="0">
+                <a:solidFill>
+                  <a:srgbClr val="0F233C"/>
+                </a:solidFill>
+              </a:rPr>
+              <a:t>familiares.</a:t>
+            </a:r>
+            <a:endParaRPr lang="es-AR" sz="2400" dirty="0" smtClean="0">
+              <a:solidFill>
+                <a:srgbClr val="0F233C"/>
+              </a:solidFill>
+            </a:endParaRPr>
+          </a:p>
+          <a:p>
+            <a:pPr marL="800100" lvl="1" indent="-342900" algn="just">
               <a:spcBef>
                 <a:spcPct val="20000"/>
               </a:spcBef>
@@ -15743,11 +15781,24 @@
                   <a:srgbClr val="0F233C"/>
                 </a:solidFill>
               </a:rPr>
-              <a:t>Propagación de llamadas no directas</a:t>
-            </a:r>
-          </a:p>
-          <a:p>
-            <a:pPr marL="800100" lvl="1" indent="-342900">
+              <a:t>Propagación de llamadas no </a:t>
+            </a:r>
+            <a:r>
+              <a:rPr lang="es-AR" sz="2400" dirty="0" smtClean="0">
+                <a:solidFill>
+                  <a:srgbClr val="0F233C"/>
+                </a:solidFill>
+              </a:rPr>
+              <a:t>directas.</a:t>
+            </a:r>
+            <a:endParaRPr lang="es-AR" sz="2400" dirty="0" smtClean="0">
+              <a:solidFill>
+                <a:srgbClr val="0F233C"/>
+              </a:solidFill>
+            </a:endParaRPr>
+          </a:p>
+          <a:p>
+            <a:pPr marL="800100" lvl="1" indent="-342900" algn="just">
               <a:spcBef>
                 <a:spcPct val="20000"/>
               </a:spcBef>
@@ -15760,7 +15811,15 @@
                   <a:srgbClr val="0F233C"/>
                 </a:solidFill>
               </a:rPr>
-              <a:t>Calculo de fan-in total: suma de llamados directos y no directos</a:t>
+              <a:t>Calculo de fan-in total: suma de llamados directos y no </a:t>
+            </a:r>
+            <a:r>
+              <a:rPr lang="es-AR" sz="2400" dirty="0" smtClean="0">
+                <a:solidFill>
+                  <a:srgbClr val="0F233C"/>
+                </a:solidFill>
+              </a:rPr>
+              <a:t>directos.</a:t>
             </a:r>
             <a:endParaRPr lang="en-US" sz="2400" dirty="0">
               <a:solidFill>
@@ -15778,7 +15837,7 @@
         </p:nvSpPr>
         <p:spPr>
           <a:xfrm>
-            <a:off x="4286248" y="2714620"/>
+            <a:off x="4429124" y="2714620"/>
             <a:ext cx="571504" cy="428628"/>
           </a:xfrm>
           <a:prstGeom prst="rightArrow">
@@ -15818,7 +15877,7 @@
         </p:nvSpPr>
         <p:spPr>
           <a:xfrm>
-            <a:off x="2571736" y="2643182"/>
+            <a:off x="2714612" y="2643182"/>
             <a:ext cx="1643074" cy="461665"/>
           </a:xfrm>
           <a:prstGeom prst="rect">
@@ -15850,7 +15909,7 @@
       </p:sp>
       <p:pic>
         <p:nvPicPr>
-          <p:cNvPr id="1028" name="Picture 4" descr="C:\Program Files (x86)\Microsoft Office\MEDIA\CAGCAT10\j0304933.wmf"/>
+          <p:cNvPr id="3" name="Picture 4" descr="C:\Users\maria\Desktop\Telefono_Dibujo.gif"/>
           <p:cNvPicPr>
             <a:picLocks noChangeAspect="1" noChangeArrowheads="1"/>
           </p:cNvPicPr>
@@ -15865,8 +15924,8 @@
         </p:blipFill>
         <p:spPr bwMode="auto">
           <a:xfrm>
-            <a:off x="7000892" y="3500438"/>
-            <a:ext cx="1819656" cy="1667866"/>
+            <a:off x="6715140" y="3643314"/>
+            <a:ext cx="1512911" cy="1500198"/>
           </a:xfrm>
           <a:prstGeom prst="rect">
             <a:avLst/>
@@ -15908,59 +15967,6 @@
       </p:grpSpPr>
       <p:sp>
         <p:nvSpPr>
-          <p:cNvPr id="2" name="1 Título"/>
-          <p:cNvSpPr>
-            <a:spLocks noGrp="1"/>
-          </p:cNvSpPr>
-          <p:nvPr>
-            <p:ph type="title"/>
-          </p:nvPr>
-        </p:nvSpPr>
-        <p:spPr>
-          <a:xfrm>
-            <a:off x="457200" y="274638"/>
-            <a:ext cx="8686800" cy="1143000"/>
-          </a:xfrm>
-        </p:spPr>
-        <p:txBody>
-          <a:bodyPr>
-            <a:normAutofit fontScale="90000"/>
-          </a:bodyPr>
-          <a:lstStyle/>
-          <a:p>
-            <a:r>
-              <a:rPr lang="es-AR" dirty="0" smtClean="0">
-                <a:solidFill>
-                  <a:srgbClr val="0F233C"/>
-                </a:solidFill>
-              </a:rPr>
-              <a:t>Propuesta: </a:t>
-            </a:r>
-            <a:r>
-              <a:rPr lang="es-ES_tradnl" dirty="0" smtClean="0">
-                <a:solidFill>
-                  <a:srgbClr val="0F233C"/>
-                </a:solidFill>
-              </a:rPr>
-              <a:t>Detección de Métodos Únicos</a:t>
-            </a:r>
-            <a:r>
-              <a:rPr lang="en-US" b="1" dirty="0" smtClean="0"/>
-              <a:t/>
-            </a:r>
-            <a:br>
-              <a:rPr lang="en-US" b="1" dirty="0" smtClean="0"/>
-            </a:br>
-            <a:r>
-              <a:rPr lang="es-AR" dirty="0" smtClean="0"/>
-              <a:t> </a:t>
-            </a:r>
-            <a:endParaRPr lang="en-US" dirty="0"/>
-          </a:p>
-        </p:txBody>
-      </p:sp>
-      <p:sp>
-        <p:nvSpPr>
           <p:cNvPr id="7" name="2 Marcador de contenido"/>
           <p:cNvSpPr>
             <a:spLocks noGrp="1"/>
@@ -15981,6 +15987,9 @@
           </a:bodyPr>
           <a:lstStyle/>
           <a:p>
+            <a:pPr algn="ctr">
+              <a:buNone/>
+            </a:pPr>
             <a:r>
               <a:rPr lang="es-AR" sz="2600" dirty="0" smtClean="0">
                 <a:solidFill>
@@ -16000,7 +16009,7 @@
         </p:nvSpPr>
         <p:spPr>
           <a:xfrm>
-            <a:off x="500034" y="3214686"/>
+            <a:off x="640080" y="3214686"/>
             <a:ext cx="2643206" cy="830997"/>
           </a:xfrm>
           <a:prstGeom prst="rect">
@@ -16038,7 +16047,7 @@
         </p:nvSpPr>
         <p:spPr>
           <a:xfrm>
-            <a:off x="3357554" y="3429000"/>
+            <a:off x="3643306" y="3429000"/>
             <a:ext cx="571504" cy="428628"/>
           </a:xfrm>
           <a:prstGeom prst="rightArrow">
@@ -16078,7 +16087,7 @@
         </p:nvSpPr>
         <p:spPr>
           <a:xfrm>
-            <a:off x="4214810" y="3286124"/>
+            <a:off x="4500562" y="3286124"/>
             <a:ext cx="4214842" cy="830997"/>
           </a:xfrm>
           <a:prstGeom prst="rect">
@@ -16118,7 +16127,7 @@
         </p:nvSpPr>
         <p:spPr>
           <a:xfrm>
-            <a:off x="500034" y="4357694"/>
+            <a:off x="457200" y="4357694"/>
             <a:ext cx="8229600" cy="1928826"/>
           </a:xfrm>
           <a:prstGeom prst="rect">
@@ -16131,7 +16140,7 @@
           </a:bodyPr>
           <a:lstStyle/>
           <a:p>
-            <a:pPr marL="342900" marR="0" lvl="0" indent="-342900" algn="l" defTabSz="914400" rtl="0" eaLnBrk="1" fontAlgn="auto" latinLnBrk="0" hangingPunct="1">
+            <a:pPr marL="342900" marR="0" lvl="0" indent="-342900" algn="just" defTabSz="914400" rtl="0" eaLnBrk="1" fontAlgn="auto" latinLnBrk="0" hangingPunct="1">
               <a:lnSpc>
                 <a:spcPct val="100000"/>
               </a:lnSpc>
@@ -16158,7 +16167,7 @@
             </a:r>
           </a:p>
           <a:p>
-            <a:pPr marL="800100" lvl="1" indent="-342900">
+            <a:pPr marL="800100" lvl="1" indent="-342900" algn="just">
               <a:spcBef>
                 <a:spcPct val="20000"/>
               </a:spcBef>
@@ -16171,11 +16180,24 @@
                   <a:srgbClr val="0F233C"/>
                 </a:solidFill>
               </a:rPr>
-              <a:t>Calculo de Fan-in de cada método</a:t>
-            </a:r>
-          </a:p>
-          <a:p>
-            <a:pPr marL="800100" lvl="1" indent="-342900">
+              <a:t>Calculo de Fan-in de cada </a:t>
+            </a:r>
+            <a:r>
+              <a:rPr lang="es-AR" sz="2600" dirty="0" smtClean="0">
+                <a:solidFill>
+                  <a:srgbClr val="0F233C"/>
+                </a:solidFill>
+              </a:rPr>
+              <a:t>método.</a:t>
+            </a:r>
+            <a:endParaRPr lang="es-AR" sz="2600" dirty="0" smtClean="0">
+              <a:solidFill>
+                <a:srgbClr val="0F233C"/>
+              </a:solidFill>
+            </a:endParaRPr>
+          </a:p>
+          <a:p>
+            <a:pPr marL="800100" lvl="1" indent="-342900" algn="just">
               <a:spcBef>
                 <a:spcPct val="20000"/>
               </a:spcBef>
@@ -16188,16 +16210,75 @@
                   <a:srgbClr val="0F233C"/>
                 </a:solidFill>
               </a:rPr>
-              <a:t>Filtrado de métodos únicos</a:t>
-            </a:r>
+              <a:t>Filtrado de métodos </a:t>
+            </a:r>
+            <a:r>
+              <a:rPr lang="es-AR" sz="2600" dirty="0" smtClean="0">
+                <a:solidFill>
+                  <a:srgbClr val="0F233C"/>
+                </a:solidFill>
+              </a:rPr>
+              <a:t>únicos.</a:t>
+            </a:r>
+            <a:endParaRPr lang="es-AR" sz="2600" dirty="0" smtClean="0">
+              <a:solidFill>
+                <a:srgbClr val="0F233C"/>
+              </a:solidFill>
+            </a:endParaRPr>
+          </a:p>
+        </p:txBody>
+      </p:sp>
+      <p:sp>
+        <p:nvSpPr>
+          <p:cNvPr id="11" name="1 Título"/>
+          <p:cNvSpPr>
+            <a:spLocks noGrp="1"/>
+          </p:cNvSpPr>
+          <p:nvPr>
+            <p:ph type="title"/>
+          </p:nvPr>
+        </p:nvSpPr>
+        <p:spPr>
+          <a:xfrm>
+            <a:off x="457200" y="274638"/>
+            <a:ext cx="8229600" cy="1143000"/>
+          </a:xfrm>
+        </p:spPr>
+        <p:txBody>
+          <a:bodyPr>
+            <a:normAutofit/>
+          </a:bodyPr>
+          <a:lstStyle/>
+          <a:p>
+            <a:r>
+              <a:rPr lang="es-AR" sz="4000" dirty="0" smtClean="0">
+                <a:solidFill>
+                  <a:srgbClr val="0F233C"/>
+                </a:solidFill>
+              </a:rPr>
+              <a:t>Propuesta: </a:t>
+            </a:r>
+            <a:r>
+              <a:rPr lang="es-AR" sz="4000" dirty="0" smtClean="0">
+                <a:solidFill>
+                  <a:srgbClr val="0F233C"/>
+                </a:solidFill>
+              </a:rPr>
+              <a:t>Métodos Únicos</a:t>
+            </a:r>
+            <a:endParaRPr lang="en-US" sz="4000" dirty="0">
+              <a:solidFill>
+                <a:srgbClr val="0F233C"/>
+              </a:solidFill>
+            </a:endParaRPr>
           </a:p>
         </p:txBody>
       </p:sp>
       <p:pic>
         <p:nvPicPr>
-          <p:cNvPr id="2052" name="Picture 4" descr="C:\Program Files (x86)\Microsoft Office\MEDIA\CAGCAT10\j0304933.wmf"/>
+          <p:cNvPr id="2050" name="Picture 2" descr="C:\Users\maria\AppData\Local\Microsoft\Windows\Temporary Internet Files\Content.IE5\OPRKQJ7H\MMj02347000000[1].gif"/>
           <p:cNvPicPr>
-            <a:picLocks noChangeAspect="1" noChangeArrowheads="1"/>
+            <a:picLocks noChangeAspect="1" noChangeArrowheads="1" noCrop="1"/>
           </p:cNvPicPr>
           <p:nvPr/>
         </p:nvPicPr>
@@ -16210,8 +16291,8 @@
         </p:blipFill>
         <p:spPr bwMode="auto">
           <a:xfrm>
-            <a:off x="6715140" y="4214818"/>
-            <a:ext cx="1819656" cy="1667866"/>
+            <a:off x="6715140" y="4643446"/>
+            <a:ext cx="1857388" cy="1714512"/>
           </a:xfrm>
           <a:prstGeom prst="rect">
             <a:avLst/>
@@ -16219,6 +16300,52 @@
           <a:noFill/>
         </p:spPr>
       </p:pic>
+      <p:sp>
+        <p:nvSpPr>
+          <p:cNvPr id="12" name="11 Elipse"/>
+          <p:cNvSpPr/>
+          <p:nvPr/>
+        </p:nvSpPr>
+        <p:spPr>
+          <a:xfrm rot="19914824">
+            <a:off x="7206768" y="5366324"/>
+            <a:ext cx="1000132" cy="214314"/>
+          </a:xfrm>
+          <a:prstGeom prst="ellipse">
+            <a:avLst/>
+          </a:prstGeom>
+          <a:noFill/>
+          <a:ln>
+            <a:solidFill>
+              <a:srgbClr val="FF0000"/>
+            </a:solidFill>
+          </a:ln>
+        </p:spPr>
+        <p:style>
+          <a:lnRef idx="2">
+            <a:schemeClr val="accent1">
+              <a:shade val="50000"/>
+            </a:schemeClr>
+          </a:lnRef>
+          <a:fillRef idx="1">
+            <a:schemeClr val="accent1"/>
+          </a:fillRef>
+          <a:effectRef idx="0">
+            <a:schemeClr val="accent1"/>
+          </a:effectRef>
+          <a:fontRef idx="minor">
+            <a:schemeClr val="lt1"/>
+          </a:fontRef>
+        </p:style>
+        <p:txBody>
+          <a:bodyPr rtlCol="0" anchor="ctr"/>
+          <a:lstStyle/>
+          <a:p>
+            <a:pPr algn="ctr"/>
+            <a:endParaRPr lang="en-US"/>
+          </a:p>
+        </p:txBody>
+      </p:sp>
     </p:spTree>
   </p:cSld>
   <p:clrMapOvr>
@@ -16596,8 +16723,8 @@
         </p:nvSpPr>
         <p:spPr>
           <a:xfrm>
-            <a:off x="214282" y="1600201"/>
-            <a:ext cx="8858280" cy="1685923"/>
+            <a:off x="457200" y="1600201"/>
+            <a:ext cx="8401080" cy="1685923"/>
           </a:xfrm>
         </p:spPr>
         <p:txBody>
@@ -16606,6 +16733,7 @@
           </a:bodyPr>
           <a:lstStyle/>
           <a:p>
+            <a:pPr algn="just"/>
             <a:r>
               <a:rPr lang="es-AR" sz="2600" dirty="0" smtClean="0">
                 <a:solidFill>
@@ -16694,7 +16822,7 @@
         </p:nvSpPr>
         <p:spPr>
           <a:xfrm>
-            <a:off x="500034" y="3383821"/>
+            <a:off x="640080" y="3383821"/>
             <a:ext cx="3000396" cy="830997"/>
           </a:xfrm>
           <a:prstGeom prst="rect">
@@ -16732,7 +16860,7 @@
         </p:nvSpPr>
         <p:spPr>
           <a:xfrm>
-            <a:off x="3643306" y="3598135"/>
+            <a:off x="3857620" y="3598135"/>
             <a:ext cx="571504" cy="428628"/>
           </a:xfrm>
           <a:prstGeom prst="rightArrow">
@@ -16772,7 +16900,7 @@
         </p:nvSpPr>
         <p:spPr>
           <a:xfrm>
-            <a:off x="4357686" y="3383821"/>
+            <a:off x="4572000" y="3383821"/>
             <a:ext cx="4357718" cy="830997"/>
           </a:xfrm>
           <a:prstGeom prst="rect">
@@ -16812,7 +16940,7 @@
         </p:nvSpPr>
         <p:spPr>
           <a:xfrm>
-            <a:off x="500034" y="4572008"/>
+            <a:off x="457200" y="4572008"/>
             <a:ext cx="8229600" cy="1785973"/>
           </a:xfrm>
           <a:prstGeom prst="rect">
@@ -16865,8 +16993,21 @@
                   <a:srgbClr val="0F233C"/>
                 </a:solidFill>
               </a:rPr>
-              <a:t>Cálculo de relaciones comparando precedencias</a:t>
-            </a:r>
+              <a:t>Cálculo de relaciones comparando </a:t>
+            </a:r>
+            <a:r>
+              <a:rPr lang="es-AR" sz="2600" dirty="0" smtClean="0">
+                <a:solidFill>
+                  <a:srgbClr val="0F233C"/>
+                </a:solidFill>
+              </a:rPr>
+              <a:t>precedencias.</a:t>
+            </a:r>
+            <a:endParaRPr lang="es-AR" sz="2600" dirty="0" smtClean="0">
+              <a:solidFill>
+                <a:srgbClr val="0F233C"/>
+              </a:solidFill>
+            </a:endParaRPr>
           </a:p>
           <a:p>
             <a:pPr marL="800100" lvl="1" indent="-342900">
@@ -16882,37 +17023,24 @@
                   <a:srgbClr val="0F233C"/>
                 </a:solidFill>
               </a:rPr>
-              <a:t>Cálculo de cantidad de relaciones por método</a:t>
-            </a:r>
+              <a:t>Cálculo de cantidad de relaciones por </a:t>
+            </a:r>
+            <a:r>
+              <a:rPr lang="es-AR" sz="2600" dirty="0" smtClean="0">
+                <a:solidFill>
+                  <a:srgbClr val="0F233C"/>
+                </a:solidFill>
+              </a:rPr>
+              <a:t>método.</a:t>
+            </a:r>
+            <a:endParaRPr lang="es-AR" sz="2600" dirty="0" smtClean="0">
+              <a:solidFill>
+                <a:srgbClr val="0F233C"/>
+              </a:solidFill>
+            </a:endParaRPr>
           </a:p>
         </p:txBody>
       </p:sp>
-      <p:pic>
-        <p:nvPicPr>
-          <p:cNvPr id="3074" name="Picture 2" descr="C:\Program Files (x86)\Microsoft Office\MEDIA\CAGCAT10\j0090070.wmf"/>
-          <p:cNvPicPr>
-            <a:picLocks noChangeAspect="1" noChangeArrowheads="1"/>
-          </p:cNvPicPr>
-          <p:nvPr/>
-        </p:nvPicPr>
-        <p:blipFill>
-          <a:blip r:embed="rId3" cstate="print"/>
-          <a:srcRect/>
-          <a:stretch>
-            <a:fillRect/>
-          </a:stretch>
-        </p:blipFill>
-        <p:spPr bwMode="auto">
-          <a:xfrm>
-            <a:off x="7572364" y="3214686"/>
-            <a:ext cx="1571636" cy="1950712"/>
-          </a:xfrm>
-          <a:prstGeom prst="rect">
-            <a:avLst/>
-          </a:prstGeom>
-          <a:noFill/>
-        </p:spPr>
-      </p:pic>
     </p:spTree>
   </p:cSld>
   <p:clrMapOvr>
@@ -17024,7 +17152,7 @@
         </p:nvSpPr>
         <p:spPr>
           <a:xfrm>
-            <a:off x="357158" y="3214686"/>
+            <a:off x="642910" y="3214686"/>
             <a:ext cx="3357586" cy="830997"/>
           </a:xfrm>
           <a:prstGeom prst="rect">
@@ -17062,7 +17190,7 @@
         </p:nvSpPr>
         <p:spPr>
           <a:xfrm>
-            <a:off x="3857620" y="3429000"/>
+            <a:off x="4143372" y="3429000"/>
             <a:ext cx="571504" cy="428628"/>
           </a:xfrm>
           <a:prstGeom prst="rightArrow">
@@ -17102,7 +17230,7 @@
         </p:nvSpPr>
         <p:spPr>
           <a:xfrm>
-            <a:off x="4714876" y="3286124"/>
+            <a:off x="4857752" y="3218688"/>
             <a:ext cx="4214842" cy="830997"/>
           </a:xfrm>
           <a:prstGeom prst="rect">
@@ -17179,7 +17307,7 @@
           </a:bodyPr>
           <a:lstStyle/>
           <a:p>
-            <a:pPr marL="342900" marR="0" lvl="0" indent="-342900" algn="l" defTabSz="914400" rtl="0" eaLnBrk="1" fontAlgn="auto" latinLnBrk="0" hangingPunct="1">
+            <a:pPr marL="342900" marR="0" lvl="0" indent="-342900" algn="just" defTabSz="914400" rtl="0" eaLnBrk="1" fontAlgn="auto" latinLnBrk="0" hangingPunct="1">
               <a:lnSpc>
                 <a:spcPct val="100000"/>
               </a:lnSpc>
@@ -17206,7 +17334,7 @@
             </a:r>
           </a:p>
           <a:p>
-            <a:pPr marL="800100" lvl="1" indent="-342900">
+            <a:pPr marL="800100" lvl="1" indent="-342900" algn="just">
               <a:spcBef>
                 <a:spcPct val="20000"/>
               </a:spcBef>
@@ -17235,11 +17363,24 @@
                   <a:srgbClr val="0F233C"/>
                 </a:solidFill>
               </a:rPr>
-              <a:t> su llamada a un método de otra clase </a:t>
-            </a:r>
-          </a:p>
-          <a:p>
-            <a:pPr marL="800100" lvl="1" indent="-342900">
+              <a:t> su llamada a un método de otra </a:t>
+            </a:r>
+            <a:r>
+              <a:rPr lang="es-AR" sz="2600" dirty="0" smtClean="0">
+                <a:solidFill>
+                  <a:srgbClr val="0F233C"/>
+                </a:solidFill>
+              </a:rPr>
+              <a:t>clase.</a:t>
+            </a:r>
+            <a:endParaRPr lang="es-AR" sz="2600" dirty="0" smtClean="0">
+              <a:solidFill>
+                <a:srgbClr val="0F233C"/>
+              </a:solidFill>
+            </a:endParaRPr>
+          </a:p>
+          <a:p>
+            <a:pPr marL="800100" lvl="1" indent="-342900" algn="just">
               <a:spcBef>
                 <a:spcPct val="20000"/>
               </a:spcBef>
@@ -17273,32 +17414,6 @@
           </a:p>
         </p:txBody>
       </p:sp>
-      <p:pic>
-        <p:nvPicPr>
-          <p:cNvPr id="4099" name="Picture 3" descr="C:\Program Files (x86)\Microsoft Office\MEDIA\CAGCAT10\j0299763.wmf"/>
-          <p:cNvPicPr>
-            <a:picLocks noChangeAspect="1" noChangeArrowheads="1"/>
-          </p:cNvPicPr>
-          <p:nvPr/>
-        </p:nvPicPr>
-        <p:blipFill>
-          <a:blip r:embed="rId3" cstate="print"/>
-          <a:srcRect/>
-          <a:stretch>
-            <a:fillRect/>
-          </a:stretch>
-        </p:blipFill>
-        <p:spPr bwMode="auto">
-          <a:xfrm>
-            <a:off x="6858016" y="3643314"/>
-            <a:ext cx="1827886" cy="1504188"/>
-          </a:xfrm>
-          <a:prstGeom prst="rect">
-            <a:avLst/>
-          </a:prstGeom>
-          <a:noFill/>
-        </p:spPr>
-      </p:pic>
     </p:spTree>
   </p:cSld>
   <p:clrMapOvr>
@@ -17483,7 +17598,7 @@
         </p:blipFill>
         <p:spPr bwMode="auto">
           <a:xfrm>
-            <a:off x="6715140" y="2214554"/>
+            <a:off x="6786578" y="2276024"/>
             <a:ext cx="1714512" cy="1010100"/>
           </a:xfrm>
           <a:prstGeom prst="rect">
@@ -17500,8 +17615,8 @@
         </p:nvSpPr>
         <p:spPr>
           <a:xfrm>
-            <a:off x="500034" y="3383821"/>
-            <a:ext cx="3000396" cy="830997"/>
+            <a:off x="714348" y="3383821"/>
+            <a:ext cx="2786082" cy="830997"/>
           </a:xfrm>
           <a:prstGeom prst="rect">
             <a:avLst/>
@@ -17514,6 +17629,7 @@
           </a:bodyPr>
           <a:lstStyle/>
           <a:p>
+            <a:pPr algn="just"/>
             <a:r>
               <a:rPr lang="es-AR" sz="2400" dirty="0" err="1" smtClean="0">
                 <a:solidFill>
@@ -17600,6 +17716,7 @@
           </a:bodyPr>
           <a:lstStyle/>
           <a:p>
+            <a:pPr algn="just"/>
             <a:r>
               <a:rPr lang="es-AR" sz="2400" dirty="0" smtClean="0">
                 <a:solidFill>
@@ -17626,8 +17743,8 @@
         </p:nvSpPr>
         <p:spPr>
           <a:xfrm>
-            <a:off x="500034" y="4572008"/>
-            <a:ext cx="8229600" cy="1785973"/>
+            <a:off x="457200" y="4572008"/>
+            <a:ext cx="8186766" cy="1785973"/>
           </a:xfrm>
           <a:prstGeom prst="rect">
             <a:avLst/>
@@ -17639,7 +17756,7 @@
           </a:bodyPr>
           <a:lstStyle/>
           <a:p>
-            <a:pPr marL="342900" marR="0" lvl="0" indent="-342900" algn="l" defTabSz="914400" rtl="0" eaLnBrk="1" fontAlgn="auto" latinLnBrk="0" hangingPunct="1">
+            <a:pPr marL="342900" marR="0" lvl="0" indent="-342900" algn="just" defTabSz="914400" rtl="0" eaLnBrk="1" fontAlgn="auto" latinLnBrk="0" hangingPunct="1">
               <a:lnSpc>
                 <a:spcPct val="100000"/>
               </a:lnSpc>
@@ -17666,7 +17783,7 @@
             </a:r>
           </a:p>
           <a:p>
-            <a:pPr marL="800100" lvl="1" indent="-342900">
+            <a:pPr marL="800100" lvl="1" indent="-342900" algn="just">
               <a:spcBef>
                 <a:spcPct val="20000"/>
               </a:spcBef>
@@ -17695,11 +17812,24 @@
                   <a:srgbClr val="0F233C"/>
                 </a:solidFill>
               </a:rPr>
-              <a:t> de cada algoritmo (valor de umbral)</a:t>
-            </a:r>
-          </a:p>
-          <a:p>
-            <a:pPr marL="800100" lvl="1" indent="-342900">
+              <a:t> de cada algoritmo (valor de umbral</a:t>
+            </a:r>
+            <a:r>
+              <a:rPr lang="es-AR" sz="2600" dirty="0" smtClean="0">
+                <a:solidFill>
+                  <a:srgbClr val="0F233C"/>
+                </a:solidFill>
+              </a:rPr>
+              <a:t>).</a:t>
+            </a:r>
+            <a:endParaRPr lang="es-AR" sz="2600" dirty="0" smtClean="0">
+              <a:solidFill>
+                <a:srgbClr val="0F233C"/>
+              </a:solidFill>
+            </a:endParaRPr>
+          </a:p>
+          <a:p>
+            <a:pPr marL="800100" lvl="1" indent="-342900" algn="just">
               <a:spcBef>
                 <a:spcPct val="20000"/>
               </a:spcBef>
@@ -17728,8 +17858,21 @@
                   <a:srgbClr val="0F233C"/>
                 </a:solidFill>
               </a:rPr>
-              <a:t> finales utilizando valores de confianza</a:t>
-            </a:r>
+              <a:t> finales utilizando valores de </a:t>
+            </a:r>
+            <a:r>
+              <a:rPr lang="es-AR" sz="2600" dirty="0" smtClean="0">
+                <a:solidFill>
+                  <a:srgbClr val="0F233C"/>
+                </a:solidFill>
+              </a:rPr>
+              <a:t>confianza.</a:t>
+            </a:r>
+            <a:endParaRPr lang="es-AR" sz="2600" dirty="0" smtClean="0">
+              <a:solidFill>
+                <a:srgbClr val="0F233C"/>
+              </a:solidFill>
+            </a:endParaRPr>
           </a:p>
         </p:txBody>
       </p:sp>
@@ -18479,6 +18622,7 @@
           </a:bodyPr>
           <a:lstStyle/>
           <a:p>
+            <a:pPr algn="just"/>
             <a:r>
               <a:rPr lang="es-ES_tradnl" sz="2600" dirty="0" smtClean="0">
                 <a:solidFill>
@@ -18507,108 +18651,115 @@
             </a:endParaRPr>
           </a:p>
           <a:p>
-            <a:pPr lvl="1"/>
-            <a:r>
-              <a:rPr lang="es-AR" sz="2600" dirty="0" smtClean="0">
-                <a:solidFill>
-                  <a:srgbClr val="0F233C"/>
-                </a:solidFill>
-              </a:rPr>
-              <a:t>Es un sistema real y suficientemente complejo</a:t>
-            </a:r>
-          </a:p>
-          <a:p>
-            <a:pPr lvl="1"/>
-            <a:r>
-              <a:rPr lang="en-US" sz="2600" dirty="0" err="1" smtClean="0">
-                <a:solidFill>
-                  <a:srgbClr val="0F233C"/>
-                </a:solidFill>
-              </a:rPr>
-              <a:t>reportado</a:t>
-            </a:r>
-            <a:r>
-              <a:rPr lang="en-US" sz="2600" dirty="0" smtClean="0">
-                <a:solidFill>
-                  <a:srgbClr val="0F233C"/>
-                </a:solidFill>
-              </a:rPr>
-              <a:t> </a:t>
-            </a:r>
-            <a:r>
-              <a:rPr lang="en-US" sz="2600" dirty="0" err="1" smtClean="0">
-                <a:solidFill>
-                  <a:srgbClr val="0F233C"/>
-                </a:solidFill>
-              </a:rPr>
-              <a:t>análisis</a:t>
-            </a:r>
-            <a:r>
-              <a:rPr lang="en-US" sz="2600" dirty="0" smtClean="0">
-                <a:solidFill>
-                  <a:srgbClr val="0F233C"/>
-                </a:solidFill>
-              </a:rPr>
-              <a:t> </a:t>
-            </a:r>
-            <a:r>
-              <a:rPr lang="en-US" sz="2600" dirty="0" err="1" smtClean="0">
-                <a:solidFill>
-                  <a:srgbClr val="0F233C"/>
-                </a:solidFill>
-              </a:rPr>
-              <a:t>previos</a:t>
-            </a:r>
-            <a:r>
-              <a:rPr lang="en-US" sz="2600" dirty="0" smtClean="0">
-                <a:solidFill>
-                  <a:srgbClr val="0F233C"/>
-                </a:solidFill>
-              </a:rPr>
-              <a:t> del </a:t>
-            </a:r>
-            <a:r>
-              <a:rPr lang="en-US" sz="2600" dirty="0" err="1" smtClean="0">
-                <a:solidFill>
-                  <a:srgbClr val="0F233C"/>
-                </a:solidFill>
-              </a:rPr>
-              <a:t>sistema</a:t>
-            </a:r>
-            <a:r>
-              <a:rPr lang="en-US" sz="2600" dirty="0" smtClean="0">
-                <a:solidFill>
-                  <a:srgbClr val="0F233C"/>
-                </a:solidFill>
-              </a:rPr>
-              <a:t> </a:t>
-            </a:r>
-            <a:endParaRPr lang="es-AR" sz="2600" dirty="0" smtClean="0">
-              <a:solidFill>
-                <a:srgbClr val="0F233C"/>
-              </a:solidFill>
-            </a:endParaRPr>
-          </a:p>
-          <a:p>
-            <a:pPr lvl="1"/>
-            <a:r>
-              <a:rPr lang="es-AR" sz="2600" dirty="0" smtClean="0">
-                <a:solidFill>
-                  <a:srgbClr val="0F233C"/>
-                </a:solidFill>
-              </a:rPr>
-              <a:t>concerns clásicos: listar concerns </a:t>
-            </a:r>
-          </a:p>
-          <a:p>
-            <a:pPr lvl="1"/>
-            <a:r>
-              <a:rPr lang="es-AR" sz="2600" dirty="0" smtClean="0">
-                <a:solidFill>
-                  <a:srgbClr val="0F233C"/>
-                </a:solidFill>
-              </a:rPr>
-              <a:t>disponibilidad  de ambas versiones</a:t>
+            <a:pPr marL="742950" lvl="2" indent="-342900">
+              <a:buFont typeface="Wingdings" pitchFamily="2" charset="2"/>
+              <a:buChar char="ü"/>
+            </a:pPr>
+            <a:r>
+              <a:rPr lang="es-AR" dirty="0" smtClean="0">
+                <a:solidFill>
+                  <a:srgbClr val="0F233C"/>
+                </a:solidFill>
+              </a:rPr>
+              <a:t>Sistema real y suficientemente </a:t>
+            </a:r>
+            <a:r>
+              <a:rPr lang="es-AR" dirty="0" smtClean="0">
+                <a:solidFill>
+                  <a:srgbClr val="0F233C"/>
+                </a:solidFill>
+              </a:rPr>
+              <a:t>complejo</a:t>
+            </a:r>
+          </a:p>
+          <a:p>
+            <a:pPr marL="742950" lvl="2" indent="-342900">
+              <a:buFont typeface="Wingdings" pitchFamily="2" charset="2"/>
+              <a:buChar char="ü"/>
+            </a:pPr>
+            <a:r>
+              <a:rPr lang="es-AR" dirty="0" smtClean="0">
+                <a:solidFill>
+                  <a:srgbClr val="0F233C"/>
+                </a:solidFill>
+              </a:rPr>
+              <a:t>Existencia de </a:t>
+            </a:r>
+            <a:r>
+              <a:rPr lang="es-AR" dirty="0" err="1" smtClean="0">
+                <a:solidFill>
+                  <a:srgbClr val="0F233C"/>
+                </a:solidFill>
+              </a:rPr>
+              <a:t>análsis</a:t>
+            </a:r>
+            <a:r>
+              <a:rPr lang="es-AR" dirty="0" smtClean="0">
+                <a:solidFill>
+                  <a:srgbClr val="0F233C"/>
+                </a:solidFill>
+              </a:rPr>
+              <a:t> previos</a:t>
+            </a:r>
+          </a:p>
+          <a:p>
+            <a:pPr marL="742950" lvl="2" indent="-342900">
+              <a:buFont typeface="Wingdings" pitchFamily="2" charset="2"/>
+              <a:buChar char="ü"/>
+            </a:pPr>
+            <a:r>
+              <a:rPr lang="es-AR" dirty="0" smtClean="0">
+                <a:solidFill>
+                  <a:srgbClr val="0F233C"/>
+                </a:solidFill>
+              </a:rPr>
+              <a:t>Concerns </a:t>
+            </a:r>
+            <a:r>
+              <a:rPr lang="es-AR" dirty="0" smtClean="0">
+                <a:solidFill>
+                  <a:srgbClr val="0F233C"/>
+                </a:solidFill>
+              </a:rPr>
+              <a:t>clásicos</a:t>
+            </a:r>
+            <a:r>
+              <a:rPr lang="es-AR" dirty="0" smtClean="0">
+                <a:solidFill>
+                  <a:srgbClr val="0F233C"/>
+                </a:solidFill>
+              </a:rPr>
+              <a:t>: </a:t>
+            </a:r>
+            <a:r>
+              <a:rPr lang="es-AR" dirty="0" smtClean="0">
+                <a:solidFill>
+                  <a:srgbClr val="0F233C"/>
+                </a:solidFill>
+              </a:rPr>
+              <a:t>persistencia, manejo de excepciones, distribución y concurrencia</a:t>
+            </a:r>
+          </a:p>
+          <a:p>
+            <a:pPr marL="742950" lvl="2" indent="-342900">
+              <a:buFont typeface="Wingdings" pitchFamily="2" charset="2"/>
+              <a:buChar char="ü"/>
+            </a:pPr>
+            <a:r>
+              <a:rPr lang="es-AR" dirty="0" smtClean="0">
+                <a:solidFill>
+                  <a:srgbClr val="0F233C"/>
+                </a:solidFill>
+              </a:rPr>
+              <a:t>Disponibilidad  </a:t>
+            </a:r>
+            <a:r>
+              <a:rPr lang="es-AR" dirty="0" smtClean="0">
+                <a:solidFill>
+                  <a:srgbClr val="0F233C"/>
+                </a:solidFill>
+              </a:rPr>
+              <a:t>de ambas versiones</a:t>
             </a:r>
           </a:p>
           <a:p>
@@ -18618,9 +18769,9 @@
       </p:sp>
       <p:pic>
         <p:nvPicPr>
-          <p:cNvPr id="6146" name="Picture 2" descr="C:\Program Files (x86)\Microsoft Office\MEDIA\CAGCAT10\j0300520.gif"/>
+          <p:cNvPr id="4100" name="Picture 4" descr="C:\Users\maria\Desktop\web.jpg"/>
           <p:cNvPicPr>
-            <a:picLocks noChangeAspect="1" noChangeArrowheads="1" noCrop="1"/>
+            <a:picLocks noChangeAspect="1" noChangeArrowheads="1"/>
           </p:cNvPicPr>
           <p:nvPr/>
         </p:nvPicPr>
@@ -18633,8 +18784,8 @@
         </p:blipFill>
         <p:spPr bwMode="auto">
           <a:xfrm>
-            <a:off x="6643702" y="4429132"/>
-            <a:ext cx="2143140" cy="1843100"/>
+            <a:off x="6215074" y="5189290"/>
+            <a:ext cx="2214578" cy="1454420"/>
           </a:xfrm>
           <a:prstGeom prst="rect">
             <a:avLst/>
@@ -19844,15 +19995,15 @@
       </p:sp>
       <p:graphicFrame>
         <p:nvGraphicFramePr>
-          <p:cNvPr id="4" name="3 Tabla"/>
+          <p:cNvPr id="6" name="5 Tabla"/>
           <p:cNvGraphicFramePr>
             <a:graphicFrameLocks noGrp="1"/>
           </p:cNvGraphicFramePr>
           <p:nvPr/>
         </p:nvGraphicFramePr>
         <p:xfrm>
-          <a:off x="285720" y="1357298"/>
-          <a:ext cx="6096000" cy="2217420"/>
+          <a:off x="357158" y="1571612"/>
+          <a:ext cx="6096000" cy="2488819"/>
         </p:xfrm>
         <a:graphic>
           <a:graphicData uri="http://schemas.openxmlformats.org/drawingml/2006/table">
@@ -19882,7 +20033,7 @@
                         </a:spcAft>
                       </a:pPr>
                       <a:r>
-                        <a:rPr lang="es-AR" sz="900" b="1" dirty="0">
+                        <a:rPr lang="es-AR" sz="1100" b="1" dirty="0">
                           <a:solidFill>
                             <a:srgbClr val="000000"/>
                           </a:solidFill>
@@ -19892,7 +20043,7 @@
                         </a:rPr>
                         <a:t>Crosscutting Concerns</a:t>
                       </a:r>
-                      <a:endParaRPr lang="en-US" sz="1000" dirty="0">
+                      <a:endParaRPr lang="en-US" sz="1100" dirty="0">
                         <a:latin typeface="Calibri"/>
                         <a:ea typeface="Calibri"/>
                         <a:cs typeface="Times New Roman"/>
@@ -19903,11 +20054,9 @@
                     <a:lnL>
                       <a:noFill/>
                     </a:lnL>
-                    <a:lnR w="12700" cap="flat" cmpd="sng" algn="ctr">
+                    <a:lnR w="19050" cap="flat" cmpd="sng" algn="ctr">
                       <a:solidFill>
-                        <a:schemeClr val="tx2">
-                          <a:lumMod val="75000"/>
-                        </a:schemeClr>
+                        <a:srgbClr val="404040"/>
                       </a:solidFill>
                       <a:prstDash val="solid"/>
                       <a:round/>
@@ -19951,22 +20100,14 @@
                         </a:spcAft>
                       </a:pPr>
                       <a:r>
-                        <a:rPr lang="en-US" sz="1000" b="1" dirty="0" err="1">
+                        <a:rPr lang="en-US" sz="1100" b="1">
                           <a:latin typeface="Calibri"/>
                           <a:ea typeface="Calibri"/>
                           <a:cs typeface="Times New Roman"/>
                         </a:rPr>
-                        <a:t>Sinergia</a:t>
+                        <a:t>Sinergia I</a:t>
                       </a:r>
-                      <a:r>
-                        <a:rPr lang="en-US" sz="1000" b="1" dirty="0">
-                          <a:latin typeface="Calibri"/>
-                          <a:ea typeface="Calibri"/>
-                          <a:cs typeface="Times New Roman"/>
-                        </a:rPr>
-                        <a:t> I</a:t>
-                      </a:r>
-                      <a:endParaRPr lang="en-US" sz="1000" dirty="0">
+                      <a:endParaRPr lang="en-US" sz="1100">
                         <a:latin typeface="Calibri"/>
                         <a:ea typeface="Calibri"/>
                         <a:cs typeface="Times New Roman"/>
@@ -19974,22 +20115,18 @@
                     </a:p>
                   </a:txBody>
                   <a:tcPr marL="73025" marR="73025">
-                    <a:lnL w="12700" cap="flat" cmpd="sng" algn="ctr">
+                    <a:lnL w="19050" cap="flat" cmpd="sng" algn="ctr">
                       <a:solidFill>
-                        <a:schemeClr val="tx2">
-                          <a:lumMod val="75000"/>
-                        </a:schemeClr>
+                        <a:srgbClr val="404040"/>
                       </a:solidFill>
                       <a:prstDash val="solid"/>
                       <a:round/>
                       <a:headEnd type="none" w="med" len="med"/>
                       <a:tailEnd type="none" w="med" len="med"/>
                     </a:lnL>
-                    <a:lnR w="12700" cap="flat" cmpd="sng" algn="ctr">
+                    <a:lnR w="19050" cap="flat" cmpd="sng" algn="ctr">
                       <a:solidFill>
-                        <a:schemeClr val="tx2">
-                          <a:lumMod val="75000"/>
-                        </a:schemeClr>
+                        <a:srgbClr val="404040"/>
                       </a:solidFill>
                       <a:prstDash val="solid"/>
                       <a:round/>
@@ -20033,22 +20170,14 @@
                         </a:spcAft>
                       </a:pPr>
                       <a:r>
-                        <a:rPr lang="en-US" sz="1000" b="1" dirty="0" err="1">
+                        <a:rPr lang="en-US" sz="1100" b="1">
                           <a:latin typeface="Calibri"/>
                           <a:ea typeface="Calibri"/>
                           <a:cs typeface="Times New Roman"/>
                         </a:rPr>
-                        <a:t>Sinergia</a:t>
+                        <a:t>Sinergia II</a:t>
                       </a:r>
-                      <a:r>
-                        <a:rPr lang="en-US" sz="1000" b="1" dirty="0">
-                          <a:latin typeface="Calibri"/>
-                          <a:ea typeface="Calibri"/>
-                          <a:cs typeface="Times New Roman"/>
-                        </a:rPr>
-                        <a:t> II</a:t>
-                      </a:r>
-                      <a:endParaRPr lang="en-US" sz="1000" dirty="0">
+                      <a:endParaRPr lang="en-US" sz="1100">
                         <a:latin typeface="Calibri"/>
                         <a:ea typeface="Calibri"/>
                         <a:cs typeface="Times New Roman"/>
@@ -20056,29 +20185,7 @@
                     </a:p>
                   </a:txBody>
                   <a:tcPr marL="73025" marR="73025">
-                    <a:lnL w="12700" cap="flat" cmpd="sng" algn="ctr">
-                      <a:solidFill>
-                        <a:schemeClr val="tx2">
-                          <a:lumMod val="75000"/>
-                        </a:schemeClr>
-                      </a:solidFill>
-                      <a:prstDash val="solid"/>
-                      <a:round/>
-                      <a:headEnd type="none" w="med" len="med"/>
-                      <a:tailEnd type="none" w="med" len="med"/>
-                    </a:lnL>
-                    <a:lnR w="12700" cap="flat" cmpd="sng" algn="ctr">
-                      <a:solidFill>
-                        <a:schemeClr val="tx2">
-                          <a:lumMod val="75000"/>
-                        </a:schemeClr>
-                      </a:solidFill>
-                      <a:prstDash val="solid"/>
-                      <a:round/>
-                      <a:headEnd type="none" w="med" len="med"/>
-                      <a:tailEnd type="none" w="med" len="med"/>
-                    </a:lnR>
-                    <a:lnT w="19050" cap="flat" cmpd="sng" algn="ctr">
+                    <a:lnL w="19050" cap="flat" cmpd="sng" algn="ctr">
                       <a:solidFill>
                         <a:srgbClr val="404040"/>
                       </a:solidFill>
@@ -20086,146 +20193,10 @@
                       <a:round/>
                       <a:headEnd type="none" w="med" len="med"/>
                       <a:tailEnd type="none" w="med" len="med"/>
-                    </a:lnT>
-                    <a:lnB w="12700" cap="flat" cmpd="sng" algn="ctr">
-                      <a:solidFill>
-                        <a:schemeClr val="tx2">
-                          <a:lumMod val="75000"/>
-                        </a:schemeClr>
-                      </a:solidFill>
-                      <a:prstDash val="solid"/>
-                      <a:round/>
-                      <a:headEnd type="none" w="med" len="med"/>
-                      <a:tailEnd type="none" w="med" len="med"/>
-                    </a:lnB>
-                  </a:tcPr>
-                </a:tc>
-                <a:tc>
-                  <a:txBody>
-                    <a:bodyPr/>
-                    <a:lstStyle/>
-                    <a:p>
-                      <a:pPr marL="0" marR="0" algn="ctr">
-                        <a:lnSpc>
-                          <a:spcPct val="115000"/>
-                        </a:lnSpc>
-                        <a:spcBef>
-                          <a:spcPts val="0"/>
-                        </a:spcBef>
-                        <a:spcAft>
-                          <a:spcPts val="0"/>
-                        </a:spcAft>
-                      </a:pPr>
-                      <a:r>
-                        <a:rPr lang="en-US" sz="1000" b="1" dirty="0" err="1">
-                          <a:latin typeface="Calibri"/>
-                          <a:ea typeface="Calibri"/>
-                          <a:cs typeface="Times New Roman"/>
-                        </a:rPr>
-                        <a:t>Métodos</a:t>
-                      </a:r>
-                      <a:r>
-                        <a:rPr lang="en-US" sz="1000" b="1" dirty="0">
-                          <a:latin typeface="Calibri"/>
-                          <a:ea typeface="Calibri"/>
-                          <a:cs typeface="Times New Roman"/>
-                        </a:rPr>
-                        <a:t> </a:t>
-                      </a:r>
-                      <a:r>
-                        <a:rPr lang="en-US" sz="1000" b="1" dirty="0" err="1">
-                          <a:latin typeface="Calibri"/>
-                          <a:ea typeface="Calibri"/>
-                          <a:cs typeface="Times New Roman"/>
-                        </a:rPr>
-                        <a:t>Redireccionadores</a:t>
-                      </a:r>
-                      <a:endParaRPr lang="en-US" sz="1000" dirty="0">
-                        <a:latin typeface="Calibri"/>
-                        <a:ea typeface="Calibri"/>
-                        <a:cs typeface="Times New Roman"/>
-                      </a:endParaRPr>
-                    </a:p>
-                  </a:txBody>
-                  <a:tcPr marL="73025" marR="73025">
-                    <a:lnL w="12700" cap="flat" cmpd="sng" algn="ctr">
-                      <a:solidFill>
-                        <a:schemeClr val="tx2">
-                          <a:lumMod val="75000"/>
-                        </a:schemeClr>
-                      </a:solidFill>
-                      <a:prstDash val="solid"/>
-                      <a:round/>
-                      <a:headEnd type="none" w="med" len="med"/>
-                      <a:tailEnd type="none" w="med" len="med"/>
                     </a:lnL>
-                    <a:lnR>
-                      <a:noFill/>
-                    </a:lnR>
-                    <a:lnT w="19050" cap="flat" cmpd="sng" algn="ctr">
+                    <a:lnR w="19050" cap="flat" cmpd="sng" algn="ctr">
                       <a:solidFill>
                         <a:srgbClr val="404040"/>
-                      </a:solidFill>
-                      <a:prstDash val="solid"/>
-                      <a:round/>
-                      <a:headEnd type="none" w="med" len="med"/>
-                      <a:tailEnd type="none" w="med" len="med"/>
-                    </a:lnT>
-                    <a:lnB w="12700" cap="flat" cmpd="sng" algn="ctr">
-                      <a:solidFill>
-                        <a:schemeClr val="tx2">
-                          <a:lumMod val="75000"/>
-                        </a:schemeClr>
-                      </a:solidFill>
-                      <a:prstDash val="solid"/>
-                      <a:round/>
-                      <a:headEnd type="none" w="med" len="med"/>
-                      <a:tailEnd type="none" w="med" len="med"/>
-                    </a:lnB>
-                  </a:tcPr>
-                </a:tc>
-              </a:tr>
-              <a:tr h="0">
-                <a:tc>
-                  <a:txBody>
-                    <a:bodyPr/>
-                    <a:lstStyle/>
-                    <a:p>
-                      <a:pPr marL="0" marR="0" algn="ctr">
-                        <a:lnSpc>
-                          <a:spcPct val="115000"/>
-                        </a:lnSpc>
-                        <a:spcBef>
-                          <a:spcPts val="0"/>
-                        </a:spcBef>
-                        <a:spcAft>
-                          <a:spcPts val="0"/>
-                        </a:spcAft>
-                      </a:pPr>
-                      <a:r>
-                        <a:rPr lang="es-AR" sz="1000" dirty="0">
-                          <a:latin typeface="Calibri"/>
-                          <a:ea typeface="Calibri"/>
-                          <a:cs typeface="Times New Roman"/>
-                        </a:rPr>
-                        <a:t>distribución</a:t>
-                      </a:r>
-                      <a:endParaRPr lang="en-US" sz="1000" dirty="0">
-                        <a:latin typeface="Calibri"/>
-                        <a:ea typeface="Calibri"/>
-                        <a:cs typeface="Times New Roman"/>
-                      </a:endParaRPr>
-                    </a:p>
-                  </a:txBody>
-                  <a:tcPr marL="73025" marR="73025" anchor="ctr">
-                    <a:lnL>
-                      <a:noFill/>
-                    </a:lnL>
-                    <a:lnR w="12700" cap="flat" cmpd="sng" algn="ctr">
-                      <a:solidFill>
-                        <a:schemeClr val="tx2">
-                          <a:lumMod val="75000"/>
-                        </a:schemeClr>
                       </a:solidFill>
                       <a:prstDash val="solid"/>
                       <a:round/>
@@ -20269,14 +20240,14 @@
                         </a:spcAft>
                       </a:pPr>
                       <a:r>
-                        <a:rPr lang="en-US" sz="1000" i="1" dirty="0">
+                        <a:rPr lang="en-US" sz="1100" b="1">
                           <a:latin typeface="Calibri"/>
                           <a:ea typeface="Calibri"/>
                           <a:cs typeface="Times New Roman"/>
                         </a:rPr>
-                        <a:t>-</a:t>
+                        <a:t>Métodos Redireccionadores</a:t>
                       </a:r>
-                      <a:endParaRPr lang="en-US" sz="1000" dirty="0">
+                      <a:endParaRPr lang="en-US" sz="1100">
                         <a:latin typeface="Calibri"/>
                         <a:ea typeface="Calibri"/>
                         <a:cs typeface="Times New Roman"/>
@@ -20284,22 +20255,78 @@
                     </a:p>
                   </a:txBody>
                   <a:tcPr marL="73025" marR="73025">
-                    <a:lnL w="12700" cap="flat" cmpd="sng" algn="ctr">
+                    <a:lnL w="19050" cap="flat" cmpd="sng" algn="ctr">
                       <a:solidFill>
-                        <a:schemeClr val="tx2">
-                          <a:lumMod val="75000"/>
-                        </a:schemeClr>
+                        <a:srgbClr val="404040"/>
                       </a:solidFill>
                       <a:prstDash val="solid"/>
                       <a:round/>
                       <a:headEnd type="none" w="med" len="med"/>
                       <a:tailEnd type="none" w="med" len="med"/>
                     </a:lnL>
-                    <a:lnR w="12700" cap="flat" cmpd="sng" algn="ctr">
+                    <a:lnR>
+                      <a:noFill/>
+                    </a:lnR>
+                    <a:lnT w="19050" cap="flat" cmpd="sng" algn="ctr">
                       <a:solidFill>
-                        <a:schemeClr val="tx2">
-                          <a:lumMod val="75000"/>
-                        </a:schemeClr>
+                        <a:srgbClr val="404040"/>
+                      </a:solidFill>
+                      <a:prstDash val="solid"/>
+                      <a:round/>
+                      <a:headEnd type="none" w="med" len="med"/>
+                      <a:tailEnd type="none" w="med" len="med"/>
+                    </a:lnT>
+                    <a:lnB w="19050" cap="flat" cmpd="sng" algn="ctr">
+                      <a:solidFill>
+                        <a:srgbClr val="404040"/>
+                      </a:solidFill>
+                      <a:prstDash val="solid"/>
+                      <a:round/>
+                      <a:headEnd type="none" w="med" len="med"/>
+                      <a:tailEnd type="none" w="med" len="med"/>
+                    </a:lnB>
+                  </a:tcPr>
+                </a:tc>
+              </a:tr>
+              <a:tr h="0">
+                <a:tc>
+                  <a:txBody>
+                    <a:bodyPr/>
+                    <a:lstStyle/>
+                    <a:p>
+                      <a:pPr marL="0" marR="0" algn="ctr">
+                        <a:lnSpc>
+                          <a:spcPct val="115000"/>
+                        </a:lnSpc>
+                        <a:spcBef>
+                          <a:spcPts val="0"/>
+                        </a:spcBef>
+                        <a:spcAft>
+                          <a:spcPts val="0"/>
+                        </a:spcAft>
+                      </a:pPr>
+                      <a:r>
+                        <a:rPr lang="es-AR" sz="1100">
+                          <a:latin typeface="Calibri"/>
+                          <a:ea typeface="Calibri"/>
+                          <a:cs typeface="Times New Roman"/>
+                        </a:rPr>
+                        <a:t>distribución</a:t>
+                      </a:r>
+                      <a:endParaRPr lang="en-US" sz="1100">
+                        <a:latin typeface="Calibri"/>
+                        <a:ea typeface="Calibri"/>
+                        <a:cs typeface="Times New Roman"/>
+                      </a:endParaRPr>
+                    </a:p>
+                  </a:txBody>
+                  <a:tcPr marL="73025" marR="73025" anchor="ctr">
+                    <a:lnL>
+                      <a:noFill/>
+                    </a:lnL>
+                    <a:lnR w="19050" cap="flat" cmpd="sng" algn="ctr">
+                      <a:solidFill>
+                        <a:srgbClr val="404040"/>
                       </a:solidFill>
                       <a:prstDash val="solid"/>
                       <a:round/>
@@ -20343,14 +20370,14 @@
                         </a:spcAft>
                       </a:pPr>
                       <a:r>
-                        <a:rPr lang="en-US" sz="1000" i="1" dirty="0">
+                        <a:rPr lang="en-US" sz="1100" i="1" dirty="0">
                           <a:latin typeface="Calibri"/>
                           <a:ea typeface="Calibri"/>
                           <a:cs typeface="Times New Roman"/>
                         </a:rPr>
                         <a:t>-</a:t>
                       </a:r>
-                      <a:endParaRPr lang="en-US" sz="1000" dirty="0">
+                      <a:endParaRPr lang="en-US" sz="1100" dirty="0">
                         <a:latin typeface="Calibri"/>
                         <a:ea typeface="Calibri"/>
                         <a:cs typeface="Times New Roman"/>
@@ -20358,166 +20385,7 @@
                     </a:p>
                   </a:txBody>
                   <a:tcPr marL="73025" marR="73025">
-                    <a:lnL w="12700" cap="flat" cmpd="sng" algn="ctr">
-                      <a:solidFill>
-                        <a:schemeClr val="tx2">
-                          <a:lumMod val="75000"/>
-                        </a:schemeClr>
-                      </a:solidFill>
-                      <a:prstDash val="solid"/>
-                      <a:round/>
-                      <a:headEnd type="none" w="med" len="med"/>
-                      <a:tailEnd type="none" w="med" len="med"/>
-                    </a:lnL>
-                    <a:lnR w="12700" cap="flat" cmpd="sng" algn="ctr">
-                      <a:solidFill>
-                        <a:schemeClr val="tx2">
-                          <a:lumMod val="75000"/>
-                        </a:schemeClr>
-                      </a:solidFill>
-                      <a:prstDash val="solid"/>
-                      <a:round/>
-                      <a:headEnd type="none" w="med" len="med"/>
-                      <a:tailEnd type="none" w="med" len="med"/>
-                    </a:lnR>
-                    <a:lnT w="12700" cap="flat" cmpd="sng" algn="ctr">
-                      <a:solidFill>
-                        <a:schemeClr val="tx2">
-                          <a:lumMod val="75000"/>
-                        </a:schemeClr>
-                      </a:solidFill>
-                      <a:prstDash val="solid"/>
-                      <a:round/>
-                      <a:headEnd type="none" w="med" len="med"/>
-                      <a:tailEnd type="none" w="med" len="med"/>
-                    </a:lnT>
-                    <a:lnB w="12700" cap="flat" cmpd="sng" algn="ctr">
-                      <a:solidFill>
-                        <a:schemeClr val="tx2">
-                          <a:lumMod val="75000"/>
-                        </a:schemeClr>
-                      </a:solidFill>
-                      <a:prstDash val="solid"/>
-                      <a:round/>
-                      <a:headEnd type="none" w="med" len="med"/>
-                      <a:tailEnd type="none" w="med" len="med"/>
-                    </a:lnB>
-                  </a:tcPr>
-                </a:tc>
-                <a:tc>
-                  <a:txBody>
-                    <a:bodyPr/>
-                    <a:lstStyle/>
-                    <a:p>
-                      <a:pPr marL="0" marR="0" algn="ctr">
-                        <a:lnSpc>
-                          <a:spcPct val="115000"/>
-                        </a:lnSpc>
-                        <a:spcBef>
-                          <a:spcPts val="0"/>
-                        </a:spcBef>
-                        <a:spcAft>
-                          <a:spcPts val="0"/>
-                        </a:spcAft>
-                      </a:pPr>
-                      <a:r>
-                        <a:rPr lang="en-US" sz="1000" dirty="0">
-                          <a:latin typeface="Calibri"/>
-                          <a:ea typeface="Calibri"/>
-                          <a:cs typeface="Times New Roman"/>
-                        </a:rPr>
-                        <a:t>X</a:t>
-                      </a:r>
-                    </a:p>
-                  </a:txBody>
-                  <a:tcPr marL="73025" marR="73025">
-                    <a:lnL w="12700" cap="flat" cmpd="sng" algn="ctr">
-                      <a:solidFill>
-                        <a:schemeClr val="tx2">
-                          <a:lumMod val="75000"/>
-                        </a:schemeClr>
-                      </a:solidFill>
-                      <a:prstDash val="solid"/>
-                      <a:round/>
-                      <a:headEnd type="none" w="med" len="med"/>
-                      <a:tailEnd type="none" w="med" len="med"/>
-                    </a:lnL>
-                    <a:lnR>
-                      <a:noFill/>
-                    </a:lnR>
-                    <a:lnT w="12700" cap="flat" cmpd="sng" algn="ctr">
-                      <a:solidFill>
-                        <a:schemeClr val="tx2">
-                          <a:lumMod val="75000"/>
-                        </a:schemeClr>
-                      </a:solidFill>
-                      <a:prstDash val="solid"/>
-                      <a:round/>
-                      <a:headEnd type="none" w="med" len="med"/>
-                      <a:tailEnd type="none" w="med" len="med"/>
-                    </a:lnT>
-                    <a:lnB w="12700" cap="flat" cmpd="sng" algn="ctr">
-                      <a:solidFill>
-                        <a:schemeClr val="tx2">
-                          <a:lumMod val="75000"/>
-                        </a:schemeClr>
-                      </a:solidFill>
-                      <a:prstDash val="solid"/>
-                      <a:round/>
-                      <a:headEnd type="none" w="med" len="med"/>
-                      <a:tailEnd type="none" w="med" len="med"/>
-                    </a:lnB>
-                  </a:tcPr>
-                </a:tc>
-              </a:tr>
-              <a:tr h="0">
-                <a:tc>
-                  <a:txBody>
-                    <a:bodyPr/>
-                    <a:lstStyle/>
-                    <a:p>
-                      <a:pPr marL="0" marR="0" algn="ctr">
-                        <a:lnSpc>
-                          <a:spcPct val="115000"/>
-                        </a:lnSpc>
-                        <a:spcBef>
-                          <a:spcPts val="0"/>
-                        </a:spcBef>
-                        <a:spcAft>
-                          <a:spcPts val="0"/>
-                        </a:spcAft>
-                      </a:pPr>
-                      <a:r>
-                        <a:rPr lang="es-AR" sz="1000" dirty="0">
-                          <a:latin typeface="Calibri"/>
-                          <a:ea typeface="Calibri"/>
-                          <a:cs typeface="Times New Roman"/>
-                        </a:rPr>
-                        <a:t>control de persistencia</a:t>
-                      </a:r>
-                      <a:endParaRPr lang="en-US" sz="1000" dirty="0">
-                        <a:latin typeface="Calibri"/>
-                        <a:ea typeface="Calibri"/>
-                        <a:cs typeface="Times New Roman"/>
-                      </a:endParaRPr>
-                    </a:p>
-                  </a:txBody>
-                  <a:tcPr marL="73025" marR="73025" anchor="ctr">
-                    <a:lnL>
-                      <a:noFill/>
-                    </a:lnL>
-                    <a:lnR w="12700" cap="flat" cmpd="sng" algn="ctr">
-                      <a:solidFill>
-                        <a:schemeClr val="tx2">
-                          <a:lumMod val="75000"/>
-                        </a:schemeClr>
-                      </a:solidFill>
-                      <a:prstDash val="solid"/>
-                      <a:round/>
-                      <a:headEnd type="none" w="med" len="med"/>
-                      <a:tailEnd type="none" w="med" len="med"/>
-                    </a:lnR>
-                    <a:lnT w="19050" cap="flat" cmpd="sng" algn="ctr">
+                    <a:lnL w="19050" cap="flat" cmpd="sng" algn="ctr">
                       <a:solidFill>
                         <a:srgbClr val="404040"/>
                       </a:solidFill>
@@ -20525,63 +20393,10 @@
                       <a:round/>
                       <a:headEnd type="none" w="med" len="med"/>
                       <a:tailEnd type="none" w="med" len="med"/>
-                    </a:lnT>
-                    <a:lnB w="12700" cap="flat" cmpd="sng" algn="ctr">
+                    </a:lnL>
+                    <a:lnR w="19050" cap="flat" cmpd="sng" algn="ctr">
                       <a:solidFill>
-                        <a:schemeClr val="tx2">
-                          <a:lumMod val="75000"/>
-                        </a:schemeClr>
-                      </a:solidFill>
-                      <a:prstDash val="solid"/>
-                      <a:round/>
-                      <a:headEnd type="none" w="med" len="med"/>
-                      <a:tailEnd type="none" w="med" len="med"/>
-                    </a:lnB>
-                  </a:tcPr>
-                </a:tc>
-                <a:tc>
-                  <a:txBody>
-                    <a:bodyPr/>
-                    <a:lstStyle/>
-                    <a:p>
-                      <a:pPr marL="0" marR="0" algn="ctr">
-                        <a:lnSpc>
-                          <a:spcPct val="115000"/>
-                        </a:lnSpc>
-                        <a:spcBef>
-                          <a:spcPts val="0"/>
-                        </a:spcBef>
-                        <a:spcAft>
-                          <a:spcPts val="0"/>
-                        </a:spcAft>
-                      </a:pPr>
-                      <a:r>
-                        <a:rPr lang="en-US" sz="1000" dirty="0">
-                          <a:latin typeface="Calibri"/>
-                          <a:ea typeface="Calibri"/>
-                          <a:cs typeface="Times New Roman"/>
-                        </a:rPr>
-                        <a:t>X</a:t>
-                      </a:r>
-                    </a:p>
-                  </a:txBody>
-                  <a:tcPr marL="73025" marR="73025">
-                    <a:lnL w="12700" cap="flat" cmpd="sng" algn="ctr">
-                      <a:solidFill>
-                        <a:schemeClr val="tx2">
-                          <a:lumMod val="75000"/>
-                        </a:schemeClr>
-                      </a:solidFill>
-                      <a:prstDash val="solid"/>
-                      <a:round/>
-                      <a:headEnd type="none" w="med" len="med"/>
-                      <a:tailEnd type="none" w="med" len="med"/>
-                    </a:lnL>
-                    <a:lnR w="12700" cap="flat" cmpd="sng" algn="ctr">
-                      <a:solidFill>
-                        <a:schemeClr val="tx2">
-                          <a:lumMod val="75000"/>
-                        </a:schemeClr>
+                        <a:srgbClr val="404040"/>
                       </a:solidFill>
                       <a:prstDash val="solid"/>
                       <a:round/>
@@ -20625,88 +20440,14 @@
                         </a:spcAft>
                       </a:pPr>
                       <a:r>
-                        <a:rPr lang="en-US" sz="1000" dirty="0">
-                          <a:latin typeface="Calibri"/>
-                          <a:ea typeface="Calibri"/>
-                          <a:cs typeface="Times New Roman"/>
-                        </a:rPr>
-                        <a:t>X</a:t>
-                      </a:r>
-                    </a:p>
-                  </a:txBody>
-                  <a:tcPr marL="73025" marR="73025">
-                    <a:lnL w="12700" cap="flat" cmpd="sng" algn="ctr">
-                      <a:solidFill>
-                        <a:schemeClr val="tx2">
-                          <a:lumMod val="75000"/>
-                        </a:schemeClr>
-                      </a:solidFill>
-                      <a:prstDash val="solid"/>
-                      <a:round/>
-                      <a:headEnd type="none" w="med" len="med"/>
-                      <a:tailEnd type="none" w="med" len="med"/>
-                    </a:lnL>
-                    <a:lnR w="19050" cap="flat" cmpd="sng" algn="ctr">
-                      <a:solidFill>
-                        <a:srgbClr val="404040"/>
-                      </a:solidFill>
-                      <a:prstDash val="solid"/>
-                      <a:round/>
-                      <a:headEnd type="none" w="med" len="med"/>
-                      <a:tailEnd type="none" w="med" len="med"/>
-                    </a:lnR>
-                    <a:lnT w="12700" cap="flat" cmpd="sng" algn="ctr">
-                      <a:solidFill>
-                        <a:schemeClr val="tx2">
-                          <a:lumMod val="75000"/>
-                        </a:schemeClr>
-                      </a:solidFill>
-                      <a:prstDash val="solid"/>
-                      <a:round/>
-                      <a:headEnd type="none" w="med" len="med"/>
-                      <a:tailEnd type="none" w="med" len="med"/>
-                    </a:lnT>
-                    <a:lnB w="12700" cap="flat" cmpd="sng" algn="ctr">
-                      <a:solidFill>
-                        <a:schemeClr val="tx2">
-                          <a:lumMod val="75000"/>
-                        </a:schemeClr>
-                      </a:solidFill>
-                      <a:prstDash val="solid"/>
-                      <a:round/>
-                      <a:headEnd type="none" w="med" len="med"/>
-                      <a:tailEnd type="none" w="med" len="med"/>
-                    </a:lnB>
-                  </a:tcPr>
-                </a:tc>
-                <a:tc>
-                  <a:txBody>
-                    <a:bodyPr/>
-                    <a:lstStyle/>
-                    <a:p>
-                      <a:pPr marL="0" marR="0" algn="ctr">
-                        <a:lnSpc>
-                          <a:spcPct val="115000"/>
-                        </a:lnSpc>
-                        <a:spcBef>
-                          <a:spcPts val="0"/>
-                        </a:spcBef>
-                        <a:spcAft>
-                          <a:spcPts val="0"/>
-                        </a:spcAft>
-                      </a:pPr>
-                      <a:r>
-                        <a:rPr lang="en-US" sz="900" b="1" dirty="0">
-                          <a:solidFill>
-                            <a:srgbClr val="000000"/>
-                          </a:solidFill>
+                        <a:rPr lang="en-US" sz="1100" i="1">
                           <a:latin typeface="Calibri"/>
                           <a:ea typeface="Calibri"/>
                           <a:cs typeface="Times New Roman"/>
                         </a:rPr>
                         <a:t>-</a:t>
                       </a:r>
-                      <a:endParaRPr lang="en-US" sz="1000" dirty="0">
+                      <a:endParaRPr lang="en-US" sz="1100">
                         <a:latin typeface="Calibri"/>
                         <a:ea typeface="Calibri"/>
                         <a:cs typeface="Times New Roman"/>
@@ -20723,144 +20464,9 @@
                       <a:headEnd type="none" w="med" len="med"/>
                       <a:tailEnd type="none" w="med" len="med"/>
                     </a:lnL>
-                    <a:lnR>
-                      <a:noFill/>
-                    </a:lnR>
-                    <a:lnT w="12700" cap="flat" cmpd="sng" algn="ctr">
-                      <a:solidFill>
-                        <a:schemeClr val="tx2">
-                          <a:lumMod val="75000"/>
-                        </a:schemeClr>
-                      </a:solidFill>
-                      <a:prstDash val="solid"/>
-                      <a:round/>
-                      <a:headEnd type="none" w="med" len="med"/>
-                      <a:tailEnd type="none" w="med" len="med"/>
-                    </a:lnT>
-                    <a:lnB w="12700" cap="flat" cmpd="sng" algn="ctr">
-                      <a:solidFill>
-                        <a:schemeClr val="tx2">
-                          <a:lumMod val="75000"/>
-                        </a:schemeClr>
-                      </a:solidFill>
-                      <a:prstDash val="solid"/>
-                      <a:round/>
-                      <a:headEnd type="none" w="med" len="med"/>
-                      <a:tailEnd type="none" w="med" len="med"/>
-                    </a:lnB>
-                  </a:tcPr>
-                </a:tc>
-              </a:tr>
-              <a:tr h="0">
-                <a:tc>
-                  <a:txBody>
-                    <a:bodyPr/>
-                    <a:lstStyle/>
-                    <a:p>
-                      <a:pPr marL="0" marR="0" algn="ctr">
-                        <a:lnSpc>
-                          <a:spcPct val="115000"/>
-                        </a:lnSpc>
-                        <a:spcBef>
-                          <a:spcPts val="0"/>
-                        </a:spcBef>
-                        <a:spcAft>
-                          <a:spcPts val="0"/>
-                        </a:spcAft>
-                      </a:pPr>
-                      <a:r>
-                        <a:rPr lang="es-AR" sz="1000" dirty="0">
-                          <a:latin typeface="Calibri"/>
-                          <a:ea typeface="Calibri"/>
-                          <a:cs typeface="Times New Roman"/>
-                        </a:rPr>
-                        <a:t>control de transacciones</a:t>
-                      </a:r>
-                      <a:endParaRPr lang="en-US" sz="1000" dirty="0">
-                        <a:latin typeface="Calibri"/>
-                        <a:ea typeface="Calibri"/>
-                        <a:cs typeface="Times New Roman"/>
-                      </a:endParaRPr>
-                    </a:p>
-                  </a:txBody>
-                  <a:tcPr marL="73025" marR="73025" anchor="ctr">
-                    <a:lnL>
-                      <a:noFill/>
-                    </a:lnL>
                     <a:lnR w="19050" cap="flat" cmpd="sng" algn="ctr">
                       <a:solidFill>
                         <a:srgbClr val="404040"/>
-                      </a:solidFill>
-                      <a:prstDash val="solid"/>
-                      <a:round/>
-                      <a:headEnd type="none" w="med" len="med"/>
-                      <a:tailEnd type="none" w="med" len="med"/>
-                    </a:lnR>
-                    <a:lnT w="12700" cap="flat" cmpd="sng" algn="ctr">
-                      <a:solidFill>
-                        <a:schemeClr val="tx2">
-                          <a:lumMod val="75000"/>
-                        </a:schemeClr>
-                      </a:solidFill>
-                      <a:prstDash val="solid"/>
-                      <a:round/>
-                      <a:headEnd type="none" w="med" len="med"/>
-                      <a:tailEnd type="none" w="med" len="med"/>
-                    </a:lnT>
-                    <a:lnB w="12700" cap="flat" cmpd="sng" algn="ctr">
-                      <a:solidFill>
-                        <a:schemeClr val="tx2">
-                          <a:lumMod val="75000"/>
-                        </a:schemeClr>
-                      </a:solidFill>
-                      <a:prstDash val="solid"/>
-                      <a:round/>
-                      <a:headEnd type="none" w="med" len="med"/>
-                      <a:tailEnd type="none" w="med" len="med"/>
-                    </a:lnB>
-                  </a:tcPr>
-                </a:tc>
-                <a:tc>
-                  <a:txBody>
-                    <a:bodyPr/>
-                    <a:lstStyle/>
-                    <a:p>
-                      <a:pPr marL="0" marR="0" algn="ctr">
-                        <a:lnSpc>
-                          <a:spcPct val="115000"/>
-                        </a:lnSpc>
-                        <a:spcBef>
-                          <a:spcPts val="0"/>
-                        </a:spcBef>
-                        <a:spcAft>
-                          <a:spcPts val="0"/>
-                        </a:spcAft>
-                      </a:pPr>
-                      <a:r>
-                        <a:rPr lang="en-US" sz="1000" dirty="0">
-                          <a:latin typeface="Calibri"/>
-                          <a:ea typeface="Calibri"/>
-                          <a:cs typeface="Times New Roman"/>
-                        </a:rPr>
-                        <a:t>X</a:t>
-                      </a:r>
-                    </a:p>
-                  </a:txBody>
-                  <a:tcPr marL="73025" marR="73025">
-                    <a:lnL w="19050" cap="flat" cmpd="sng" algn="ctr">
-                      <a:solidFill>
-                        <a:srgbClr val="404040"/>
-                      </a:solidFill>
-                      <a:prstDash val="solid"/>
-                      <a:round/>
-                      <a:headEnd type="none" w="med" len="med"/>
-                      <a:tailEnd type="none" w="med" len="med"/>
-                    </a:lnL>
-                    <a:lnR w="12700" cap="flat" cmpd="sng" algn="ctr">
-                      <a:solidFill>
-                        <a:schemeClr val="tx2">
-                          <a:lumMod val="75000"/>
-                        </a:schemeClr>
                       </a:solidFill>
                       <a:prstDash val="solid"/>
                       <a:round/>
@@ -20904,7 +20510,7 @@
                         </a:spcAft>
                       </a:pPr>
                       <a:r>
-                        <a:rPr lang="en-US" sz="1000" dirty="0">
+                        <a:rPr lang="en-US" sz="1100">
                           <a:latin typeface="Calibri"/>
                           <a:ea typeface="Calibri"/>
                           <a:cs typeface="Times New Roman"/>
@@ -20914,89 +20520,9 @@
                     </a:p>
                   </a:txBody>
                   <a:tcPr marL="73025" marR="73025">
-                    <a:lnL w="12700" cap="flat" cmpd="sng" algn="ctr">
+                    <a:lnL w="19050" cap="flat" cmpd="sng" algn="ctr">
                       <a:solidFill>
-                        <a:schemeClr val="tx2">
-                          <a:lumMod val="75000"/>
-                        </a:schemeClr>
-                      </a:solidFill>
-                      <a:prstDash val="solid"/>
-                      <a:round/>
-                      <a:headEnd type="none" w="med" len="med"/>
-                      <a:tailEnd type="none" w="med" len="med"/>
-                    </a:lnL>
-                    <a:lnR w="12700" cap="flat" cmpd="sng" algn="ctr">
-                      <a:solidFill>
-                        <a:schemeClr val="tx2">
-                          <a:lumMod val="75000"/>
-                        </a:schemeClr>
-                      </a:solidFill>
-                      <a:prstDash val="solid"/>
-                      <a:round/>
-                      <a:headEnd type="none" w="med" len="med"/>
-                      <a:tailEnd type="none" w="med" len="med"/>
-                    </a:lnR>
-                    <a:lnT w="12700" cap="flat" cmpd="sng" algn="ctr">
-                      <a:solidFill>
-                        <a:schemeClr val="tx2">
-                          <a:lumMod val="75000"/>
-                        </a:schemeClr>
-                      </a:solidFill>
-                      <a:prstDash val="solid"/>
-                      <a:round/>
-                      <a:headEnd type="none" w="med" len="med"/>
-                      <a:tailEnd type="none" w="med" len="med"/>
-                    </a:lnT>
-                    <a:lnB w="12700" cap="flat" cmpd="sng" algn="ctr">
-                      <a:solidFill>
-                        <a:schemeClr val="tx2">
-                          <a:lumMod val="75000"/>
-                        </a:schemeClr>
-                      </a:solidFill>
-                      <a:prstDash val="solid"/>
-                      <a:round/>
-                      <a:headEnd type="none" w="med" len="med"/>
-                      <a:tailEnd type="none" w="med" len="med"/>
-                    </a:lnB>
-                  </a:tcPr>
-                </a:tc>
-                <a:tc>
-                  <a:txBody>
-                    <a:bodyPr/>
-                    <a:lstStyle/>
-                    <a:p>
-                      <a:pPr marL="0" marR="0" algn="ctr">
-                        <a:lnSpc>
-                          <a:spcPct val="115000"/>
-                        </a:lnSpc>
-                        <a:spcBef>
-                          <a:spcPts val="0"/>
-                        </a:spcBef>
-                        <a:spcAft>
-                          <a:spcPts val="0"/>
-                        </a:spcAft>
-                      </a:pPr>
-                      <a:r>
-                        <a:rPr lang="en-US" sz="900" dirty="0">
-                          <a:latin typeface="Calibri"/>
-                          <a:ea typeface="Calibri"/>
-                          <a:cs typeface="Times New Roman"/>
-                        </a:rPr>
-                        <a:t>-</a:t>
-                      </a:r>
-                      <a:endParaRPr lang="en-US" sz="1000" dirty="0">
-                        <a:latin typeface="Calibri"/>
-                        <a:ea typeface="Calibri"/>
-                        <a:cs typeface="Times New Roman"/>
-                      </a:endParaRPr>
-                    </a:p>
-                  </a:txBody>
-                  <a:tcPr marL="73025" marR="73025">
-                    <a:lnL w="12700" cap="flat" cmpd="sng" algn="ctr">
-                      <a:solidFill>
-                        <a:schemeClr val="tx2">
-                          <a:lumMod val="75000"/>
-                        </a:schemeClr>
+                        <a:srgbClr val="404040"/>
                       </a:solidFill>
                       <a:prstDash val="solid"/>
                       <a:round/>
@@ -21006,22 +20532,18 @@
                     <a:lnR>
                       <a:noFill/>
                     </a:lnR>
-                    <a:lnT w="12700" cap="flat" cmpd="sng" algn="ctr">
+                    <a:lnT w="19050" cap="flat" cmpd="sng" algn="ctr">
                       <a:solidFill>
-                        <a:schemeClr val="tx2">
-                          <a:lumMod val="75000"/>
-                        </a:schemeClr>
+                        <a:srgbClr val="404040"/>
                       </a:solidFill>
                       <a:prstDash val="solid"/>
                       <a:round/>
                       <a:headEnd type="none" w="med" len="med"/>
                       <a:tailEnd type="none" w="med" len="med"/>
                     </a:lnT>
-                    <a:lnB w="12700" cap="flat" cmpd="sng" algn="ctr">
+                    <a:lnB w="19050" cap="flat" cmpd="sng" algn="ctr">
                       <a:solidFill>
-                        <a:schemeClr val="tx2">
-                          <a:lumMod val="75000"/>
-                        </a:schemeClr>
+                        <a:srgbClr val="404040"/>
                       </a:solidFill>
                       <a:prstDash val="solid"/>
                       <a:round/>
@@ -21049,14 +20571,14 @@
                         </a:spcAft>
                       </a:pPr>
                       <a:r>
-                        <a:rPr lang="es-AR" sz="1000" dirty="0">
+                        <a:rPr lang="es-AR" sz="1100">
                           <a:latin typeface="Calibri"/>
                           <a:ea typeface="Calibri"/>
                           <a:cs typeface="Times New Roman"/>
                         </a:rPr>
-                        <a:t>acceso a datos bajo demanda</a:t>
+                        <a:t>control de persistencia</a:t>
                       </a:r>
-                      <a:endParaRPr lang="en-US" sz="1000" dirty="0">
+                      <a:endParaRPr lang="en-US" sz="1100">
                         <a:latin typeface="Calibri"/>
                         <a:ea typeface="Calibri"/>
                         <a:cs typeface="Times New Roman"/>
@@ -21067,89 +20589,9 @@
                     <a:lnL>
                       <a:noFill/>
                     </a:lnL>
-                    <a:lnR w="12700" cap="flat" cmpd="sng" algn="ctr">
+                    <a:lnR w="19050" cap="flat" cmpd="sng" algn="ctr">
                       <a:solidFill>
-                        <a:schemeClr val="tx2">
-                          <a:lumMod val="75000"/>
-                        </a:schemeClr>
-                      </a:solidFill>
-                      <a:prstDash val="solid"/>
-                      <a:round/>
-                      <a:headEnd type="none" w="med" len="med"/>
-                      <a:tailEnd type="none" w="med" len="med"/>
-                    </a:lnR>
-                    <a:lnT w="12700" cap="flat" cmpd="sng" algn="ctr">
-                      <a:solidFill>
-                        <a:schemeClr val="tx2">
-                          <a:lumMod val="75000"/>
-                        </a:schemeClr>
-                      </a:solidFill>
-                      <a:prstDash val="solid"/>
-                      <a:round/>
-                      <a:headEnd type="none" w="med" len="med"/>
-                      <a:tailEnd type="none" w="med" len="med"/>
-                    </a:lnT>
-                    <a:lnB w="12700" cap="flat" cmpd="sng" algn="ctr">
-                      <a:solidFill>
-                        <a:schemeClr val="tx2">
-                          <a:lumMod val="75000"/>
-                        </a:schemeClr>
-                      </a:solidFill>
-                      <a:prstDash val="solid"/>
-                      <a:round/>
-                      <a:headEnd type="none" w="med" len="med"/>
-                      <a:tailEnd type="none" w="med" len="med"/>
-                    </a:lnB>
-                  </a:tcPr>
-                </a:tc>
-                <a:tc>
-                  <a:txBody>
-                    <a:bodyPr/>
-                    <a:lstStyle/>
-                    <a:p>
-                      <a:pPr marL="0" marR="0" algn="ctr">
-                        <a:lnSpc>
-                          <a:spcPct val="115000"/>
-                        </a:lnSpc>
-                        <a:spcBef>
-                          <a:spcPts val="0"/>
-                        </a:spcBef>
-                        <a:spcAft>
-                          <a:spcPts val="0"/>
-                        </a:spcAft>
-                      </a:pPr>
-                      <a:r>
-                        <a:rPr lang="es-AR" sz="1000" i="1" dirty="0">
-                          <a:latin typeface="Calibri"/>
-                          <a:ea typeface="Calibri"/>
-                          <a:cs typeface="Times New Roman"/>
-                        </a:rPr>
-                        <a:t>-</a:t>
-                      </a:r>
-                      <a:endParaRPr lang="en-US" sz="1000" dirty="0">
-                        <a:latin typeface="Calibri"/>
-                        <a:ea typeface="Calibri"/>
-                        <a:cs typeface="Times New Roman"/>
-                      </a:endParaRPr>
-                    </a:p>
-                  </a:txBody>
-                  <a:tcPr marL="73025" marR="73025">
-                    <a:lnL w="12700" cap="flat" cmpd="sng" algn="ctr">
-                      <a:solidFill>
-                        <a:schemeClr val="tx2">
-                          <a:lumMod val="75000"/>
-                        </a:schemeClr>
-                      </a:solidFill>
-                      <a:prstDash val="solid"/>
-                      <a:round/>
-                      <a:headEnd type="none" w="med" len="med"/>
-                      <a:tailEnd type="none" w="med" len="med"/>
-                    </a:lnL>
-                    <a:lnR w="12700" cap="flat" cmpd="sng" algn="ctr">
-                      <a:solidFill>
-                        <a:schemeClr val="tx2">
-                          <a:lumMod val="75000"/>
-                        </a:schemeClr>
+                        <a:srgbClr val="404040"/>
                       </a:solidFill>
                       <a:prstDash val="solid"/>
                       <a:round/>
@@ -21193,7 +20635,7 @@
                         </a:spcAft>
                       </a:pPr>
                       <a:r>
-                        <a:rPr lang="en-US" sz="1000" dirty="0">
+                        <a:rPr lang="en-US" sz="1100">
                           <a:latin typeface="Calibri"/>
                           <a:ea typeface="Calibri"/>
                           <a:cs typeface="Times New Roman"/>
@@ -21203,182 +20645,7 @@
                     </a:p>
                   </a:txBody>
                   <a:tcPr marL="73025" marR="73025">
-                    <a:lnL w="12700" cap="flat" cmpd="sng" algn="ctr">
-                      <a:solidFill>
-                        <a:schemeClr val="tx2">
-                          <a:lumMod val="75000"/>
-                        </a:schemeClr>
-                      </a:solidFill>
-                      <a:prstDash val="solid"/>
-                      <a:round/>
-                      <a:headEnd type="none" w="med" len="med"/>
-                      <a:tailEnd type="none" w="med" len="med"/>
-                    </a:lnL>
-                    <a:lnR w="12700" cap="flat" cmpd="sng" algn="ctr">
-                      <a:solidFill>
-                        <a:schemeClr val="tx2">
-                          <a:lumMod val="75000"/>
-                        </a:schemeClr>
-                      </a:solidFill>
-                      <a:prstDash val="solid"/>
-                      <a:round/>
-                      <a:headEnd type="none" w="med" len="med"/>
-                      <a:tailEnd type="none" w="med" len="med"/>
-                    </a:lnR>
-                    <a:lnT w="12700" cap="flat" cmpd="sng" algn="ctr">
-                      <a:solidFill>
-                        <a:schemeClr val="tx2">
-                          <a:lumMod val="75000"/>
-                        </a:schemeClr>
-                      </a:solidFill>
-                      <a:prstDash val="solid"/>
-                      <a:round/>
-                      <a:headEnd type="none" w="med" len="med"/>
-                      <a:tailEnd type="none" w="med" len="med"/>
-                    </a:lnT>
-                    <a:lnB w="12700" cap="flat" cmpd="sng" algn="ctr">
-                      <a:solidFill>
-                        <a:schemeClr val="tx2">
-                          <a:lumMod val="75000"/>
-                        </a:schemeClr>
-                      </a:solidFill>
-                      <a:prstDash val="solid"/>
-                      <a:round/>
-                      <a:headEnd type="none" w="med" len="med"/>
-                      <a:tailEnd type="none" w="med" len="med"/>
-                    </a:lnB>
-                  </a:tcPr>
-                </a:tc>
-                <a:tc>
-                  <a:txBody>
-                    <a:bodyPr/>
-                    <a:lstStyle/>
-                    <a:p>
-                      <a:pPr marL="0" marR="0" algn="ctr">
-                        <a:lnSpc>
-                          <a:spcPct val="115000"/>
-                        </a:lnSpc>
-                        <a:spcBef>
-                          <a:spcPts val="0"/>
-                        </a:spcBef>
-                        <a:spcAft>
-                          <a:spcPts val="0"/>
-                        </a:spcAft>
-                      </a:pPr>
-                      <a:r>
-                        <a:rPr lang="es-AR" sz="900" dirty="0">
-                          <a:latin typeface="Calibri"/>
-                          <a:ea typeface="Calibri"/>
-                          <a:cs typeface="Times New Roman"/>
-                        </a:rPr>
-                        <a:t>-</a:t>
-                      </a:r>
-                      <a:endParaRPr lang="en-US" sz="1000" dirty="0">
-                        <a:latin typeface="Calibri"/>
-                        <a:ea typeface="Calibri"/>
-                        <a:cs typeface="Times New Roman"/>
-                      </a:endParaRPr>
-                    </a:p>
-                  </a:txBody>
-                  <a:tcPr marL="73025" marR="73025">
-                    <a:lnL w="12700" cap="flat" cmpd="sng" algn="ctr">
-                      <a:solidFill>
-                        <a:schemeClr val="tx2">
-                          <a:lumMod val="75000"/>
-                        </a:schemeClr>
-                      </a:solidFill>
-                      <a:prstDash val="solid"/>
-                      <a:round/>
-                      <a:headEnd type="none" w="med" len="med"/>
-                      <a:tailEnd type="none" w="med" len="med"/>
-                    </a:lnL>
-                    <a:lnR>
-                      <a:noFill/>
-                    </a:lnR>
-                    <a:lnT w="12700" cap="flat" cmpd="sng" algn="ctr">
-                      <a:solidFill>
-                        <a:schemeClr val="tx2">
-                          <a:lumMod val="75000"/>
-                        </a:schemeClr>
-                      </a:solidFill>
-                      <a:prstDash val="solid"/>
-                      <a:round/>
-                      <a:headEnd type="none" w="med" len="med"/>
-                      <a:tailEnd type="none" w="med" len="med"/>
-                    </a:lnT>
-                    <a:lnB w="12700" cap="flat" cmpd="sng" algn="ctr">
-                      <a:solidFill>
-                        <a:schemeClr val="tx2">
-                          <a:lumMod val="75000"/>
-                        </a:schemeClr>
-                      </a:solidFill>
-                      <a:prstDash val="solid"/>
-                      <a:round/>
-                      <a:headEnd type="none" w="med" len="med"/>
-                      <a:tailEnd type="none" w="med" len="med"/>
-                    </a:lnB>
-                  </a:tcPr>
-                </a:tc>
-              </a:tr>
-              <a:tr h="0">
-                <a:tc>
-                  <a:txBody>
-                    <a:bodyPr/>
-                    <a:lstStyle/>
-                    <a:p>
-                      <a:pPr marL="0" marR="0" algn="ctr">
-                        <a:lnSpc>
-                          <a:spcPct val="115000"/>
-                        </a:lnSpc>
-                        <a:spcBef>
-                          <a:spcPts val="0"/>
-                        </a:spcBef>
-                        <a:spcAft>
-                          <a:spcPts val="0"/>
-                        </a:spcAft>
-                      </a:pPr>
-                      <a:r>
-                        <a:rPr lang="es-AR" sz="1000" dirty="0">
-                          <a:latin typeface="Calibri"/>
-                          <a:ea typeface="Calibri"/>
-                          <a:cs typeface="Times New Roman"/>
-                        </a:rPr>
-                        <a:t>concurrencia</a:t>
-                      </a:r>
-                      <a:endParaRPr lang="en-US" sz="1000" dirty="0">
-                        <a:latin typeface="Calibri"/>
-                        <a:ea typeface="Calibri"/>
-                        <a:cs typeface="Times New Roman"/>
-                      </a:endParaRPr>
-                    </a:p>
-                  </a:txBody>
-                  <a:tcPr marL="73025" marR="73025" anchor="ctr">
-                    <a:lnL>
-                      <a:noFill/>
-                    </a:lnL>
-                    <a:lnR w="12700" cap="flat" cmpd="sng" algn="ctr">
-                      <a:solidFill>
-                        <a:schemeClr val="tx2">
-                          <a:lumMod val="75000"/>
-                        </a:schemeClr>
-                      </a:solidFill>
-                      <a:prstDash val="solid"/>
-                      <a:round/>
-                      <a:headEnd type="none" w="med" len="med"/>
-                      <a:tailEnd type="none" w="med" len="med"/>
-                    </a:lnR>
-                    <a:lnT w="12700" cap="flat" cmpd="sng" algn="ctr">
-                      <a:solidFill>
-                        <a:schemeClr val="tx2">
-                          <a:lumMod val="75000"/>
-                        </a:schemeClr>
-                      </a:solidFill>
-                      <a:prstDash val="solid"/>
-                      <a:round/>
-                      <a:headEnd type="none" w="med" len="med"/>
-                      <a:tailEnd type="none" w="med" len="med"/>
-                    </a:lnT>
-                    <a:lnB w="19050" cap="flat" cmpd="sng" algn="ctr">
+                    <a:lnL w="19050" cap="flat" cmpd="sng" algn="ctr">
                       <a:solidFill>
                         <a:srgbClr val="404040"/>
                       </a:solidFill>
@@ -21386,57 +20653,10 @@
                       <a:round/>
                       <a:headEnd type="none" w="med" len="med"/>
                       <a:tailEnd type="none" w="med" len="med"/>
-                    </a:lnB>
-                  </a:tcPr>
-                </a:tc>
-                <a:tc>
-                  <a:txBody>
-                    <a:bodyPr/>
-                    <a:lstStyle/>
-                    <a:p>
-                      <a:pPr marL="0" marR="0" algn="ctr">
-                        <a:lnSpc>
-                          <a:spcPct val="115000"/>
-                        </a:lnSpc>
-                        <a:spcBef>
-                          <a:spcPts val="0"/>
-                        </a:spcBef>
-                        <a:spcAft>
-                          <a:spcPts val="0"/>
-                        </a:spcAft>
-                      </a:pPr>
-                      <a:r>
-                        <a:rPr lang="es-AR" sz="1000" i="1" dirty="0">
-                          <a:latin typeface="Calibri"/>
-                          <a:ea typeface="Calibri"/>
-                          <a:cs typeface="Times New Roman"/>
-                        </a:rPr>
-                        <a:t>-</a:t>
-                      </a:r>
-                      <a:endParaRPr lang="en-US" sz="1000" dirty="0">
-                        <a:latin typeface="Calibri"/>
-                        <a:ea typeface="Calibri"/>
-                        <a:cs typeface="Times New Roman"/>
-                      </a:endParaRPr>
-                    </a:p>
-                  </a:txBody>
-                  <a:tcPr marL="73025" marR="73025">
-                    <a:lnL w="12700" cap="flat" cmpd="sng" algn="ctr">
+                    </a:lnL>
+                    <a:lnR w="19050" cap="flat" cmpd="sng" algn="ctr">
                       <a:solidFill>
-                        <a:schemeClr val="tx2">
-                          <a:lumMod val="75000"/>
-                        </a:schemeClr>
-                      </a:solidFill>
-                      <a:prstDash val="solid"/>
-                      <a:round/>
-                      <a:headEnd type="none" w="med" len="med"/>
-                      <a:tailEnd type="none" w="med" len="med"/>
-                    </a:lnL>
-                    <a:lnR w="12700" cap="flat" cmpd="sng" algn="ctr">
-                      <a:solidFill>
-                        <a:schemeClr val="tx2">
-                          <a:lumMod val="75000"/>
-                        </a:schemeClr>
+                        <a:srgbClr val="404040"/>
                       </a:solidFill>
                       <a:prstDash val="solid"/>
                       <a:round/>
@@ -21480,55 +20700,17 @@
                         </a:spcAft>
                       </a:pPr>
                       <a:r>
-                        <a:rPr lang="es-AR" sz="1000" i="1" dirty="0">
+                        <a:rPr lang="en-US" sz="1100">
                           <a:latin typeface="Calibri"/>
                           <a:ea typeface="Calibri"/>
                           <a:cs typeface="Times New Roman"/>
                         </a:rPr>
-                        <a:t>-</a:t>
+                        <a:t>X</a:t>
                       </a:r>
-                      <a:endParaRPr lang="en-US" sz="1000" dirty="0">
-                        <a:latin typeface="Calibri"/>
-                        <a:ea typeface="Calibri"/>
-                        <a:cs typeface="Times New Roman"/>
-                      </a:endParaRPr>
                     </a:p>
                   </a:txBody>
                   <a:tcPr marL="73025" marR="73025">
-                    <a:lnL w="12700" cap="flat" cmpd="sng" algn="ctr">
-                      <a:solidFill>
-                        <a:schemeClr val="tx2">
-                          <a:lumMod val="75000"/>
-                        </a:schemeClr>
-                      </a:solidFill>
-                      <a:prstDash val="solid"/>
-                      <a:round/>
-                      <a:headEnd type="none" w="med" len="med"/>
-                      <a:tailEnd type="none" w="med" len="med"/>
-                    </a:lnL>
-                    <a:lnR w="12700" cap="flat" cmpd="sng" algn="ctr">
-                      <a:solidFill>
-                        <a:schemeClr val="tx2">
-                          <a:lumMod val="75000"/>
-                        </a:schemeClr>
-                      </a:solidFill>
-                      <a:prstDash val="solid"/>
-                      <a:round/>
-                      <a:headEnd type="none" w="med" len="med"/>
-                      <a:tailEnd type="none" w="med" len="med"/>
-                    </a:lnR>
-                    <a:lnT w="12700" cap="flat" cmpd="sng" algn="ctr">
-                      <a:solidFill>
-                        <a:schemeClr val="tx2">
-                          <a:lumMod val="75000"/>
-                        </a:schemeClr>
-                      </a:solidFill>
-                      <a:prstDash val="solid"/>
-                      <a:round/>
-                      <a:headEnd type="none" w="med" len="med"/>
-                      <a:tailEnd type="none" w="med" len="med"/>
-                    </a:lnT>
-                    <a:lnB w="19050" cap="flat" cmpd="sng" algn="ctr">
+                    <a:lnL w="19050" cap="flat" cmpd="sng" algn="ctr">
                       <a:solidFill>
                         <a:srgbClr val="404040"/>
                       </a:solidFill>
@@ -21536,121 +20718,10 @@
                       <a:round/>
                       <a:headEnd type="none" w="med" len="med"/>
                       <a:tailEnd type="none" w="med" len="med"/>
-                    </a:lnB>
-                  </a:tcPr>
-                </a:tc>
-                <a:tc>
-                  <a:txBody>
-                    <a:bodyPr/>
-                    <a:lstStyle/>
-                    <a:p>
-                      <a:pPr marL="0" marR="0" algn="ctr">
-                        <a:lnSpc>
-                          <a:spcPct val="115000"/>
-                        </a:lnSpc>
-                        <a:spcBef>
-                          <a:spcPts val="0"/>
-                        </a:spcBef>
-                        <a:spcAft>
-                          <a:spcPts val="0"/>
-                        </a:spcAft>
-                      </a:pPr>
-                      <a:r>
-                        <a:rPr lang="es-AR" sz="900" dirty="0">
-                          <a:latin typeface="Calibri"/>
-                          <a:ea typeface="Calibri"/>
-                          <a:cs typeface="Times New Roman"/>
-                        </a:rPr>
-                        <a:t>-</a:t>
-                      </a:r>
-                      <a:endParaRPr lang="en-US" sz="1000" dirty="0">
-                        <a:latin typeface="Calibri"/>
-                        <a:ea typeface="Calibri"/>
-                        <a:cs typeface="Times New Roman"/>
-                      </a:endParaRPr>
-                    </a:p>
-                  </a:txBody>
-                  <a:tcPr marL="73025" marR="73025">
-                    <a:lnL w="12700" cap="flat" cmpd="sng" algn="ctr">
+                    </a:lnL>
+                    <a:lnR w="19050" cap="flat" cmpd="sng" algn="ctr">
                       <a:solidFill>
-                        <a:schemeClr val="tx2">
-                          <a:lumMod val="75000"/>
-                        </a:schemeClr>
-                      </a:solidFill>
-                      <a:prstDash val="solid"/>
-                      <a:round/>
-                      <a:headEnd type="none" w="med" len="med"/>
-                      <a:tailEnd type="none" w="med" len="med"/>
-                    </a:lnL>
-                    <a:lnR>
-                      <a:noFill/>
-                    </a:lnR>
-                    <a:lnT w="12700" cap="flat" cmpd="sng" algn="ctr">
-                      <a:solidFill>
-                        <a:schemeClr val="tx2">
-                          <a:lumMod val="75000"/>
-                        </a:schemeClr>
-                      </a:solidFill>
-                      <a:prstDash val="solid"/>
-                      <a:round/>
-                      <a:headEnd type="none" w="med" len="med"/>
-                      <a:tailEnd type="none" w="med" len="med"/>
-                    </a:lnT>
-                    <a:lnB w="12700" cap="flat" cmpd="sng" algn="ctr">
-                      <a:solidFill>
-                        <a:schemeClr val="tx2">
-                          <a:lumMod val="75000"/>
-                        </a:schemeClr>
-                      </a:solidFill>
-                      <a:prstDash val="solid"/>
-                      <a:round/>
-                      <a:headEnd type="none" w="med" len="med"/>
-                      <a:tailEnd type="none" w="med" len="med"/>
-                    </a:lnB>
-                  </a:tcPr>
-                </a:tc>
-              </a:tr>
-              <a:tr h="0">
-                <a:tc>
-                  <a:txBody>
-                    <a:bodyPr/>
-                    <a:lstStyle/>
-                    <a:p>
-                      <a:pPr marL="0" marR="0" algn="ctr">
-                        <a:lnSpc>
-                          <a:spcPct val="115000"/>
-                        </a:lnSpc>
-                        <a:spcBef>
-                          <a:spcPts val="0"/>
-                        </a:spcBef>
-                        <a:spcAft>
-                          <a:spcPts val="0"/>
-                        </a:spcAft>
-                      </a:pPr>
-                      <a:r>
-                        <a:rPr lang="es-AR" sz="1000" dirty="0">
-                          <a:latin typeface="Calibri"/>
-                          <a:ea typeface="Calibri"/>
-                          <a:cs typeface="Times New Roman"/>
-                        </a:rPr>
-                        <a:t>gestión de excepciones</a:t>
-                      </a:r>
-                      <a:endParaRPr lang="en-US" sz="1000" dirty="0">
-                        <a:latin typeface="Calibri"/>
-                        <a:ea typeface="Calibri"/>
-                        <a:cs typeface="Times New Roman"/>
-                      </a:endParaRPr>
-                    </a:p>
-                  </a:txBody>
-                  <a:tcPr marL="73025" marR="73025" anchor="ctr">
-                    <a:lnL>
-                      <a:noFill/>
-                    </a:lnL>
-                    <a:lnR w="12700" cap="flat" cmpd="sng" algn="ctr">
-                      <a:solidFill>
-                        <a:schemeClr val="tx2">
-                          <a:lumMod val="75000"/>
-                        </a:schemeClr>
+                        <a:srgbClr val="404040"/>
                       </a:solidFill>
                       <a:prstDash val="solid"/>
                       <a:round/>
@@ -21694,32 +20765,96 @@
                         </a:spcAft>
                       </a:pPr>
                       <a:r>
-                        <a:rPr lang="en-US" sz="1000" dirty="0">
+                        <a:rPr lang="en-US" sz="1100" b="1">
+                          <a:solidFill>
+                            <a:srgbClr val="000000"/>
+                          </a:solidFill>
                           <a:latin typeface="Calibri"/>
                           <a:ea typeface="Calibri"/>
                           <a:cs typeface="Times New Roman"/>
                         </a:rPr>
-                        <a:t>X</a:t>
+                        <a:t>-</a:t>
                       </a:r>
+                      <a:endParaRPr lang="en-US" sz="1100">
+                        <a:latin typeface="Calibri"/>
+                        <a:ea typeface="Calibri"/>
+                        <a:cs typeface="Times New Roman"/>
+                      </a:endParaRPr>
                     </a:p>
                   </a:txBody>
                   <a:tcPr marL="73025" marR="73025">
-                    <a:lnL w="12700" cap="flat" cmpd="sng" algn="ctr">
+                    <a:lnL w="19050" cap="flat" cmpd="sng" algn="ctr">
                       <a:solidFill>
-                        <a:schemeClr val="tx2">
-                          <a:lumMod val="75000"/>
-                        </a:schemeClr>
+                        <a:srgbClr val="404040"/>
                       </a:solidFill>
                       <a:prstDash val="solid"/>
                       <a:round/>
                       <a:headEnd type="none" w="med" len="med"/>
                       <a:tailEnd type="none" w="med" len="med"/>
                     </a:lnL>
-                    <a:lnR w="12700" cap="flat" cmpd="sng" algn="ctr">
+                    <a:lnR>
+                      <a:noFill/>
+                    </a:lnR>
+                    <a:lnT w="19050" cap="flat" cmpd="sng" algn="ctr">
                       <a:solidFill>
-                        <a:schemeClr val="tx2">
-                          <a:lumMod val="75000"/>
-                        </a:schemeClr>
+                        <a:srgbClr val="404040"/>
+                      </a:solidFill>
+                      <a:prstDash val="solid"/>
+                      <a:round/>
+                      <a:headEnd type="none" w="med" len="med"/>
+                      <a:tailEnd type="none" w="med" len="med"/>
+                    </a:lnT>
+                    <a:lnB w="19050" cap="flat" cmpd="sng" algn="ctr">
+                      <a:solidFill>
+                        <a:srgbClr val="404040"/>
+                      </a:solidFill>
+                      <a:prstDash val="solid"/>
+                      <a:round/>
+                      <a:headEnd type="none" w="med" len="med"/>
+                      <a:tailEnd type="none" w="med" len="med"/>
+                    </a:lnB>
+                  </a:tcPr>
+                </a:tc>
+              </a:tr>
+              <a:tr h="0">
+                <a:tc>
+                  <a:txBody>
+                    <a:bodyPr/>
+                    <a:lstStyle/>
+                    <a:p>
+                      <a:pPr marL="0" marR="0" algn="ctr">
+                        <a:lnSpc>
+                          <a:spcPct val="115000"/>
+                        </a:lnSpc>
+                        <a:spcBef>
+                          <a:spcPts val="0"/>
+                        </a:spcBef>
+                        <a:spcAft>
+                          <a:spcPts val="0"/>
+                        </a:spcAft>
+                      </a:pPr>
+                      <a:r>
+                        <a:rPr lang="es-AR" sz="1100">
+                          <a:latin typeface="Calibri"/>
+                          <a:ea typeface="Calibri"/>
+                          <a:cs typeface="Times New Roman"/>
+                        </a:rPr>
+                        <a:t>control de transacciones</a:t>
+                      </a:r>
+                      <a:endParaRPr lang="en-US" sz="1100">
+                        <a:latin typeface="Calibri"/>
+                        <a:ea typeface="Calibri"/>
+                        <a:cs typeface="Times New Roman"/>
+                      </a:endParaRPr>
+                    </a:p>
+                  </a:txBody>
+                  <a:tcPr marL="73025" marR="73025" anchor="ctr">
+                    <a:lnL>
+                      <a:noFill/>
+                    </a:lnL>
+                    <a:lnR w="19050" cap="flat" cmpd="sng" algn="ctr">
+                      <a:solidFill>
+                        <a:srgbClr val="404040"/>
                       </a:solidFill>
                       <a:prstDash val="solid"/>
                       <a:round/>
@@ -21763,7 +20898,7 @@
                         </a:spcAft>
                       </a:pPr>
                       <a:r>
-                        <a:rPr lang="en-US" sz="1000" dirty="0">
+                        <a:rPr lang="en-US" sz="1100">
                           <a:latin typeface="Calibri"/>
                           <a:ea typeface="Calibri"/>
                           <a:cs typeface="Times New Roman"/>
@@ -21773,22 +20908,18 @@
                     </a:p>
                   </a:txBody>
                   <a:tcPr marL="73025" marR="73025">
-                    <a:lnL w="12700" cap="flat" cmpd="sng" algn="ctr">
+                    <a:lnL w="19050" cap="flat" cmpd="sng" algn="ctr">
                       <a:solidFill>
-                        <a:schemeClr val="tx2">
-                          <a:lumMod val="75000"/>
-                        </a:schemeClr>
+                        <a:srgbClr val="404040"/>
                       </a:solidFill>
                       <a:prstDash val="solid"/>
                       <a:round/>
                       <a:headEnd type="none" w="med" len="med"/>
                       <a:tailEnd type="none" w="med" len="med"/>
                     </a:lnL>
-                    <a:lnR w="12700" cap="flat" cmpd="sng" algn="ctr">
+                    <a:lnR w="19050" cap="flat" cmpd="sng" algn="ctr">
                       <a:solidFill>
-                        <a:schemeClr val="tx2">
-                          <a:lumMod val="75000"/>
-                        </a:schemeClr>
+                        <a:srgbClr val="404040"/>
                       </a:solidFill>
                       <a:prstDash val="solid"/>
                       <a:round/>
@@ -21832,26 +20963,84 @@
                         </a:spcAft>
                       </a:pPr>
                       <a:r>
-                        <a:rPr lang="es-AR" sz="900" dirty="0">
+                        <a:rPr lang="en-US" sz="1100">
+                          <a:latin typeface="Calibri"/>
+                          <a:ea typeface="Calibri"/>
+                          <a:cs typeface="Times New Roman"/>
+                        </a:rPr>
+                        <a:t>X</a:t>
+                      </a:r>
+                    </a:p>
+                  </a:txBody>
+                  <a:tcPr marL="73025" marR="73025">
+                    <a:lnL w="19050" cap="flat" cmpd="sng" algn="ctr">
+                      <a:solidFill>
+                        <a:srgbClr val="404040"/>
+                      </a:solidFill>
+                      <a:prstDash val="solid"/>
+                      <a:round/>
+                      <a:headEnd type="none" w="med" len="med"/>
+                      <a:tailEnd type="none" w="med" len="med"/>
+                    </a:lnL>
+                    <a:lnR w="19050" cap="flat" cmpd="sng" algn="ctr">
+                      <a:solidFill>
+                        <a:srgbClr val="404040"/>
+                      </a:solidFill>
+                      <a:prstDash val="solid"/>
+                      <a:round/>
+                      <a:headEnd type="none" w="med" len="med"/>
+                      <a:tailEnd type="none" w="med" len="med"/>
+                    </a:lnR>
+                    <a:lnT w="19050" cap="flat" cmpd="sng" algn="ctr">
+                      <a:solidFill>
+                        <a:srgbClr val="404040"/>
+                      </a:solidFill>
+                      <a:prstDash val="solid"/>
+                      <a:round/>
+                      <a:headEnd type="none" w="med" len="med"/>
+                      <a:tailEnd type="none" w="med" len="med"/>
+                    </a:lnT>
+                    <a:lnB w="19050" cap="flat" cmpd="sng" algn="ctr">
+                      <a:solidFill>
+                        <a:srgbClr val="404040"/>
+                      </a:solidFill>
+                      <a:prstDash val="solid"/>
+                      <a:round/>
+                      <a:headEnd type="none" w="med" len="med"/>
+                      <a:tailEnd type="none" w="med" len="med"/>
+                    </a:lnB>
+                  </a:tcPr>
+                </a:tc>
+                <a:tc>
+                  <a:txBody>
+                    <a:bodyPr/>
+                    <a:lstStyle/>
+                    <a:p>
+                      <a:pPr marL="0" marR="0" algn="ctr">
+                        <a:lnSpc>
+                          <a:spcPct val="115000"/>
+                        </a:lnSpc>
+                        <a:spcBef>
+                          <a:spcPts val="0"/>
+                        </a:spcBef>
+                        <a:spcAft>
+                          <a:spcPts val="0"/>
+                        </a:spcAft>
+                      </a:pPr>
+                      <a:r>
+                        <a:rPr lang="en-US" sz="1100">
                           <a:latin typeface="Calibri"/>
                           <a:ea typeface="Calibri"/>
                           <a:cs typeface="Times New Roman"/>
                         </a:rPr>
                         <a:t>-</a:t>
                       </a:r>
-                      <a:endParaRPr lang="en-US" sz="1000" dirty="0">
-                        <a:latin typeface="Calibri"/>
-                        <a:ea typeface="Calibri"/>
-                        <a:cs typeface="Times New Roman"/>
-                      </a:endParaRPr>
                     </a:p>
                   </a:txBody>
                   <a:tcPr marL="73025" marR="73025">
-                    <a:lnL w="12700" cap="flat" cmpd="sng" algn="ctr">
+                    <a:lnL w="19050" cap="flat" cmpd="sng" algn="ctr">
                       <a:solidFill>
-                        <a:schemeClr val="tx2">
-                          <a:lumMod val="75000"/>
-                        </a:schemeClr>
+                        <a:srgbClr val="404040"/>
                       </a:solidFill>
                       <a:prstDash val="solid"/>
                       <a:round/>
@@ -21861,11 +21050,2762 @@
                     <a:lnR>
                       <a:noFill/>
                     </a:lnR>
-                    <a:lnT w="12700" cap="flat" cmpd="sng" algn="ctr">
+                    <a:lnT w="19050" cap="flat" cmpd="sng" algn="ctr">
                       <a:solidFill>
-                        <a:schemeClr val="tx2">
-                          <a:lumMod val="75000"/>
-                        </a:schemeClr>
+                        <a:srgbClr val="404040"/>
+                      </a:solidFill>
+                      <a:prstDash val="solid"/>
+                      <a:round/>
+                      <a:headEnd type="none" w="med" len="med"/>
+                      <a:tailEnd type="none" w="med" len="med"/>
+                    </a:lnT>
+                    <a:lnB w="19050" cap="flat" cmpd="sng" algn="ctr">
+                      <a:solidFill>
+                        <a:srgbClr val="404040"/>
+                      </a:solidFill>
+                      <a:prstDash val="solid"/>
+                      <a:round/>
+                      <a:headEnd type="none" w="med" len="med"/>
+                      <a:tailEnd type="none" w="med" len="med"/>
+                    </a:lnB>
+                  </a:tcPr>
+                </a:tc>
+              </a:tr>
+              <a:tr h="0">
+                <a:tc>
+                  <a:txBody>
+                    <a:bodyPr/>
+                    <a:lstStyle/>
+                    <a:p>
+                      <a:pPr marL="0" marR="0" algn="ctr">
+                        <a:lnSpc>
+                          <a:spcPct val="115000"/>
+                        </a:lnSpc>
+                        <a:spcBef>
+                          <a:spcPts val="0"/>
+                        </a:spcBef>
+                        <a:spcAft>
+                          <a:spcPts val="0"/>
+                        </a:spcAft>
+                      </a:pPr>
+                      <a:r>
+                        <a:rPr lang="es-AR" sz="1100">
+                          <a:latin typeface="Calibri"/>
+                          <a:ea typeface="Calibri"/>
+                          <a:cs typeface="Times New Roman"/>
+                        </a:rPr>
+                        <a:t>acceso a datos bajo demanda</a:t>
+                      </a:r>
+                      <a:endParaRPr lang="en-US" sz="1100">
+                        <a:latin typeface="Calibri"/>
+                        <a:ea typeface="Calibri"/>
+                        <a:cs typeface="Times New Roman"/>
+                      </a:endParaRPr>
+                    </a:p>
+                  </a:txBody>
+                  <a:tcPr marL="73025" marR="73025" anchor="ctr">
+                    <a:lnL>
+                      <a:noFill/>
+                    </a:lnL>
+                    <a:lnR w="19050" cap="flat" cmpd="sng" algn="ctr">
+                      <a:solidFill>
+                        <a:srgbClr val="404040"/>
+                      </a:solidFill>
+                      <a:prstDash val="solid"/>
+                      <a:round/>
+                      <a:headEnd type="none" w="med" len="med"/>
+                      <a:tailEnd type="none" w="med" len="med"/>
+                    </a:lnR>
+                    <a:lnT w="19050" cap="flat" cmpd="sng" algn="ctr">
+                      <a:solidFill>
+                        <a:srgbClr val="404040"/>
+                      </a:solidFill>
+                      <a:prstDash val="solid"/>
+                      <a:round/>
+                      <a:headEnd type="none" w="med" len="med"/>
+                      <a:tailEnd type="none" w="med" len="med"/>
+                    </a:lnT>
+                    <a:lnB w="19050" cap="flat" cmpd="sng" algn="ctr">
+                      <a:solidFill>
+                        <a:srgbClr val="404040"/>
+                      </a:solidFill>
+                      <a:prstDash val="solid"/>
+                      <a:round/>
+                      <a:headEnd type="none" w="med" len="med"/>
+                      <a:tailEnd type="none" w="med" len="med"/>
+                    </a:lnB>
+                  </a:tcPr>
+                </a:tc>
+                <a:tc>
+                  <a:txBody>
+                    <a:bodyPr/>
+                    <a:lstStyle/>
+                    <a:p>
+                      <a:pPr marL="0" marR="0" algn="ctr">
+                        <a:lnSpc>
+                          <a:spcPct val="115000"/>
+                        </a:lnSpc>
+                        <a:spcBef>
+                          <a:spcPts val="0"/>
+                        </a:spcBef>
+                        <a:spcAft>
+                          <a:spcPts val="0"/>
+                        </a:spcAft>
+                      </a:pPr>
+                      <a:r>
+                        <a:rPr lang="es-AR" sz="1100" i="1">
+                          <a:latin typeface="Calibri"/>
+                          <a:ea typeface="Calibri"/>
+                          <a:cs typeface="Times New Roman"/>
+                        </a:rPr>
+                        <a:t>-</a:t>
+                      </a:r>
+                      <a:endParaRPr lang="en-US" sz="1100">
+                        <a:latin typeface="Calibri"/>
+                        <a:ea typeface="Calibri"/>
+                        <a:cs typeface="Times New Roman"/>
+                      </a:endParaRPr>
+                    </a:p>
+                  </a:txBody>
+                  <a:tcPr marL="73025" marR="73025">
+                    <a:lnL w="19050" cap="flat" cmpd="sng" algn="ctr">
+                      <a:solidFill>
+                        <a:srgbClr val="404040"/>
+                      </a:solidFill>
+                      <a:prstDash val="solid"/>
+                      <a:round/>
+                      <a:headEnd type="none" w="med" len="med"/>
+                      <a:tailEnd type="none" w="med" len="med"/>
+                    </a:lnL>
+                    <a:lnR w="19050" cap="flat" cmpd="sng" algn="ctr">
+                      <a:solidFill>
+                        <a:srgbClr val="404040"/>
+                      </a:solidFill>
+                      <a:prstDash val="solid"/>
+                      <a:round/>
+                      <a:headEnd type="none" w="med" len="med"/>
+                      <a:tailEnd type="none" w="med" len="med"/>
+                    </a:lnR>
+                    <a:lnT w="19050" cap="flat" cmpd="sng" algn="ctr">
+                      <a:solidFill>
+                        <a:srgbClr val="404040"/>
+                      </a:solidFill>
+                      <a:prstDash val="solid"/>
+                      <a:round/>
+                      <a:headEnd type="none" w="med" len="med"/>
+                      <a:tailEnd type="none" w="med" len="med"/>
+                    </a:lnT>
+                    <a:lnB w="19050" cap="flat" cmpd="sng" algn="ctr">
+                      <a:solidFill>
+                        <a:srgbClr val="404040"/>
+                      </a:solidFill>
+                      <a:prstDash val="solid"/>
+                      <a:round/>
+                      <a:headEnd type="none" w="med" len="med"/>
+                      <a:tailEnd type="none" w="med" len="med"/>
+                    </a:lnB>
+                  </a:tcPr>
+                </a:tc>
+                <a:tc>
+                  <a:txBody>
+                    <a:bodyPr/>
+                    <a:lstStyle/>
+                    <a:p>
+                      <a:pPr marL="0" marR="0" algn="ctr">
+                        <a:lnSpc>
+                          <a:spcPct val="115000"/>
+                        </a:lnSpc>
+                        <a:spcBef>
+                          <a:spcPts val="0"/>
+                        </a:spcBef>
+                        <a:spcAft>
+                          <a:spcPts val="0"/>
+                        </a:spcAft>
+                      </a:pPr>
+                      <a:r>
+                        <a:rPr lang="en-US" sz="1100">
+                          <a:latin typeface="Calibri"/>
+                          <a:ea typeface="Calibri"/>
+                          <a:cs typeface="Times New Roman"/>
+                        </a:rPr>
+                        <a:t>X</a:t>
+                      </a:r>
+                    </a:p>
+                  </a:txBody>
+                  <a:tcPr marL="73025" marR="73025">
+                    <a:lnL w="19050" cap="flat" cmpd="sng" algn="ctr">
+                      <a:solidFill>
+                        <a:srgbClr val="404040"/>
+                      </a:solidFill>
+                      <a:prstDash val="solid"/>
+                      <a:round/>
+                      <a:headEnd type="none" w="med" len="med"/>
+                      <a:tailEnd type="none" w="med" len="med"/>
+                    </a:lnL>
+                    <a:lnR w="19050" cap="flat" cmpd="sng" algn="ctr">
+                      <a:solidFill>
+                        <a:srgbClr val="404040"/>
+                      </a:solidFill>
+                      <a:prstDash val="solid"/>
+                      <a:round/>
+                      <a:headEnd type="none" w="med" len="med"/>
+                      <a:tailEnd type="none" w="med" len="med"/>
+                    </a:lnR>
+                    <a:lnT w="19050" cap="flat" cmpd="sng" algn="ctr">
+                      <a:solidFill>
+                        <a:srgbClr val="404040"/>
+                      </a:solidFill>
+                      <a:prstDash val="solid"/>
+                      <a:round/>
+                      <a:headEnd type="none" w="med" len="med"/>
+                      <a:tailEnd type="none" w="med" len="med"/>
+                    </a:lnT>
+                    <a:lnB w="19050" cap="flat" cmpd="sng" algn="ctr">
+                      <a:solidFill>
+                        <a:srgbClr val="404040"/>
+                      </a:solidFill>
+                      <a:prstDash val="solid"/>
+                      <a:round/>
+                      <a:headEnd type="none" w="med" len="med"/>
+                      <a:tailEnd type="none" w="med" len="med"/>
+                    </a:lnB>
+                  </a:tcPr>
+                </a:tc>
+                <a:tc>
+                  <a:txBody>
+                    <a:bodyPr/>
+                    <a:lstStyle/>
+                    <a:p>
+                      <a:pPr marL="0" marR="0" algn="ctr">
+                        <a:lnSpc>
+                          <a:spcPct val="115000"/>
+                        </a:lnSpc>
+                        <a:spcBef>
+                          <a:spcPts val="0"/>
+                        </a:spcBef>
+                        <a:spcAft>
+                          <a:spcPts val="0"/>
+                        </a:spcAft>
+                      </a:pPr>
+                      <a:r>
+                        <a:rPr lang="es-AR" sz="1100">
+                          <a:latin typeface="Calibri"/>
+                          <a:ea typeface="Calibri"/>
+                          <a:cs typeface="Times New Roman"/>
+                        </a:rPr>
+                        <a:t>-</a:t>
+                      </a:r>
+                      <a:endParaRPr lang="en-US" sz="1100">
+                        <a:latin typeface="Calibri"/>
+                        <a:ea typeface="Calibri"/>
+                        <a:cs typeface="Times New Roman"/>
+                      </a:endParaRPr>
+                    </a:p>
+                  </a:txBody>
+                  <a:tcPr marL="73025" marR="73025">
+                    <a:lnL w="19050" cap="flat" cmpd="sng" algn="ctr">
+                      <a:solidFill>
+                        <a:srgbClr val="404040"/>
+                      </a:solidFill>
+                      <a:prstDash val="solid"/>
+                      <a:round/>
+                      <a:headEnd type="none" w="med" len="med"/>
+                      <a:tailEnd type="none" w="med" len="med"/>
+                    </a:lnL>
+                    <a:lnR>
+                      <a:noFill/>
+                    </a:lnR>
+                    <a:lnT w="19050" cap="flat" cmpd="sng" algn="ctr">
+                      <a:solidFill>
+                        <a:srgbClr val="404040"/>
+                      </a:solidFill>
+                      <a:prstDash val="solid"/>
+                      <a:round/>
+                      <a:headEnd type="none" w="med" len="med"/>
+                      <a:tailEnd type="none" w="med" len="med"/>
+                    </a:lnT>
+                    <a:lnB w="19050" cap="flat" cmpd="sng" algn="ctr">
+                      <a:solidFill>
+                        <a:srgbClr val="404040"/>
+                      </a:solidFill>
+                      <a:prstDash val="solid"/>
+                      <a:round/>
+                      <a:headEnd type="none" w="med" len="med"/>
+                      <a:tailEnd type="none" w="med" len="med"/>
+                    </a:lnB>
+                  </a:tcPr>
+                </a:tc>
+              </a:tr>
+              <a:tr h="0">
+                <a:tc>
+                  <a:txBody>
+                    <a:bodyPr/>
+                    <a:lstStyle/>
+                    <a:p>
+                      <a:pPr marL="0" marR="0" algn="ctr">
+                        <a:lnSpc>
+                          <a:spcPct val="115000"/>
+                        </a:lnSpc>
+                        <a:spcBef>
+                          <a:spcPts val="0"/>
+                        </a:spcBef>
+                        <a:spcAft>
+                          <a:spcPts val="0"/>
+                        </a:spcAft>
+                      </a:pPr>
+                      <a:r>
+                        <a:rPr lang="es-AR" sz="1100">
+                          <a:latin typeface="Calibri"/>
+                          <a:ea typeface="Calibri"/>
+                          <a:cs typeface="Times New Roman"/>
+                        </a:rPr>
+                        <a:t>concurrencia</a:t>
+                      </a:r>
+                      <a:endParaRPr lang="en-US" sz="1100">
+                        <a:latin typeface="Calibri"/>
+                        <a:ea typeface="Calibri"/>
+                        <a:cs typeface="Times New Roman"/>
+                      </a:endParaRPr>
+                    </a:p>
+                  </a:txBody>
+                  <a:tcPr marL="73025" marR="73025" anchor="ctr">
+                    <a:lnL>
+                      <a:noFill/>
+                    </a:lnL>
+                    <a:lnR w="19050" cap="flat" cmpd="sng" algn="ctr">
+                      <a:solidFill>
+                        <a:srgbClr val="404040"/>
+                      </a:solidFill>
+                      <a:prstDash val="solid"/>
+                      <a:round/>
+                      <a:headEnd type="none" w="med" len="med"/>
+                      <a:tailEnd type="none" w="med" len="med"/>
+                    </a:lnR>
+                    <a:lnT w="19050" cap="flat" cmpd="sng" algn="ctr">
+                      <a:solidFill>
+                        <a:srgbClr val="404040"/>
+                      </a:solidFill>
+                      <a:prstDash val="solid"/>
+                      <a:round/>
+                      <a:headEnd type="none" w="med" len="med"/>
+                      <a:tailEnd type="none" w="med" len="med"/>
+                    </a:lnT>
+                    <a:lnB w="19050" cap="flat" cmpd="sng" algn="ctr">
+                      <a:solidFill>
+                        <a:srgbClr val="404040"/>
+                      </a:solidFill>
+                      <a:prstDash val="solid"/>
+                      <a:round/>
+                      <a:headEnd type="none" w="med" len="med"/>
+                      <a:tailEnd type="none" w="med" len="med"/>
+                    </a:lnB>
+                  </a:tcPr>
+                </a:tc>
+                <a:tc>
+                  <a:txBody>
+                    <a:bodyPr/>
+                    <a:lstStyle/>
+                    <a:p>
+                      <a:pPr marL="0" marR="0" algn="ctr">
+                        <a:lnSpc>
+                          <a:spcPct val="115000"/>
+                        </a:lnSpc>
+                        <a:spcBef>
+                          <a:spcPts val="0"/>
+                        </a:spcBef>
+                        <a:spcAft>
+                          <a:spcPts val="0"/>
+                        </a:spcAft>
+                      </a:pPr>
+                      <a:r>
+                        <a:rPr lang="es-AR" sz="1100" i="1">
+                          <a:latin typeface="Calibri"/>
+                          <a:ea typeface="Calibri"/>
+                          <a:cs typeface="Times New Roman"/>
+                        </a:rPr>
+                        <a:t>-</a:t>
+                      </a:r>
+                      <a:endParaRPr lang="en-US" sz="1100">
+                        <a:latin typeface="Calibri"/>
+                        <a:ea typeface="Calibri"/>
+                        <a:cs typeface="Times New Roman"/>
+                      </a:endParaRPr>
+                    </a:p>
+                  </a:txBody>
+                  <a:tcPr marL="73025" marR="73025">
+                    <a:lnL w="19050" cap="flat" cmpd="sng" algn="ctr">
+                      <a:solidFill>
+                        <a:srgbClr val="404040"/>
+                      </a:solidFill>
+                      <a:prstDash val="solid"/>
+                      <a:round/>
+                      <a:headEnd type="none" w="med" len="med"/>
+                      <a:tailEnd type="none" w="med" len="med"/>
+                    </a:lnL>
+                    <a:lnR w="19050" cap="flat" cmpd="sng" algn="ctr">
+                      <a:solidFill>
+                        <a:srgbClr val="404040"/>
+                      </a:solidFill>
+                      <a:prstDash val="solid"/>
+                      <a:round/>
+                      <a:headEnd type="none" w="med" len="med"/>
+                      <a:tailEnd type="none" w="med" len="med"/>
+                    </a:lnR>
+                    <a:lnT w="19050" cap="flat" cmpd="sng" algn="ctr">
+                      <a:solidFill>
+                        <a:srgbClr val="404040"/>
+                      </a:solidFill>
+                      <a:prstDash val="solid"/>
+                      <a:round/>
+                      <a:headEnd type="none" w="med" len="med"/>
+                      <a:tailEnd type="none" w="med" len="med"/>
+                    </a:lnT>
+                    <a:lnB w="19050" cap="flat" cmpd="sng" algn="ctr">
+                      <a:solidFill>
+                        <a:srgbClr val="404040"/>
+                      </a:solidFill>
+                      <a:prstDash val="solid"/>
+                      <a:round/>
+                      <a:headEnd type="none" w="med" len="med"/>
+                      <a:tailEnd type="none" w="med" len="med"/>
+                    </a:lnB>
+                  </a:tcPr>
+                </a:tc>
+                <a:tc>
+                  <a:txBody>
+                    <a:bodyPr/>
+                    <a:lstStyle/>
+                    <a:p>
+                      <a:pPr marL="0" marR="0" algn="ctr">
+                        <a:lnSpc>
+                          <a:spcPct val="115000"/>
+                        </a:lnSpc>
+                        <a:spcBef>
+                          <a:spcPts val="0"/>
+                        </a:spcBef>
+                        <a:spcAft>
+                          <a:spcPts val="0"/>
+                        </a:spcAft>
+                      </a:pPr>
+                      <a:r>
+                        <a:rPr lang="es-AR" sz="1100" i="1">
+                          <a:latin typeface="Calibri"/>
+                          <a:ea typeface="Calibri"/>
+                          <a:cs typeface="Times New Roman"/>
+                        </a:rPr>
+                        <a:t>-</a:t>
+                      </a:r>
+                      <a:endParaRPr lang="en-US" sz="1100">
+                        <a:latin typeface="Calibri"/>
+                        <a:ea typeface="Calibri"/>
+                        <a:cs typeface="Times New Roman"/>
+                      </a:endParaRPr>
+                    </a:p>
+                  </a:txBody>
+                  <a:tcPr marL="73025" marR="73025">
+                    <a:lnL w="19050" cap="flat" cmpd="sng" algn="ctr">
+                      <a:solidFill>
+                        <a:srgbClr val="404040"/>
+                      </a:solidFill>
+                      <a:prstDash val="solid"/>
+                      <a:round/>
+                      <a:headEnd type="none" w="med" len="med"/>
+                      <a:tailEnd type="none" w="med" len="med"/>
+                    </a:lnL>
+                    <a:lnR w="19050" cap="flat" cmpd="sng" algn="ctr">
+                      <a:solidFill>
+                        <a:srgbClr val="404040"/>
+                      </a:solidFill>
+                      <a:prstDash val="solid"/>
+                      <a:round/>
+                      <a:headEnd type="none" w="med" len="med"/>
+                      <a:tailEnd type="none" w="med" len="med"/>
+                    </a:lnR>
+                    <a:lnT w="19050" cap="flat" cmpd="sng" algn="ctr">
+                      <a:solidFill>
+                        <a:srgbClr val="404040"/>
+                      </a:solidFill>
+                      <a:prstDash val="solid"/>
+                      <a:round/>
+                      <a:headEnd type="none" w="med" len="med"/>
+                      <a:tailEnd type="none" w="med" len="med"/>
+                    </a:lnT>
+                    <a:lnB w="19050" cap="flat" cmpd="sng" algn="ctr">
+                      <a:solidFill>
+                        <a:srgbClr val="404040"/>
+                      </a:solidFill>
+                      <a:prstDash val="solid"/>
+                      <a:round/>
+                      <a:headEnd type="none" w="med" len="med"/>
+                      <a:tailEnd type="none" w="med" len="med"/>
+                    </a:lnB>
+                  </a:tcPr>
+                </a:tc>
+                <a:tc>
+                  <a:txBody>
+                    <a:bodyPr/>
+                    <a:lstStyle/>
+                    <a:p>
+                      <a:pPr marL="0" marR="0" algn="ctr">
+                        <a:lnSpc>
+                          <a:spcPct val="115000"/>
+                        </a:lnSpc>
+                        <a:spcBef>
+                          <a:spcPts val="0"/>
+                        </a:spcBef>
+                        <a:spcAft>
+                          <a:spcPts val="0"/>
+                        </a:spcAft>
+                      </a:pPr>
+                      <a:r>
+                        <a:rPr lang="es-AR" sz="1100" dirty="0">
+                          <a:latin typeface="Calibri"/>
+                          <a:ea typeface="Calibri"/>
+                          <a:cs typeface="Times New Roman"/>
+                        </a:rPr>
+                        <a:t>-</a:t>
+                      </a:r>
+                      <a:endParaRPr lang="en-US" sz="1100" dirty="0">
+                        <a:latin typeface="Calibri"/>
+                        <a:ea typeface="Calibri"/>
+                        <a:cs typeface="Times New Roman"/>
+                      </a:endParaRPr>
+                    </a:p>
+                  </a:txBody>
+                  <a:tcPr marL="73025" marR="73025">
+                    <a:lnL w="19050" cap="flat" cmpd="sng" algn="ctr">
+                      <a:solidFill>
+                        <a:srgbClr val="404040"/>
+                      </a:solidFill>
+                      <a:prstDash val="solid"/>
+                      <a:round/>
+                      <a:headEnd type="none" w="med" len="med"/>
+                      <a:tailEnd type="none" w="med" len="med"/>
+                    </a:lnL>
+                    <a:lnR>
+                      <a:noFill/>
+                    </a:lnR>
+                    <a:lnT w="19050" cap="flat" cmpd="sng" algn="ctr">
+                      <a:solidFill>
+                        <a:srgbClr val="404040"/>
+                      </a:solidFill>
+                      <a:prstDash val="solid"/>
+                      <a:round/>
+                      <a:headEnd type="none" w="med" len="med"/>
+                      <a:tailEnd type="none" w="med" len="med"/>
+                    </a:lnT>
+                    <a:lnB w="19050" cap="flat" cmpd="sng" algn="ctr">
+                      <a:solidFill>
+                        <a:srgbClr val="404040"/>
+                      </a:solidFill>
+                      <a:prstDash val="solid"/>
+                      <a:round/>
+                      <a:headEnd type="none" w="med" len="med"/>
+                      <a:tailEnd type="none" w="med" len="med"/>
+                    </a:lnB>
+                  </a:tcPr>
+                </a:tc>
+              </a:tr>
+              <a:tr h="0">
+                <a:tc>
+                  <a:txBody>
+                    <a:bodyPr/>
+                    <a:lstStyle/>
+                    <a:p>
+                      <a:pPr marL="0" marR="0" algn="ctr">
+                        <a:lnSpc>
+                          <a:spcPct val="115000"/>
+                        </a:lnSpc>
+                        <a:spcBef>
+                          <a:spcPts val="0"/>
+                        </a:spcBef>
+                        <a:spcAft>
+                          <a:spcPts val="0"/>
+                        </a:spcAft>
+                      </a:pPr>
+                      <a:r>
+                        <a:rPr lang="es-AR" sz="1100">
+                          <a:latin typeface="Calibri"/>
+                          <a:ea typeface="Calibri"/>
+                          <a:cs typeface="Times New Roman"/>
+                        </a:rPr>
+                        <a:t>gestión de excepciones</a:t>
+                      </a:r>
+                      <a:endParaRPr lang="en-US" sz="1100">
+                        <a:latin typeface="Calibri"/>
+                        <a:ea typeface="Calibri"/>
+                        <a:cs typeface="Times New Roman"/>
+                      </a:endParaRPr>
+                    </a:p>
+                  </a:txBody>
+                  <a:tcPr marL="73025" marR="73025" anchor="ctr">
+                    <a:lnL>
+                      <a:noFill/>
+                    </a:lnL>
+                    <a:lnR w="19050" cap="flat" cmpd="sng" algn="ctr">
+                      <a:solidFill>
+                        <a:srgbClr val="404040"/>
+                      </a:solidFill>
+                      <a:prstDash val="solid"/>
+                      <a:round/>
+                      <a:headEnd type="none" w="med" len="med"/>
+                      <a:tailEnd type="none" w="med" len="med"/>
+                    </a:lnR>
+                    <a:lnT w="19050" cap="flat" cmpd="sng" algn="ctr">
+                      <a:solidFill>
+                        <a:srgbClr val="404040"/>
+                      </a:solidFill>
+                      <a:prstDash val="solid"/>
+                      <a:round/>
+                      <a:headEnd type="none" w="med" len="med"/>
+                      <a:tailEnd type="none" w="med" len="med"/>
+                    </a:lnT>
+                    <a:lnB w="19050" cap="flat" cmpd="sng" algn="ctr">
+                      <a:solidFill>
+                        <a:srgbClr val="404040"/>
+                      </a:solidFill>
+                      <a:prstDash val="solid"/>
+                      <a:round/>
+                      <a:headEnd type="none" w="med" len="med"/>
+                      <a:tailEnd type="none" w="med" len="med"/>
+                    </a:lnB>
+                  </a:tcPr>
+                </a:tc>
+                <a:tc>
+                  <a:txBody>
+                    <a:bodyPr/>
+                    <a:lstStyle/>
+                    <a:p>
+                      <a:pPr marL="0" marR="0" algn="ctr">
+                        <a:lnSpc>
+                          <a:spcPct val="115000"/>
+                        </a:lnSpc>
+                        <a:spcBef>
+                          <a:spcPts val="0"/>
+                        </a:spcBef>
+                        <a:spcAft>
+                          <a:spcPts val="0"/>
+                        </a:spcAft>
+                      </a:pPr>
+                      <a:r>
+                        <a:rPr lang="en-US" sz="1100">
+                          <a:latin typeface="Calibri"/>
+                          <a:ea typeface="Calibri"/>
+                          <a:cs typeface="Times New Roman"/>
+                        </a:rPr>
+                        <a:t>X</a:t>
+                      </a:r>
+                    </a:p>
+                  </a:txBody>
+                  <a:tcPr marL="73025" marR="73025">
+                    <a:lnL w="19050" cap="flat" cmpd="sng" algn="ctr">
+                      <a:solidFill>
+                        <a:srgbClr val="404040"/>
+                      </a:solidFill>
+                      <a:prstDash val="solid"/>
+                      <a:round/>
+                      <a:headEnd type="none" w="med" len="med"/>
+                      <a:tailEnd type="none" w="med" len="med"/>
+                    </a:lnL>
+                    <a:lnR w="19050" cap="flat" cmpd="sng" algn="ctr">
+                      <a:solidFill>
+                        <a:srgbClr val="404040"/>
+                      </a:solidFill>
+                      <a:prstDash val="solid"/>
+                      <a:round/>
+                      <a:headEnd type="none" w="med" len="med"/>
+                      <a:tailEnd type="none" w="med" len="med"/>
+                    </a:lnR>
+                    <a:lnT w="19050" cap="flat" cmpd="sng" algn="ctr">
+                      <a:solidFill>
+                        <a:srgbClr val="404040"/>
+                      </a:solidFill>
+                      <a:prstDash val="solid"/>
+                      <a:round/>
+                      <a:headEnd type="none" w="med" len="med"/>
+                      <a:tailEnd type="none" w="med" len="med"/>
+                    </a:lnT>
+                    <a:lnB w="19050" cap="flat" cmpd="sng" algn="ctr">
+                      <a:solidFill>
+                        <a:srgbClr val="404040"/>
+                      </a:solidFill>
+                      <a:prstDash val="solid"/>
+                      <a:round/>
+                      <a:headEnd type="none" w="med" len="med"/>
+                      <a:tailEnd type="none" w="med" len="med"/>
+                    </a:lnB>
+                  </a:tcPr>
+                </a:tc>
+                <a:tc>
+                  <a:txBody>
+                    <a:bodyPr/>
+                    <a:lstStyle/>
+                    <a:p>
+                      <a:pPr marL="0" marR="0" algn="ctr">
+                        <a:lnSpc>
+                          <a:spcPct val="115000"/>
+                        </a:lnSpc>
+                        <a:spcBef>
+                          <a:spcPts val="0"/>
+                        </a:spcBef>
+                        <a:spcAft>
+                          <a:spcPts val="0"/>
+                        </a:spcAft>
+                      </a:pPr>
+                      <a:r>
+                        <a:rPr lang="en-US" sz="1100">
+                          <a:latin typeface="Calibri"/>
+                          <a:ea typeface="Calibri"/>
+                          <a:cs typeface="Times New Roman"/>
+                        </a:rPr>
+                        <a:t>X</a:t>
+                      </a:r>
+                    </a:p>
+                  </a:txBody>
+                  <a:tcPr marL="73025" marR="73025">
+                    <a:lnL w="19050" cap="flat" cmpd="sng" algn="ctr">
+                      <a:solidFill>
+                        <a:srgbClr val="404040"/>
+                      </a:solidFill>
+                      <a:prstDash val="solid"/>
+                      <a:round/>
+                      <a:headEnd type="none" w="med" len="med"/>
+                      <a:tailEnd type="none" w="med" len="med"/>
+                    </a:lnL>
+                    <a:lnR w="19050" cap="flat" cmpd="sng" algn="ctr">
+                      <a:solidFill>
+                        <a:srgbClr val="404040"/>
+                      </a:solidFill>
+                      <a:prstDash val="solid"/>
+                      <a:round/>
+                      <a:headEnd type="none" w="med" len="med"/>
+                      <a:tailEnd type="none" w="med" len="med"/>
+                    </a:lnR>
+                    <a:lnT w="19050" cap="flat" cmpd="sng" algn="ctr">
+                      <a:solidFill>
+                        <a:srgbClr val="404040"/>
+                      </a:solidFill>
+                      <a:prstDash val="solid"/>
+                      <a:round/>
+                      <a:headEnd type="none" w="med" len="med"/>
+                      <a:tailEnd type="none" w="med" len="med"/>
+                    </a:lnT>
+                    <a:lnB w="19050" cap="flat" cmpd="sng" algn="ctr">
+                      <a:solidFill>
+                        <a:srgbClr val="404040"/>
+                      </a:solidFill>
+                      <a:prstDash val="solid"/>
+                      <a:round/>
+                      <a:headEnd type="none" w="med" len="med"/>
+                      <a:tailEnd type="none" w="med" len="med"/>
+                    </a:lnB>
+                  </a:tcPr>
+                </a:tc>
+                <a:tc>
+                  <a:txBody>
+                    <a:bodyPr/>
+                    <a:lstStyle/>
+                    <a:p>
+                      <a:pPr marL="0" marR="0" algn="ctr">
+                        <a:lnSpc>
+                          <a:spcPct val="115000"/>
+                        </a:lnSpc>
+                        <a:spcBef>
+                          <a:spcPts val="0"/>
+                        </a:spcBef>
+                        <a:spcAft>
+                          <a:spcPts val="0"/>
+                        </a:spcAft>
+                      </a:pPr>
+                      <a:r>
+                        <a:rPr lang="es-AR" sz="1100" dirty="0">
+                          <a:latin typeface="Calibri"/>
+                          <a:ea typeface="Calibri"/>
+                          <a:cs typeface="Times New Roman"/>
+                        </a:rPr>
+                        <a:t>-</a:t>
+                      </a:r>
+                      <a:endParaRPr lang="en-US" sz="1100" dirty="0">
+                        <a:latin typeface="Calibri"/>
+                        <a:ea typeface="Calibri"/>
+                        <a:cs typeface="Times New Roman"/>
+                      </a:endParaRPr>
+                    </a:p>
+                  </a:txBody>
+                  <a:tcPr marL="73025" marR="73025">
+                    <a:lnL w="19050" cap="flat" cmpd="sng" algn="ctr">
+                      <a:solidFill>
+                        <a:srgbClr val="404040"/>
+                      </a:solidFill>
+                      <a:prstDash val="solid"/>
+                      <a:round/>
+                      <a:headEnd type="none" w="med" len="med"/>
+                      <a:tailEnd type="none" w="med" len="med"/>
+                    </a:lnL>
+                    <a:lnR>
+                      <a:noFill/>
+                    </a:lnR>
+                    <a:lnT w="19050" cap="flat" cmpd="sng" algn="ctr">
+                      <a:solidFill>
+                        <a:srgbClr val="404040"/>
+                      </a:solidFill>
+                      <a:prstDash val="solid"/>
+                      <a:round/>
+                      <a:headEnd type="none" w="med" len="med"/>
+                      <a:tailEnd type="none" w="med" len="med"/>
+                    </a:lnT>
+                    <a:lnB w="19050" cap="flat" cmpd="sng" algn="ctr">
+                      <a:solidFill>
+                        <a:srgbClr val="404040"/>
+                      </a:solidFill>
+                      <a:prstDash val="solid"/>
+                      <a:round/>
+                      <a:headEnd type="none" w="med" len="med"/>
+                      <a:tailEnd type="none" w="med" len="med"/>
+                    </a:lnB>
+                  </a:tcPr>
+                </a:tc>
+              </a:tr>
+            </a:tbl>
+          </a:graphicData>
+        </a:graphic>
+      </p:graphicFrame>
+      <p:graphicFrame>
+        <p:nvGraphicFramePr>
+          <p:cNvPr id="7" name="6 Tabla"/>
+          <p:cNvGraphicFramePr>
+            <a:graphicFrameLocks noGrp="1"/>
+          </p:cNvGraphicFramePr>
+          <p:nvPr/>
+        </p:nvGraphicFramePr>
+        <p:xfrm>
+          <a:off x="2285984" y="4429132"/>
+          <a:ext cx="6096000" cy="2103247"/>
+        </p:xfrm>
+        <a:graphic>
+          <a:graphicData uri="http://schemas.openxmlformats.org/drawingml/2006/table">
+            <a:tbl>
+              <a:tblPr/>
+              <a:tblGrid>
+                <a:gridCol w="1524000"/>
+                <a:gridCol w="1524000"/>
+                <a:gridCol w="1524000"/>
+                <a:gridCol w="1524000"/>
+              </a:tblGrid>
+              <a:tr h="0">
+                <a:tc>
+                  <a:txBody>
+                    <a:bodyPr/>
+                    <a:lstStyle/>
+                    <a:p>
+                      <a:pPr marL="0" marR="0" algn="ctr">
+                        <a:lnSpc>
+                          <a:spcPct val="115000"/>
+                        </a:lnSpc>
+                        <a:spcBef>
+                          <a:spcPts val="0"/>
+                        </a:spcBef>
+                        <a:spcAft>
+                          <a:spcPts val="0"/>
+                        </a:spcAft>
+                      </a:pPr>
+                      <a:endParaRPr lang="en-US" sz="1100" dirty="0">
+                        <a:latin typeface="Calibri"/>
+                        <a:ea typeface="Calibri"/>
+                        <a:cs typeface="Times New Roman"/>
+                      </a:endParaRPr>
+                    </a:p>
+                  </a:txBody>
+                  <a:tcPr marL="73025" marR="73025" anchor="ctr">
+                    <a:lnL>
+                      <a:noFill/>
+                    </a:lnL>
+                    <a:lnR w="19050" cap="flat" cmpd="sng" algn="ctr">
+                      <a:solidFill>
+                        <a:srgbClr val="404040"/>
+                      </a:solidFill>
+                      <a:prstDash val="solid"/>
+                      <a:round/>
+                      <a:headEnd type="none" w="med" len="med"/>
+                      <a:tailEnd type="none" w="med" len="med"/>
+                    </a:lnR>
+                    <a:lnT w="19050" cap="flat" cmpd="sng" algn="ctr">
+                      <a:solidFill>
+                        <a:srgbClr val="404040"/>
+                      </a:solidFill>
+                      <a:prstDash val="solid"/>
+                      <a:round/>
+                      <a:headEnd type="none" w="med" len="med"/>
+                      <a:tailEnd type="none" w="med" len="med"/>
+                    </a:lnT>
+                    <a:lnB w="19050" cap="flat" cmpd="sng" algn="ctr">
+                      <a:solidFill>
+                        <a:srgbClr val="404040"/>
+                      </a:solidFill>
+                      <a:prstDash val="solid"/>
+                      <a:round/>
+                      <a:headEnd type="none" w="med" len="med"/>
+                      <a:tailEnd type="none" w="med" len="med"/>
+                    </a:lnB>
+                  </a:tcPr>
+                </a:tc>
+                <a:tc>
+                  <a:txBody>
+                    <a:bodyPr/>
+                    <a:lstStyle/>
+                    <a:p>
+                      <a:pPr marL="0" marR="0" algn="ctr">
+                        <a:lnSpc>
+                          <a:spcPct val="115000"/>
+                        </a:lnSpc>
+                        <a:spcBef>
+                          <a:spcPts val="0"/>
+                        </a:spcBef>
+                        <a:spcAft>
+                          <a:spcPts val="0"/>
+                        </a:spcAft>
+                      </a:pPr>
+                      <a:r>
+                        <a:rPr lang="en-US" sz="1100" b="1" dirty="0" err="1">
+                          <a:solidFill>
+                            <a:srgbClr val="000000"/>
+                          </a:solidFill>
+                          <a:latin typeface="Calibri"/>
+                          <a:ea typeface="Calibri"/>
+                          <a:cs typeface="Times New Roman"/>
+                        </a:rPr>
+                        <a:t>Sinergia</a:t>
+                      </a:r>
+                      <a:r>
+                        <a:rPr lang="en-US" sz="1100" b="1" dirty="0">
+                          <a:solidFill>
+                            <a:srgbClr val="000000"/>
+                          </a:solidFill>
+                          <a:latin typeface="Calibri"/>
+                          <a:ea typeface="Calibri"/>
+                          <a:cs typeface="Times New Roman"/>
+                        </a:rPr>
+                        <a:t> I</a:t>
+                      </a:r>
+                      <a:endParaRPr lang="en-US" sz="1100" dirty="0">
+                        <a:latin typeface="Calibri"/>
+                        <a:ea typeface="Calibri"/>
+                        <a:cs typeface="Times New Roman"/>
+                      </a:endParaRPr>
+                    </a:p>
+                  </a:txBody>
+                  <a:tcPr marL="73025" marR="73025">
+                    <a:lnL w="19050" cap="flat" cmpd="sng" algn="ctr">
+                      <a:solidFill>
+                        <a:srgbClr val="404040"/>
+                      </a:solidFill>
+                      <a:prstDash val="solid"/>
+                      <a:round/>
+                      <a:headEnd type="none" w="med" len="med"/>
+                      <a:tailEnd type="none" w="med" len="med"/>
+                    </a:lnL>
+                    <a:lnR w="19050" cap="flat" cmpd="sng" algn="ctr">
+                      <a:solidFill>
+                        <a:srgbClr val="404040"/>
+                      </a:solidFill>
+                      <a:prstDash val="solid"/>
+                      <a:round/>
+                      <a:headEnd type="none" w="med" len="med"/>
+                      <a:tailEnd type="none" w="med" len="med"/>
+                    </a:lnR>
+                    <a:lnT w="19050" cap="flat" cmpd="sng" algn="ctr">
+                      <a:solidFill>
+                        <a:srgbClr val="404040"/>
+                      </a:solidFill>
+                      <a:prstDash val="solid"/>
+                      <a:round/>
+                      <a:headEnd type="none" w="med" len="med"/>
+                      <a:tailEnd type="none" w="med" len="med"/>
+                    </a:lnT>
+                    <a:lnB w="19050" cap="flat" cmpd="sng" algn="ctr">
+                      <a:solidFill>
+                        <a:srgbClr val="404040"/>
+                      </a:solidFill>
+                      <a:prstDash val="solid"/>
+                      <a:round/>
+                      <a:headEnd type="none" w="med" len="med"/>
+                      <a:tailEnd type="none" w="med" len="med"/>
+                    </a:lnB>
+                  </a:tcPr>
+                </a:tc>
+                <a:tc>
+                  <a:txBody>
+                    <a:bodyPr/>
+                    <a:lstStyle/>
+                    <a:p>
+                      <a:pPr marL="0" marR="0" algn="ctr">
+                        <a:lnSpc>
+                          <a:spcPct val="115000"/>
+                        </a:lnSpc>
+                        <a:spcBef>
+                          <a:spcPts val="0"/>
+                        </a:spcBef>
+                        <a:spcAft>
+                          <a:spcPts val="0"/>
+                        </a:spcAft>
+                      </a:pPr>
+                      <a:r>
+                        <a:rPr lang="en-US" sz="1100" b="1">
+                          <a:solidFill>
+                            <a:srgbClr val="000000"/>
+                          </a:solidFill>
+                          <a:latin typeface="Calibri"/>
+                          <a:ea typeface="Calibri"/>
+                          <a:cs typeface="Times New Roman"/>
+                        </a:rPr>
+                        <a:t>Sinergia II</a:t>
+                      </a:r>
+                      <a:endParaRPr lang="en-US" sz="1100">
+                        <a:latin typeface="Calibri"/>
+                        <a:ea typeface="Calibri"/>
+                        <a:cs typeface="Times New Roman"/>
+                      </a:endParaRPr>
+                    </a:p>
+                  </a:txBody>
+                  <a:tcPr marL="73025" marR="73025">
+                    <a:lnL w="19050" cap="flat" cmpd="sng" algn="ctr">
+                      <a:solidFill>
+                        <a:srgbClr val="404040"/>
+                      </a:solidFill>
+                      <a:prstDash val="solid"/>
+                      <a:round/>
+                      <a:headEnd type="none" w="med" len="med"/>
+                      <a:tailEnd type="none" w="med" len="med"/>
+                    </a:lnL>
+                    <a:lnR w="19050" cap="flat" cmpd="sng" algn="ctr">
+                      <a:solidFill>
+                        <a:srgbClr val="404040"/>
+                      </a:solidFill>
+                      <a:prstDash val="solid"/>
+                      <a:round/>
+                      <a:headEnd type="none" w="med" len="med"/>
+                      <a:tailEnd type="none" w="med" len="med"/>
+                    </a:lnR>
+                    <a:lnT w="19050" cap="flat" cmpd="sng" algn="ctr">
+                      <a:solidFill>
+                        <a:srgbClr val="404040"/>
+                      </a:solidFill>
+                      <a:prstDash val="solid"/>
+                      <a:round/>
+                      <a:headEnd type="none" w="med" len="med"/>
+                      <a:tailEnd type="none" w="med" len="med"/>
+                    </a:lnT>
+                    <a:lnB w="19050" cap="flat" cmpd="sng" algn="ctr">
+                      <a:solidFill>
+                        <a:srgbClr val="404040"/>
+                      </a:solidFill>
+                      <a:prstDash val="solid"/>
+                      <a:round/>
+                      <a:headEnd type="none" w="med" len="med"/>
+                      <a:tailEnd type="none" w="med" len="med"/>
+                    </a:lnB>
+                  </a:tcPr>
+                </a:tc>
+                <a:tc>
+                  <a:txBody>
+                    <a:bodyPr/>
+                    <a:lstStyle/>
+                    <a:p>
+                      <a:pPr marL="0" marR="0" algn="ctr">
+                        <a:lnSpc>
+                          <a:spcPct val="115000"/>
+                        </a:lnSpc>
+                        <a:spcBef>
+                          <a:spcPts val="0"/>
+                        </a:spcBef>
+                        <a:spcAft>
+                          <a:spcPts val="0"/>
+                        </a:spcAft>
+                      </a:pPr>
+                      <a:r>
+                        <a:rPr lang="en-US" sz="1100" b="1" dirty="0" err="1">
+                          <a:latin typeface="Calibri"/>
+                          <a:ea typeface="Calibri"/>
+                          <a:cs typeface="Times New Roman"/>
+                        </a:rPr>
+                        <a:t>Métodos</a:t>
+                      </a:r>
+                      <a:r>
+                        <a:rPr lang="en-US" sz="1100" b="1" dirty="0">
+                          <a:latin typeface="Calibri"/>
+                          <a:ea typeface="Calibri"/>
+                          <a:cs typeface="Times New Roman"/>
+                        </a:rPr>
+                        <a:t> </a:t>
+                      </a:r>
+                      <a:r>
+                        <a:rPr lang="en-US" sz="1100" b="1" dirty="0" err="1">
+                          <a:latin typeface="Calibri"/>
+                          <a:ea typeface="Calibri"/>
+                          <a:cs typeface="Times New Roman"/>
+                        </a:rPr>
+                        <a:t>Redireccionadores</a:t>
+                      </a:r>
+                      <a:endParaRPr lang="en-US" sz="1100" dirty="0">
+                        <a:latin typeface="Calibri"/>
+                        <a:ea typeface="Calibri"/>
+                        <a:cs typeface="Times New Roman"/>
+                      </a:endParaRPr>
+                    </a:p>
+                  </a:txBody>
+                  <a:tcPr marL="73025" marR="73025">
+                    <a:lnL w="19050" cap="flat" cmpd="sng" algn="ctr">
+                      <a:solidFill>
+                        <a:srgbClr val="404040"/>
+                      </a:solidFill>
+                      <a:prstDash val="solid"/>
+                      <a:round/>
+                      <a:headEnd type="none" w="med" len="med"/>
+                      <a:tailEnd type="none" w="med" len="med"/>
+                    </a:lnL>
+                    <a:lnR>
+                      <a:noFill/>
+                    </a:lnR>
+                    <a:lnT w="19050" cap="flat" cmpd="sng" algn="ctr">
+                      <a:solidFill>
+                        <a:srgbClr val="404040"/>
+                      </a:solidFill>
+                      <a:prstDash val="solid"/>
+                      <a:round/>
+                      <a:headEnd type="none" w="med" len="med"/>
+                      <a:tailEnd type="none" w="med" len="med"/>
+                    </a:lnT>
+                    <a:lnB w="19050" cap="flat" cmpd="sng" algn="ctr">
+                      <a:solidFill>
+                        <a:srgbClr val="404040"/>
+                      </a:solidFill>
+                      <a:prstDash val="solid"/>
+                      <a:round/>
+                      <a:headEnd type="none" w="med" len="med"/>
+                      <a:tailEnd type="none" w="med" len="med"/>
+                    </a:lnB>
+                  </a:tcPr>
+                </a:tc>
+              </a:tr>
+              <a:tr h="0">
+                <a:tc>
+                  <a:txBody>
+                    <a:bodyPr/>
+                    <a:lstStyle/>
+                    <a:p>
+                      <a:pPr marL="0" marR="0" indent="0" algn="ctr" defTabSz="914400" rtl="0" eaLnBrk="1" fontAlgn="auto" latinLnBrk="0" hangingPunct="1">
+                        <a:lnSpc>
+                          <a:spcPct val="115000"/>
+                        </a:lnSpc>
+                        <a:spcBef>
+                          <a:spcPts val="0"/>
+                        </a:spcBef>
+                        <a:spcAft>
+                          <a:spcPts val="0"/>
+                        </a:spcAft>
+                        <a:buClrTx/>
+                        <a:buSzTx/>
+                        <a:buFontTx/>
+                        <a:buNone/>
+                        <a:tabLst/>
+                        <a:defRPr/>
+                      </a:pPr>
+                      <a:r>
+                        <a:rPr lang="en-US" sz="1100" b="1" dirty="0" smtClean="0">
+                          <a:solidFill>
+                            <a:srgbClr val="000000"/>
+                          </a:solidFill>
+                          <a:latin typeface="+mn-lt"/>
+                          <a:ea typeface="Calibri"/>
+                          <a:cs typeface="Times New Roman"/>
+                        </a:rPr>
+                        <a:t>Seeds </a:t>
+                      </a:r>
+                      <a:r>
+                        <a:rPr lang="en-US" sz="1100" b="1" dirty="0" err="1" smtClean="0">
+                          <a:solidFill>
+                            <a:srgbClr val="000000"/>
+                          </a:solidFill>
+                          <a:latin typeface="+mn-lt"/>
+                          <a:ea typeface="Calibri"/>
+                          <a:cs typeface="Times New Roman"/>
+                        </a:rPr>
+                        <a:t>Reportados</a:t>
+                      </a:r>
+                      <a:endParaRPr lang="en-US" sz="1100" dirty="0" smtClean="0">
+                        <a:latin typeface="+mn-lt"/>
+                        <a:ea typeface="Calibri"/>
+                        <a:cs typeface="Times New Roman"/>
+                      </a:endParaRPr>
+                    </a:p>
+                  </a:txBody>
+                  <a:tcPr marL="73025" marR="73025" anchor="ctr">
+                    <a:lnL>
+                      <a:noFill/>
+                    </a:lnL>
+                    <a:lnR w="19050" cap="flat" cmpd="sng" algn="ctr">
+                      <a:solidFill>
+                        <a:srgbClr val="404040"/>
+                      </a:solidFill>
+                      <a:prstDash val="solid"/>
+                      <a:round/>
+                      <a:headEnd type="none" w="med" len="med"/>
+                      <a:tailEnd type="none" w="med" len="med"/>
+                    </a:lnR>
+                    <a:lnT w="19050" cap="flat" cmpd="sng" algn="ctr">
+                      <a:solidFill>
+                        <a:srgbClr val="404040"/>
+                      </a:solidFill>
+                      <a:prstDash val="solid"/>
+                      <a:round/>
+                      <a:headEnd type="none" w="med" len="med"/>
+                      <a:tailEnd type="none" w="med" len="med"/>
+                    </a:lnT>
+                    <a:lnB w="19050" cap="flat" cmpd="sng" algn="ctr">
+                      <a:solidFill>
+                        <a:srgbClr val="404040"/>
+                      </a:solidFill>
+                      <a:prstDash val="solid"/>
+                      <a:round/>
+                      <a:headEnd type="none" w="med" len="med"/>
+                      <a:tailEnd type="none" w="med" len="med"/>
+                    </a:lnB>
+                  </a:tcPr>
+                </a:tc>
+                <a:tc>
+                  <a:txBody>
+                    <a:bodyPr/>
+                    <a:lstStyle/>
+                    <a:p>
+                      <a:pPr marL="0" marR="0" algn="ctr">
+                        <a:lnSpc>
+                          <a:spcPct val="115000"/>
+                        </a:lnSpc>
+                        <a:spcBef>
+                          <a:spcPts val="0"/>
+                        </a:spcBef>
+                        <a:spcAft>
+                          <a:spcPts val="0"/>
+                        </a:spcAft>
+                      </a:pPr>
+                      <a:r>
+                        <a:rPr lang="es-AR" sz="1100" dirty="0" smtClean="0">
+                          <a:latin typeface="Calibri"/>
+                          <a:ea typeface="Calibri"/>
+                          <a:cs typeface="Times New Roman"/>
+                        </a:rPr>
+                        <a:t>8</a:t>
+                      </a:r>
+                      <a:endParaRPr lang="en-US" sz="1100" dirty="0">
+                        <a:latin typeface="Calibri"/>
+                        <a:ea typeface="Calibri"/>
+                        <a:cs typeface="Times New Roman"/>
+                      </a:endParaRPr>
+                    </a:p>
+                  </a:txBody>
+                  <a:tcPr marL="73025" marR="73025">
+                    <a:lnL w="19050" cap="flat" cmpd="sng" algn="ctr">
+                      <a:solidFill>
+                        <a:srgbClr val="404040"/>
+                      </a:solidFill>
+                      <a:prstDash val="solid"/>
+                      <a:round/>
+                      <a:headEnd type="none" w="med" len="med"/>
+                      <a:tailEnd type="none" w="med" len="med"/>
+                    </a:lnL>
+                    <a:lnR w="19050" cap="flat" cmpd="sng" algn="ctr">
+                      <a:solidFill>
+                        <a:srgbClr val="404040"/>
+                      </a:solidFill>
+                      <a:prstDash val="solid"/>
+                      <a:round/>
+                      <a:headEnd type="none" w="med" len="med"/>
+                      <a:tailEnd type="none" w="med" len="med"/>
+                    </a:lnR>
+                    <a:lnT w="19050" cap="flat" cmpd="sng" algn="ctr">
+                      <a:solidFill>
+                        <a:srgbClr val="404040"/>
+                      </a:solidFill>
+                      <a:prstDash val="solid"/>
+                      <a:round/>
+                      <a:headEnd type="none" w="med" len="med"/>
+                      <a:tailEnd type="none" w="med" len="med"/>
+                    </a:lnT>
+                    <a:lnB w="19050" cap="flat" cmpd="sng" algn="ctr">
+                      <a:solidFill>
+                        <a:srgbClr val="404040"/>
+                      </a:solidFill>
+                      <a:prstDash val="solid"/>
+                      <a:round/>
+                      <a:headEnd type="none" w="med" len="med"/>
+                      <a:tailEnd type="none" w="med" len="med"/>
+                    </a:lnB>
+                  </a:tcPr>
+                </a:tc>
+                <a:tc>
+                  <a:txBody>
+                    <a:bodyPr/>
+                    <a:lstStyle/>
+                    <a:p>
+                      <a:pPr marL="0" marR="0" algn="ctr">
+                        <a:lnSpc>
+                          <a:spcPct val="115000"/>
+                        </a:lnSpc>
+                        <a:spcBef>
+                          <a:spcPts val="0"/>
+                        </a:spcBef>
+                        <a:spcAft>
+                          <a:spcPts val="0"/>
+                        </a:spcAft>
+                      </a:pPr>
+                      <a:r>
+                        <a:rPr lang="es-AR" sz="1100" dirty="0" smtClean="0">
+                          <a:latin typeface="Calibri"/>
+                          <a:ea typeface="Calibri"/>
+                          <a:cs typeface="Times New Roman"/>
+                        </a:rPr>
+                        <a:t>33</a:t>
+                      </a:r>
+                      <a:endParaRPr lang="en-US" sz="1100" dirty="0">
+                        <a:latin typeface="Calibri"/>
+                        <a:ea typeface="Calibri"/>
+                        <a:cs typeface="Times New Roman"/>
+                      </a:endParaRPr>
+                    </a:p>
+                  </a:txBody>
+                  <a:tcPr marL="73025" marR="73025">
+                    <a:lnL w="19050" cap="flat" cmpd="sng" algn="ctr">
+                      <a:solidFill>
+                        <a:srgbClr val="404040"/>
+                      </a:solidFill>
+                      <a:prstDash val="solid"/>
+                      <a:round/>
+                      <a:headEnd type="none" w="med" len="med"/>
+                      <a:tailEnd type="none" w="med" len="med"/>
+                    </a:lnL>
+                    <a:lnR w="19050" cap="flat" cmpd="sng" algn="ctr">
+                      <a:solidFill>
+                        <a:srgbClr val="404040"/>
+                      </a:solidFill>
+                      <a:prstDash val="solid"/>
+                      <a:round/>
+                      <a:headEnd type="none" w="med" len="med"/>
+                      <a:tailEnd type="none" w="med" len="med"/>
+                    </a:lnR>
+                    <a:lnT w="19050" cap="flat" cmpd="sng" algn="ctr">
+                      <a:solidFill>
+                        <a:srgbClr val="404040"/>
+                      </a:solidFill>
+                      <a:prstDash val="solid"/>
+                      <a:round/>
+                      <a:headEnd type="none" w="med" len="med"/>
+                      <a:tailEnd type="none" w="med" len="med"/>
+                    </a:lnT>
+                    <a:lnB w="19050" cap="flat" cmpd="sng" algn="ctr">
+                      <a:solidFill>
+                        <a:srgbClr val="404040"/>
+                      </a:solidFill>
+                      <a:prstDash val="solid"/>
+                      <a:round/>
+                      <a:headEnd type="none" w="med" len="med"/>
+                      <a:tailEnd type="none" w="med" len="med"/>
+                    </a:lnB>
+                  </a:tcPr>
+                </a:tc>
+                <a:tc>
+                  <a:txBody>
+                    <a:bodyPr/>
+                    <a:lstStyle/>
+                    <a:p>
+                      <a:pPr marL="0" marR="0" algn="ctr">
+                        <a:lnSpc>
+                          <a:spcPct val="115000"/>
+                        </a:lnSpc>
+                        <a:spcBef>
+                          <a:spcPts val="0"/>
+                        </a:spcBef>
+                        <a:spcAft>
+                          <a:spcPts val="0"/>
+                        </a:spcAft>
+                      </a:pPr>
+                      <a:r>
+                        <a:rPr lang="es-AR" sz="1100" dirty="0" smtClean="0">
+                          <a:latin typeface="Calibri"/>
+                          <a:ea typeface="Calibri"/>
+                          <a:cs typeface="Times New Roman"/>
+                        </a:rPr>
+                        <a:t>3</a:t>
+                      </a:r>
+                      <a:endParaRPr lang="en-US" sz="1100" dirty="0">
+                        <a:latin typeface="Calibri"/>
+                        <a:ea typeface="Calibri"/>
+                        <a:cs typeface="Times New Roman"/>
+                      </a:endParaRPr>
+                    </a:p>
+                  </a:txBody>
+                  <a:tcPr marL="73025" marR="73025">
+                    <a:lnL w="19050" cap="flat" cmpd="sng" algn="ctr">
+                      <a:solidFill>
+                        <a:srgbClr val="404040"/>
+                      </a:solidFill>
+                      <a:prstDash val="solid"/>
+                      <a:round/>
+                      <a:headEnd type="none" w="med" len="med"/>
+                      <a:tailEnd type="none" w="med" len="med"/>
+                    </a:lnL>
+                    <a:lnR>
+                      <a:noFill/>
+                    </a:lnR>
+                    <a:lnT w="19050" cap="flat" cmpd="sng" algn="ctr">
+                      <a:solidFill>
+                        <a:srgbClr val="404040"/>
+                      </a:solidFill>
+                      <a:prstDash val="solid"/>
+                      <a:round/>
+                      <a:headEnd type="none" w="med" len="med"/>
+                      <a:tailEnd type="none" w="med" len="med"/>
+                    </a:lnT>
+                    <a:lnB w="19050" cap="flat" cmpd="sng" algn="ctr">
+                      <a:solidFill>
+                        <a:srgbClr val="404040"/>
+                      </a:solidFill>
+                      <a:prstDash val="solid"/>
+                      <a:round/>
+                      <a:headEnd type="none" w="med" len="med"/>
+                      <a:tailEnd type="none" w="med" len="med"/>
+                    </a:lnB>
+                  </a:tcPr>
+                </a:tc>
+              </a:tr>
+              <a:tr h="0">
+                <a:tc>
+                  <a:txBody>
+                    <a:bodyPr/>
+                    <a:lstStyle/>
+                    <a:p>
+                      <a:pPr marL="0" marR="0" algn="ctr">
+                        <a:lnSpc>
+                          <a:spcPct val="115000"/>
+                        </a:lnSpc>
+                        <a:spcBef>
+                          <a:spcPts val="0"/>
+                        </a:spcBef>
+                        <a:spcAft>
+                          <a:spcPts val="0"/>
+                        </a:spcAft>
+                      </a:pPr>
+                      <a:r>
+                        <a:rPr lang="en-US" sz="1100" b="1" dirty="0">
+                          <a:solidFill>
+                            <a:srgbClr val="000000"/>
+                          </a:solidFill>
+                          <a:latin typeface="Calibri"/>
+                          <a:ea typeface="Calibri"/>
+                          <a:cs typeface="Times New Roman"/>
+                        </a:rPr>
+                        <a:t>Seeds </a:t>
+                      </a:r>
+                      <a:r>
+                        <a:rPr lang="en-US" sz="1100" b="1" dirty="0" err="1">
+                          <a:solidFill>
+                            <a:srgbClr val="000000"/>
+                          </a:solidFill>
+                          <a:latin typeface="Calibri"/>
+                          <a:ea typeface="Calibri"/>
+                          <a:cs typeface="Times New Roman"/>
+                        </a:rPr>
+                        <a:t>Confirmados</a:t>
+                      </a:r>
+                      <a:endParaRPr lang="en-US" sz="1100" dirty="0">
+                        <a:latin typeface="Calibri"/>
+                        <a:ea typeface="Calibri"/>
+                        <a:cs typeface="Times New Roman"/>
+                      </a:endParaRPr>
+                    </a:p>
+                  </a:txBody>
+                  <a:tcPr marL="73025" marR="73025" anchor="ctr">
+                    <a:lnL>
+                      <a:noFill/>
+                    </a:lnL>
+                    <a:lnR w="19050" cap="flat" cmpd="sng" algn="ctr">
+                      <a:solidFill>
+                        <a:srgbClr val="404040"/>
+                      </a:solidFill>
+                      <a:prstDash val="solid"/>
+                      <a:round/>
+                      <a:headEnd type="none" w="med" len="med"/>
+                      <a:tailEnd type="none" w="med" len="med"/>
+                    </a:lnR>
+                    <a:lnT w="19050" cap="flat" cmpd="sng" algn="ctr">
+                      <a:solidFill>
+                        <a:srgbClr val="404040"/>
+                      </a:solidFill>
+                      <a:prstDash val="solid"/>
+                      <a:round/>
+                      <a:headEnd type="none" w="med" len="med"/>
+                      <a:tailEnd type="none" w="med" len="med"/>
+                    </a:lnT>
+                    <a:lnB w="19050" cap="flat" cmpd="sng" algn="ctr">
+                      <a:solidFill>
+                        <a:srgbClr val="404040"/>
+                      </a:solidFill>
+                      <a:prstDash val="solid"/>
+                      <a:round/>
+                      <a:headEnd type="none" w="med" len="med"/>
+                      <a:tailEnd type="none" w="med" len="med"/>
+                    </a:lnB>
+                  </a:tcPr>
+                </a:tc>
+                <a:tc>
+                  <a:txBody>
+                    <a:bodyPr/>
+                    <a:lstStyle/>
+                    <a:p>
+                      <a:pPr marL="0" marR="0" algn="ctr">
+                        <a:lnSpc>
+                          <a:spcPct val="115000"/>
+                        </a:lnSpc>
+                        <a:spcBef>
+                          <a:spcPts val="0"/>
+                        </a:spcBef>
+                        <a:spcAft>
+                          <a:spcPts val="0"/>
+                        </a:spcAft>
+                      </a:pPr>
+                      <a:r>
+                        <a:rPr lang="en-US" sz="1100">
+                          <a:latin typeface="Calibri"/>
+                          <a:ea typeface="Calibri"/>
+                          <a:cs typeface="Times New Roman"/>
+                        </a:rPr>
+                        <a:t>6</a:t>
+                      </a:r>
+                    </a:p>
+                  </a:txBody>
+                  <a:tcPr marL="73025" marR="73025">
+                    <a:lnL w="19050" cap="flat" cmpd="sng" algn="ctr">
+                      <a:solidFill>
+                        <a:srgbClr val="404040"/>
+                      </a:solidFill>
+                      <a:prstDash val="solid"/>
+                      <a:round/>
+                      <a:headEnd type="none" w="med" len="med"/>
+                      <a:tailEnd type="none" w="med" len="med"/>
+                    </a:lnL>
+                    <a:lnR w="19050" cap="flat" cmpd="sng" algn="ctr">
+                      <a:solidFill>
+                        <a:srgbClr val="404040"/>
+                      </a:solidFill>
+                      <a:prstDash val="solid"/>
+                      <a:round/>
+                      <a:headEnd type="none" w="med" len="med"/>
+                      <a:tailEnd type="none" w="med" len="med"/>
+                    </a:lnR>
+                    <a:lnT w="19050" cap="flat" cmpd="sng" algn="ctr">
+                      <a:solidFill>
+                        <a:srgbClr val="404040"/>
+                      </a:solidFill>
+                      <a:prstDash val="solid"/>
+                      <a:round/>
+                      <a:headEnd type="none" w="med" len="med"/>
+                      <a:tailEnd type="none" w="med" len="med"/>
+                    </a:lnT>
+                    <a:lnB w="19050" cap="flat" cmpd="sng" algn="ctr">
+                      <a:solidFill>
+                        <a:srgbClr val="404040"/>
+                      </a:solidFill>
+                      <a:prstDash val="solid"/>
+                      <a:round/>
+                      <a:headEnd type="none" w="med" len="med"/>
+                      <a:tailEnd type="none" w="med" len="med"/>
+                    </a:lnB>
+                  </a:tcPr>
+                </a:tc>
+                <a:tc>
+                  <a:txBody>
+                    <a:bodyPr/>
+                    <a:lstStyle/>
+                    <a:p>
+                      <a:pPr marL="0" marR="0" algn="ctr">
+                        <a:lnSpc>
+                          <a:spcPct val="115000"/>
+                        </a:lnSpc>
+                        <a:spcBef>
+                          <a:spcPts val="0"/>
+                        </a:spcBef>
+                        <a:spcAft>
+                          <a:spcPts val="0"/>
+                        </a:spcAft>
+                      </a:pPr>
+                      <a:r>
+                        <a:rPr lang="en-US" sz="1100">
+                          <a:latin typeface="Calibri"/>
+                          <a:ea typeface="Calibri"/>
+                          <a:cs typeface="Times New Roman"/>
+                        </a:rPr>
+                        <a:t>10</a:t>
+                      </a:r>
+                    </a:p>
+                  </a:txBody>
+                  <a:tcPr marL="73025" marR="73025">
+                    <a:lnL w="19050" cap="flat" cmpd="sng" algn="ctr">
+                      <a:solidFill>
+                        <a:srgbClr val="404040"/>
+                      </a:solidFill>
+                      <a:prstDash val="solid"/>
+                      <a:round/>
+                      <a:headEnd type="none" w="med" len="med"/>
+                      <a:tailEnd type="none" w="med" len="med"/>
+                    </a:lnL>
+                    <a:lnR w="19050" cap="flat" cmpd="sng" algn="ctr">
+                      <a:solidFill>
+                        <a:srgbClr val="404040"/>
+                      </a:solidFill>
+                      <a:prstDash val="solid"/>
+                      <a:round/>
+                      <a:headEnd type="none" w="med" len="med"/>
+                      <a:tailEnd type="none" w="med" len="med"/>
+                    </a:lnR>
+                    <a:lnT w="19050" cap="flat" cmpd="sng" algn="ctr">
+                      <a:solidFill>
+                        <a:srgbClr val="404040"/>
+                      </a:solidFill>
+                      <a:prstDash val="solid"/>
+                      <a:round/>
+                      <a:headEnd type="none" w="med" len="med"/>
+                      <a:tailEnd type="none" w="med" len="med"/>
+                    </a:lnT>
+                    <a:lnB w="19050" cap="flat" cmpd="sng" algn="ctr">
+                      <a:solidFill>
+                        <a:srgbClr val="404040"/>
+                      </a:solidFill>
+                      <a:prstDash val="solid"/>
+                      <a:round/>
+                      <a:headEnd type="none" w="med" len="med"/>
+                      <a:tailEnd type="none" w="med" len="med"/>
+                    </a:lnB>
+                  </a:tcPr>
+                </a:tc>
+                <a:tc>
+                  <a:txBody>
+                    <a:bodyPr/>
+                    <a:lstStyle/>
+                    <a:p>
+                      <a:pPr marL="0" marR="0" algn="ctr">
+                        <a:lnSpc>
+                          <a:spcPct val="115000"/>
+                        </a:lnSpc>
+                        <a:spcBef>
+                          <a:spcPts val="0"/>
+                        </a:spcBef>
+                        <a:spcAft>
+                          <a:spcPts val="0"/>
+                        </a:spcAft>
+                      </a:pPr>
+                      <a:r>
+                        <a:rPr lang="en-US" sz="1100">
+                          <a:latin typeface="Calibri"/>
+                          <a:ea typeface="Calibri"/>
+                          <a:cs typeface="Times New Roman"/>
+                        </a:rPr>
+                        <a:t>3</a:t>
+                      </a:r>
+                    </a:p>
+                  </a:txBody>
+                  <a:tcPr marL="73025" marR="73025">
+                    <a:lnL w="19050" cap="flat" cmpd="sng" algn="ctr">
+                      <a:solidFill>
+                        <a:srgbClr val="404040"/>
+                      </a:solidFill>
+                      <a:prstDash val="solid"/>
+                      <a:round/>
+                      <a:headEnd type="none" w="med" len="med"/>
+                      <a:tailEnd type="none" w="med" len="med"/>
+                    </a:lnL>
+                    <a:lnR>
+                      <a:noFill/>
+                    </a:lnR>
+                    <a:lnT w="19050" cap="flat" cmpd="sng" algn="ctr">
+                      <a:solidFill>
+                        <a:srgbClr val="404040"/>
+                      </a:solidFill>
+                      <a:prstDash val="solid"/>
+                      <a:round/>
+                      <a:headEnd type="none" w="med" len="med"/>
+                      <a:tailEnd type="none" w="med" len="med"/>
+                    </a:lnT>
+                    <a:lnB w="19050" cap="flat" cmpd="sng" algn="ctr">
+                      <a:solidFill>
+                        <a:srgbClr val="404040"/>
+                      </a:solidFill>
+                      <a:prstDash val="solid"/>
+                      <a:round/>
+                      <a:headEnd type="none" w="med" len="med"/>
+                      <a:tailEnd type="none" w="med" len="med"/>
+                    </a:lnB>
+                  </a:tcPr>
+                </a:tc>
+              </a:tr>
+              <a:tr h="0">
+                <a:tc>
+                  <a:txBody>
+                    <a:bodyPr/>
+                    <a:lstStyle/>
+                    <a:p>
+                      <a:pPr marL="0" marR="0" algn="ctr">
+                        <a:lnSpc>
+                          <a:spcPct val="115000"/>
+                        </a:lnSpc>
+                        <a:spcBef>
+                          <a:spcPts val="0"/>
+                        </a:spcBef>
+                        <a:spcAft>
+                          <a:spcPts val="0"/>
+                        </a:spcAft>
+                      </a:pPr>
+                      <a:r>
+                        <a:rPr lang="en-US" sz="1100" b="1">
+                          <a:latin typeface="Calibri"/>
+                          <a:ea typeface="Calibri"/>
+                          <a:cs typeface="Times New Roman"/>
+                        </a:rPr>
+                        <a:t>Falsos Positivos</a:t>
+                      </a:r>
+                      <a:r>
+                        <a:rPr lang="en-US" sz="1100" b="1">
+                          <a:solidFill>
+                            <a:srgbClr val="000000"/>
+                          </a:solidFill>
+                          <a:latin typeface="Calibri"/>
+                          <a:ea typeface="Calibri"/>
+                          <a:cs typeface="Times New Roman"/>
+                        </a:rPr>
+                        <a:t> </a:t>
+                      </a:r>
+                      <a:endParaRPr lang="en-US" sz="1100">
+                        <a:latin typeface="Calibri"/>
+                        <a:ea typeface="Calibri"/>
+                        <a:cs typeface="Times New Roman"/>
+                      </a:endParaRPr>
+                    </a:p>
+                  </a:txBody>
+                  <a:tcPr marL="73025" marR="73025" anchor="ctr">
+                    <a:lnL>
+                      <a:noFill/>
+                    </a:lnL>
+                    <a:lnR w="19050" cap="flat" cmpd="sng" algn="ctr">
+                      <a:solidFill>
+                        <a:srgbClr val="404040"/>
+                      </a:solidFill>
+                      <a:prstDash val="solid"/>
+                      <a:round/>
+                      <a:headEnd type="none" w="med" len="med"/>
+                      <a:tailEnd type="none" w="med" len="med"/>
+                    </a:lnR>
+                    <a:lnT w="19050" cap="flat" cmpd="sng" algn="ctr">
+                      <a:solidFill>
+                        <a:srgbClr val="404040"/>
+                      </a:solidFill>
+                      <a:prstDash val="solid"/>
+                      <a:round/>
+                      <a:headEnd type="none" w="med" len="med"/>
+                      <a:tailEnd type="none" w="med" len="med"/>
+                    </a:lnT>
+                    <a:lnB w="19050" cap="flat" cmpd="sng" algn="ctr">
+                      <a:solidFill>
+                        <a:srgbClr val="404040"/>
+                      </a:solidFill>
+                      <a:prstDash val="solid"/>
+                      <a:round/>
+                      <a:headEnd type="none" w="med" len="med"/>
+                      <a:tailEnd type="none" w="med" len="med"/>
+                    </a:lnB>
+                  </a:tcPr>
+                </a:tc>
+                <a:tc>
+                  <a:txBody>
+                    <a:bodyPr/>
+                    <a:lstStyle/>
+                    <a:p>
+                      <a:pPr marL="0" marR="0" algn="ctr">
+                        <a:lnSpc>
+                          <a:spcPct val="115000"/>
+                        </a:lnSpc>
+                        <a:spcBef>
+                          <a:spcPts val="0"/>
+                        </a:spcBef>
+                        <a:spcAft>
+                          <a:spcPts val="0"/>
+                        </a:spcAft>
+                      </a:pPr>
+                      <a:r>
+                        <a:rPr lang="en-US" sz="1100" dirty="0">
+                          <a:latin typeface="Calibri"/>
+                          <a:ea typeface="Calibri"/>
+                          <a:cs typeface="Times New Roman"/>
+                        </a:rPr>
+                        <a:t>2</a:t>
+                      </a:r>
+                    </a:p>
+                  </a:txBody>
+                  <a:tcPr marL="73025" marR="73025">
+                    <a:lnL w="19050" cap="flat" cmpd="sng" algn="ctr">
+                      <a:solidFill>
+                        <a:srgbClr val="404040"/>
+                      </a:solidFill>
+                      <a:prstDash val="solid"/>
+                      <a:round/>
+                      <a:headEnd type="none" w="med" len="med"/>
+                      <a:tailEnd type="none" w="med" len="med"/>
+                    </a:lnL>
+                    <a:lnR w="19050" cap="flat" cmpd="sng" algn="ctr">
+                      <a:solidFill>
+                        <a:srgbClr val="404040"/>
+                      </a:solidFill>
+                      <a:prstDash val="solid"/>
+                      <a:round/>
+                      <a:headEnd type="none" w="med" len="med"/>
+                      <a:tailEnd type="none" w="med" len="med"/>
+                    </a:lnR>
+                    <a:lnT w="19050" cap="flat" cmpd="sng" algn="ctr">
+                      <a:solidFill>
+                        <a:srgbClr val="404040"/>
+                      </a:solidFill>
+                      <a:prstDash val="solid"/>
+                      <a:round/>
+                      <a:headEnd type="none" w="med" len="med"/>
+                      <a:tailEnd type="none" w="med" len="med"/>
+                    </a:lnT>
+                    <a:lnB w="19050" cap="flat" cmpd="sng" algn="ctr">
+                      <a:solidFill>
+                        <a:srgbClr val="404040"/>
+                      </a:solidFill>
+                      <a:prstDash val="solid"/>
+                      <a:round/>
+                      <a:headEnd type="none" w="med" len="med"/>
+                      <a:tailEnd type="none" w="med" len="med"/>
+                    </a:lnB>
+                  </a:tcPr>
+                </a:tc>
+                <a:tc>
+                  <a:txBody>
+                    <a:bodyPr/>
+                    <a:lstStyle/>
+                    <a:p>
+                      <a:pPr marL="0" marR="0" algn="ctr">
+                        <a:lnSpc>
+                          <a:spcPct val="115000"/>
+                        </a:lnSpc>
+                        <a:spcBef>
+                          <a:spcPts val="0"/>
+                        </a:spcBef>
+                        <a:spcAft>
+                          <a:spcPts val="0"/>
+                        </a:spcAft>
+                      </a:pPr>
+                      <a:r>
+                        <a:rPr lang="en-US" sz="1100">
+                          <a:latin typeface="Calibri"/>
+                          <a:ea typeface="Calibri"/>
+                          <a:cs typeface="Times New Roman"/>
+                        </a:rPr>
+                        <a:t>23</a:t>
+                      </a:r>
+                    </a:p>
+                  </a:txBody>
+                  <a:tcPr marL="73025" marR="73025">
+                    <a:lnL w="19050" cap="flat" cmpd="sng" algn="ctr">
+                      <a:solidFill>
+                        <a:srgbClr val="404040"/>
+                      </a:solidFill>
+                      <a:prstDash val="solid"/>
+                      <a:round/>
+                      <a:headEnd type="none" w="med" len="med"/>
+                      <a:tailEnd type="none" w="med" len="med"/>
+                    </a:lnL>
+                    <a:lnR w="19050" cap="flat" cmpd="sng" algn="ctr">
+                      <a:solidFill>
+                        <a:srgbClr val="404040"/>
+                      </a:solidFill>
+                      <a:prstDash val="solid"/>
+                      <a:round/>
+                      <a:headEnd type="none" w="med" len="med"/>
+                      <a:tailEnd type="none" w="med" len="med"/>
+                    </a:lnR>
+                    <a:lnT w="19050" cap="flat" cmpd="sng" algn="ctr">
+                      <a:solidFill>
+                        <a:srgbClr val="404040"/>
+                      </a:solidFill>
+                      <a:prstDash val="solid"/>
+                      <a:round/>
+                      <a:headEnd type="none" w="med" len="med"/>
+                      <a:tailEnd type="none" w="med" len="med"/>
+                    </a:lnT>
+                    <a:lnB w="19050" cap="flat" cmpd="sng" algn="ctr">
+                      <a:solidFill>
+                        <a:srgbClr val="404040"/>
+                      </a:solidFill>
+                      <a:prstDash val="solid"/>
+                      <a:round/>
+                      <a:headEnd type="none" w="med" len="med"/>
+                      <a:tailEnd type="none" w="med" len="med"/>
+                    </a:lnB>
+                  </a:tcPr>
+                </a:tc>
+                <a:tc>
+                  <a:txBody>
+                    <a:bodyPr/>
+                    <a:lstStyle/>
+                    <a:p>
+                      <a:pPr marL="0" marR="0" algn="ctr">
+                        <a:lnSpc>
+                          <a:spcPct val="115000"/>
+                        </a:lnSpc>
+                        <a:spcBef>
+                          <a:spcPts val="0"/>
+                        </a:spcBef>
+                        <a:spcAft>
+                          <a:spcPts val="0"/>
+                        </a:spcAft>
+                      </a:pPr>
+                      <a:r>
+                        <a:rPr lang="en-US" sz="1100">
+                          <a:latin typeface="Calibri"/>
+                          <a:ea typeface="Calibri"/>
+                          <a:cs typeface="Times New Roman"/>
+                        </a:rPr>
+                        <a:t>0</a:t>
+                      </a:r>
+                    </a:p>
+                  </a:txBody>
+                  <a:tcPr marL="73025" marR="73025">
+                    <a:lnL w="19050" cap="flat" cmpd="sng" algn="ctr">
+                      <a:solidFill>
+                        <a:srgbClr val="404040"/>
+                      </a:solidFill>
+                      <a:prstDash val="solid"/>
+                      <a:round/>
+                      <a:headEnd type="none" w="med" len="med"/>
+                      <a:tailEnd type="none" w="med" len="med"/>
+                    </a:lnL>
+                    <a:lnR>
+                      <a:noFill/>
+                    </a:lnR>
+                    <a:lnT w="19050" cap="flat" cmpd="sng" algn="ctr">
+                      <a:solidFill>
+                        <a:srgbClr val="404040"/>
+                      </a:solidFill>
+                      <a:prstDash val="solid"/>
+                      <a:round/>
+                      <a:headEnd type="none" w="med" len="med"/>
+                      <a:tailEnd type="none" w="med" len="med"/>
+                    </a:lnT>
+                    <a:lnB w="19050" cap="flat" cmpd="sng" algn="ctr">
+                      <a:solidFill>
+                        <a:srgbClr val="404040"/>
+                      </a:solidFill>
+                      <a:prstDash val="solid"/>
+                      <a:round/>
+                      <a:headEnd type="none" w="med" len="med"/>
+                      <a:tailEnd type="none" w="med" len="med"/>
+                    </a:lnB>
+                  </a:tcPr>
+                </a:tc>
+              </a:tr>
+              <a:tr h="0">
+                <a:tc>
+                  <a:txBody>
+                    <a:bodyPr/>
+                    <a:lstStyle/>
+                    <a:p>
+                      <a:pPr marL="0" marR="0" algn="ctr">
+                        <a:lnSpc>
+                          <a:spcPct val="115000"/>
+                        </a:lnSpc>
+                        <a:spcBef>
+                          <a:spcPts val="0"/>
+                        </a:spcBef>
+                        <a:spcAft>
+                          <a:spcPts val="0"/>
+                        </a:spcAft>
+                      </a:pPr>
+                      <a:r>
+                        <a:rPr lang="es-AR" sz="1100" b="1" kern="1200" dirty="0" err="1" smtClean="0">
+                          <a:solidFill>
+                            <a:schemeClr val="tx1"/>
+                          </a:solidFill>
+                          <a:latin typeface="+mn-lt"/>
+                          <a:ea typeface="Calibri"/>
+                          <a:cs typeface="Times New Roman"/>
+                        </a:rPr>
+                        <a:t>Flalsos</a:t>
+                      </a:r>
+                      <a:r>
+                        <a:rPr lang="es-AR" sz="1100" b="1" kern="1200" dirty="0" smtClean="0">
+                          <a:solidFill>
+                            <a:schemeClr val="tx1"/>
+                          </a:solidFill>
+                          <a:latin typeface="+mn-lt"/>
+                          <a:ea typeface="Calibri"/>
+                          <a:cs typeface="Times New Roman"/>
+                        </a:rPr>
+                        <a:t> Negativos</a:t>
+                      </a:r>
+                      <a:endParaRPr lang="en-US" sz="1100" b="1" kern="1200" dirty="0" smtClean="0">
+                        <a:solidFill>
+                          <a:schemeClr val="tx1"/>
+                        </a:solidFill>
+                        <a:latin typeface="+mn-lt"/>
+                        <a:ea typeface="Calibri"/>
+                        <a:cs typeface="Times New Roman"/>
+                      </a:endParaRPr>
+                    </a:p>
+                  </a:txBody>
+                  <a:tcPr marL="73025" marR="73025" anchor="ctr">
+                    <a:lnL>
+                      <a:noFill/>
+                    </a:lnL>
+                    <a:lnR w="19050" cap="flat" cmpd="sng" algn="ctr">
+                      <a:solidFill>
+                        <a:srgbClr val="404040"/>
+                      </a:solidFill>
+                      <a:prstDash val="solid"/>
+                      <a:round/>
+                      <a:headEnd type="none" w="med" len="med"/>
+                      <a:tailEnd type="none" w="med" len="med"/>
+                    </a:lnR>
+                    <a:lnT w="19050" cap="flat" cmpd="sng" algn="ctr">
+                      <a:solidFill>
+                        <a:srgbClr val="404040"/>
+                      </a:solidFill>
+                      <a:prstDash val="solid"/>
+                      <a:round/>
+                      <a:headEnd type="none" w="med" len="med"/>
+                      <a:tailEnd type="none" w="med" len="med"/>
+                    </a:lnT>
+                    <a:lnB w="19050" cap="flat" cmpd="sng" algn="ctr">
+                      <a:solidFill>
+                        <a:srgbClr val="404040"/>
+                      </a:solidFill>
+                      <a:prstDash val="solid"/>
+                      <a:round/>
+                      <a:headEnd type="none" w="med" len="med"/>
+                      <a:tailEnd type="none" w="med" len="med"/>
+                    </a:lnB>
+                  </a:tcPr>
+                </a:tc>
+                <a:tc>
+                  <a:txBody>
+                    <a:bodyPr/>
+                    <a:lstStyle/>
+                    <a:p>
+                      <a:pPr marL="0" marR="0" algn="ctr">
+                        <a:lnSpc>
+                          <a:spcPct val="115000"/>
+                        </a:lnSpc>
+                        <a:spcBef>
+                          <a:spcPts val="0"/>
+                        </a:spcBef>
+                        <a:spcAft>
+                          <a:spcPts val="0"/>
+                        </a:spcAft>
+                      </a:pPr>
+                      <a:r>
+                        <a:rPr lang="es-AR" sz="1100" dirty="0" smtClean="0">
+                          <a:latin typeface="Calibri"/>
+                          <a:ea typeface="Calibri"/>
+                          <a:cs typeface="Times New Roman"/>
+                        </a:rPr>
+                        <a:t>3</a:t>
+                      </a:r>
+                      <a:endParaRPr lang="en-US" sz="1100" dirty="0">
+                        <a:latin typeface="Calibri"/>
+                        <a:ea typeface="Calibri"/>
+                        <a:cs typeface="Times New Roman"/>
+                      </a:endParaRPr>
+                    </a:p>
+                  </a:txBody>
+                  <a:tcPr marL="73025" marR="73025">
+                    <a:lnL w="19050" cap="flat" cmpd="sng" algn="ctr">
+                      <a:solidFill>
+                        <a:srgbClr val="404040"/>
+                      </a:solidFill>
+                      <a:prstDash val="solid"/>
+                      <a:round/>
+                      <a:headEnd type="none" w="med" len="med"/>
+                      <a:tailEnd type="none" w="med" len="med"/>
+                    </a:lnL>
+                    <a:lnR w="19050" cap="flat" cmpd="sng" algn="ctr">
+                      <a:solidFill>
+                        <a:srgbClr val="404040"/>
+                      </a:solidFill>
+                      <a:prstDash val="solid"/>
+                      <a:round/>
+                      <a:headEnd type="none" w="med" len="med"/>
+                      <a:tailEnd type="none" w="med" len="med"/>
+                    </a:lnR>
+                    <a:lnT w="19050" cap="flat" cmpd="sng" algn="ctr">
+                      <a:solidFill>
+                        <a:srgbClr val="404040"/>
+                      </a:solidFill>
+                      <a:prstDash val="solid"/>
+                      <a:round/>
+                      <a:headEnd type="none" w="med" len="med"/>
+                      <a:tailEnd type="none" w="med" len="med"/>
+                    </a:lnT>
+                    <a:lnB w="19050" cap="flat" cmpd="sng" algn="ctr">
+                      <a:solidFill>
+                        <a:srgbClr val="404040"/>
+                      </a:solidFill>
+                      <a:prstDash val="solid"/>
+                      <a:round/>
+                      <a:headEnd type="none" w="med" len="med"/>
+                      <a:tailEnd type="none" w="med" len="med"/>
+                    </a:lnB>
+                  </a:tcPr>
+                </a:tc>
+                <a:tc>
+                  <a:txBody>
+                    <a:bodyPr/>
+                    <a:lstStyle/>
+                    <a:p>
+                      <a:pPr marL="0" marR="0" algn="ctr">
+                        <a:lnSpc>
+                          <a:spcPct val="115000"/>
+                        </a:lnSpc>
+                        <a:spcBef>
+                          <a:spcPts val="0"/>
+                        </a:spcBef>
+                        <a:spcAft>
+                          <a:spcPts val="0"/>
+                        </a:spcAft>
+                      </a:pPr>
+                      <a:r>
+                        <a:rPr lang="es-AR" sz="1100" dirty="0" smtClean="0">
+                          <a:latin typeface="Calibri"/>
+                          <a:ea typeface="Calibri"/>
+                          <a:cs typeface="Times New Roman"/>
+                        </a:rPr>
+                        <a:t>2</a:t>
+                      </a:r>
+                      <a:endParaRPr lang="en-US" sz="1100" dirty="0">
+                        <a:latin typeface="Calibri"/>
+                        <a:ea typeface="Calibri"/>
+                        <a:cs typeface="Times New Roman"/>
+                      </a:endParaRPr>
+                    </a:p>
+                  </a:txBody>
+                  <a:tcPr marL="73025" marR="73025">
+                    <a:lnL w="19050" cap="flat" cmpd="sng" algn="ctr">
+                      <a:solidFill>
+                        <a:srgbClr val="404040"/>
+                      </a:solidFill>
+                      <a:prstDash val="solid"/>
+                      <a:round/>
+                      <a:headEnd type="none" w="med" len="med"/>
+                      <a:tailEnd type="none" w="med" len="med"/>
+                    </a:lnL>
+                    <a:lnR w="19050" cap="flat" cmpd="sng" algn="ctr">
+                      <a:solidFill>
+                        <a:srgbClr val="404040"/>
+                      </a:solidFill>
+                      <a:prstDash val="solid"/>
+                      <a:round/>
+                      <a:headEnd type="none" w="med" len="med"/>
+                      <a:tailEnd type="none" w="med" len="med"/>
+                    </a:lnR>
+                    <a:lnT w="19050" cap="flat" cmpd="sng" algn="ctr">
+                      <a:solidFill>
+                        <a:srgbClr val="404040"/>
+                      </a:solidFill>
+                      <a:prstDash val="solid"/>
+                      <a:round/>
+                      <a:headEnd type="none" w="med" len="med"/>
+                      <a:tailEnd type="none" w="med" len="med"/>
+                    </a:lnT>
+                    <a:lnB w="19050" cap="flat" cmpd="sng" algn="ctr">
+                      <a:solidFill>
+                        <a:srgbClr val="404040"/>
+                      </a:solidFill>
+                      <a:prstDash val="solid"/>
+                      <a:round/>
+                      <a:headEnd type="none" w="med" len="med"/>
+                      <a:tailEnd type="none" w="med" len="med"/>
+                    </a:lnB>
+                  </a:tcPr>
+                </a:tc>
+                <a:tc>
+                  <a:txBody>
+                    <a:bodyPr/>
+                    <a:lstStyle/>
+                    <a:p>
+                      <a:pPr marL="0" marR="0" algn="ctr">
+                        <a:lnSpc>
+                          <a:spcPct val="115000"/>
+                        </a:lnSpc>
+                        <a:spcBef>
+                          <a:spcPts val="0"/>
+                        </a:spcBef>
+                        <a:spcAft>
+                          <a:spcPts val="0"/>
+                        </a:spcAft>
+                      </a:pPr>
+                      <a:r>
+                        <a:rPr lang="es-AR" sz="1100" dirty="0" smtClean="0">
+                          <a:latin typeface="Calibri"/>
+                          <a:ea typeface="Calibri"/>
+                          <a:cs typeface="Times New Roman"/>
+                        </a:rPr>
+                        <a:t>5</a:t>
+                      </a:r>
+                      <a:endParaRPr lang="en-US" sz="1100" dirty="0">
+                        <a:latin typeface="Calibri"/>
+                        <a:ea typeface="Calibri"/>
+                        <a:cs typeface="Times New Roman"/>
+                      </a:endParaRPr>
+                    </a:p>
+                  </a:txBody>
+                  <a:tcPr marL="73025" marR="73025">
+                    <a:lnL w="19050" cap="flat" cmpd="sng" algn="ctr">
+                      <a:solidFill>
+                        <a:srgbClr val="404040"/>
+                      </a:solidFill>
+                      <a:prstDash val="solid"/>
+                      <a:round/>
+                      <a:headEnd type="none" w="med" len="med"/>
+                      <a:tailEnd type="none" w="med" len="med"/>
+                    </a:lnL>
+                    <a:lnR>
+                      <a:noFill/>
+                    </a:lnR>
+                    <a:lnT w="19050" cap="flat" cmpd="sng" algn="ctr">
+                      <a:solidFill>
+                        <a:srgbClr val="404040"/>
+                      </a:solidFill>
+                      <a:prstDash val="solid"/>
+                      <a:round/>
+                      <a:headEnd type="none" w="med" len="med"/>
+                      <a:tailEnd type="none" w="med" len="med"/>
+                    </a:lnT>
+                    <a:lnB w="19050" cap="flat" cmpd="sng" algn="ctr">
+                      <a:solidFill>
+                        <a:srgbClr val="404040"/>
+                      </a:solidFill>
+                      <a:prstDash val="solid"/>
+                      <a:round/>
+                      <a:headEnd type="none" w="med" len="med"/>
+                      <a:tailEnd type="none" w="med" len="med"/>
+                    </a:lnB>
+                  </a:tcPr>
+                </a:tc>
+              </a:tr>
+              <a:tr h="0">
+                <a:tc>
+                  <a:txBody>
+                    <a:bodyPr/>
+                    <a:lstStyle/>
+                    <a:p>
+                      <a:pPr marL="0" marR="0" algn="ctr">
+                        <a:lnSpc>
+                          <a:spcPct val="115000"/>
+                        </a:lnSpc>
+                        <a:spcBef>
+                          <a:spcPts val="0"/>
+                        </a:spcBef>
+                        <a:spcAft>
+                          <a:spcPts val="0"/>
+                        </a:spcAft>
+                      </a:pPr>
+                      <a:r>
+                        <a:rPr lang="en-US" sz="1100" b="1" dirty="0" err="1" smtClean="0">
+                          <a:latin typeface="+mn-lt"/>
+                          <a:ea typeface="Calibri"/>
+                          <a:cs typeface="Times New Roman"/>
+                        </a:rPr>
+                        <a:t>Precisión</a:t>
+                      </a:r>
+                      <a:endParaRPr lang="en-US" sz="1100" dirty="0">
+                        <a:latin typeface="Calibri"/>
+                        <a:ea typeface="Calibri"/>
+                        <a:cs typeface="Times New Roman"/>
+                      </a:endParaRPr>
+                    </a:p>
+                  </a:txBody>
+                  <a:tcPr marL="73025" marR="73025" anchor="ctr">
+                    <a:lnL>
+                      <a:noFill/>
+                    </a:lnL>
+                    <a:lnR w="19050" cap="flat" cmpd="sng" algn="ctr">
+                      <a:solidFill>
+                        <a:srgbClr val="404040"/>
+                      </a:solidFill>
+                      <a:prstDash val="solid"/>
+                      <a:round/>
+                      <a:headEnd type="none" w="med" len="med"/>
+                      <a:tailEnd type="none" w="med" len="med"/>
+                    </a:lnR>
+                    <a:lnT w="19050" cap="flat" cmpd="sng" algn="ctr">
+                      <a:solidFill>
+                        <a:srgbClr val="404040"/>
+                      </a:solidFill>
+                      <a:prstDash val="solid"/>
+                      <a:round/>
+                      <a:headEnd type="none" w="med" len="med"/>
+                      <a:tailEnd type="none" w="med" len="med"/>
+                    </a:lnT>
+                    <a:lnB w="19050" cap="flat" cmpd="sng" algn="ctr">
+                      <a:solidFill>
+                        <a:srgbClr val="404040"/>
+                      </a:solidFill>
+                      <a:prstDash val="solid"/>
+                      <a:round/>
+                      <a:headEnd type="none" w="med" len="med"/>
+                      <a:tailEnd type="none" w="med" len="med"/>
+                    </a:lnB>
+                  </a:tcPr>
+                </a:tc>
+                <a:tc>
+                  <a:txBody>
+                    <a:bodyPr/>
+                    <a:lstStyle/>
+                    <a:p>
+                      <a:pPr marL="0" marR="0" algn="ctr">
+                        <a:lnSpc>
+                          <a:spcPct val="115000"/>
+                        </a:lnSpc>
+                        <a:spcBef>
+                          <a:spcPts val="0"/>
+                        </a:spcBef>
+                        <a:spcAft>
+                          <a:spcPts val="0"/>
+                        </a:spcAft>
+                      </a:pPr>
+                      <a:r>
+                        <a:rPr lang="es-AR" sz="1100" dirty="0" smtClean="0">
+                          <a:latin typeface="Calibri"/>
+                          <a:ea typeface="Calibri"/>
+                          <a:cs typeface="Times New Roman"/>
+                        </a:rPr>
+                        <a:t>0,75</a:t>
+                      </a:r>
+                      <a:endParaRPr lang="en-US" sz="1100" dirty="0">
+                        <a:latin typeface="Calibri"/>
+                        <a:ea typeface="Calibri"/>
+                        <a:cs typeface="Times New Roman"/>
+                      </a:endParaRPr>
+                    </a:p>
+                  </a:txBody>
+                  <a:tcPr marL="73025" marR="73025">
+                    <a:lnL w="19050" cap="flat" cmpd="sng" algn="ctr">
+                      <a:solidFill>
+                        <a:srgbClr val="404040"/>
+                      </a:solidFill>
+                      <a:prstDash val="solid"/>
+                      <a:round/>
+                      <a:headEnd type="none" w="med" len="med"/>
+                      <a:tailEnd type="none" w="med" len="med"/>
+                    </a:lnL>
+                    <a:lnR w="19050" cap="flat" cmpd="sng" algn="ctr">
+                      <a:solidFill>
+                        <a:srgbClr val="404040"/>
+                      </a:solidFill>
+                      <a:prstDash val="solid"/>
+                      <a:round/>
+                      <a:headEnd type="none" w="med" len="med"/>
+                      <a:tailEnd type="none" w="med" len="med"/>
+                    </a:lnR>
+                    <a:lnT w="19050" cap="flat" cmpd="sng" algn="ctr">
+                      <a:solidFill>
+                        <a:srgbClr val="404040"/>
+                      </a:solidFill>
+                      <a:prstDash val="solid"/>
+                      <a:round/>
+                      <a:headEnd type="none" w="med" len="med"/>
+                      <a:tailEnd type="none" w="med" len="med"/>
+                    </a:lnT>
+                    <a:lnB w="19050" cap="flat" cmpd="sng" algn="ctr">
+                      <a:solidFill>
+                        <a:srgbClr val="404040"/>
+                      </a:solidFill>
+                      <a:prstDash val="solid"/>
+                      <a:round/>
+                      <a:headEnd type="none" w="med" len="med"/>
+                      <a:tailEnd type="none" w="med" len="med"/>
+                    </a:lnB>
+                  </a:tcPr>
+                </a:tc>
+                <a:tc>
+                  <a:txBody>
+                    <a:bodyPr/>
+                    <a:lstStyle/>
+                    <a:p>
+                      <a:pPr marL="0" marR="0" algn="ctr">
+                        <a:lnSpc>
+                          <a:spcPct val="115000"/>
+                        </a:lnSpc>
+                        <a:spcBef>
+                          <a:spcPts val="0"/>
+                        </a:spcBef>
+                        <a:spcAft>
+                          <a:spcPts val="0"/>
+                        </a:spcAft>
+                      </a:pPr>
+                      <a:r>
+                        <a:rPr lang="es-AR" sz="1100" dirty="0" smtClean="0">
+                          <a:latin typeface="Calibri"/>
+                          <a:ea typeface="Calibri"/>
+                          <a:cs typeface="Times New Roman"/>
+                        </a:rPr>
+                        <a:t>0.3030</a:t>
+                      </a:r>
+                      <a:endParaRPr lang="en-US" sz="1100" dirty="0">
+                        <a:latin typeface="Calibri"/>
+                        <a:ea typeface="Calibri"/>
+                        <a:cs typeface="Times New Roman"/>
+                      </a:endParaRPr>
+                    </a:p>
+                  </a:txBody>
+                  <a:tcPr marL="73025" marR="73025">
+                    <a:lnL w="19050" cap="flat" cmpd="sng" algn="ctr">
+                      <a:solidFill>
+                        <a:srgbClr val="404040"/>
+                      </a:solidFill>
+                      <a:prstDash val="solid"/>
+                      <a:round/>
+                      <a:headEnd type="none" w="med" len="med"/>
+                      <a:tailEnd type="none" w="med" len="med"/>
+                    </a:lnL>
+                    <a:lnR w="19050" cap="flat" cmpd="sng" algn="ctr">
+                      <a:solidFill>
+                        <a:srgbClr val="404040"/>
+                      </a:solidFill>
+                      <a:prstDash val="solid"/>
+                      <a:round/>
+                      <a:headEnd type="none" w="med" len="med"/>
+                      <a:tailEnd type="none" w="med" len="med"/>
+                    </a:lnR>
+                    <a:lnT w="19050" cap="flat" cmpd="sng" algn="ctr">
+                      <a:solidFill>
+                        <a:srgbClr val="404040"/>
+                      </a:solidFill>
+                      <a:prstDash val="solid"/>
+                      <a:round/>
+                      <a:headEnd type="none" w="med" len="med"/>
+                      <a:tailEnd type="none" w="med" len="med"/>
+                    </a:lnT>
+                    <a:lnB w="19050" cap="flat" cmpd="sng" algn="ctr">
+                      <a:solidFill>
+                        <a:srgbClr val="404040"/>
+                      </a:solidFill>
+                      <a:prstDash val="solid"/>
+                      <a:round/>
+                      <a:headEnd type="none" w="med" len="med"/>
+                      <a:tailEnd type="none" w="med" len="med"/>
+                    </a:lnB>
+                  </a:tcPr>
+                </a:tc>
+                <a:tc>
+                  <a:txBody>
+                    <a:bodyPr/>
+                    <a:lstStyle/>
+                    <a:p>
+                      <a:pPr marL="0" marR="0" algn="ctr">
+                        <a:lnSpc>
+                          <a:spcPct val="115000"/>
+                        </a:lnSpc>
+                        <a:spcBef>
+                          <a:spcPts val="0"/>
+                        </a:spcBef>
+                        <a:spcAft>
+                          <a:spcPts val="0"/>
+                        </a:spcAft>
+                      </a:pPr>
+                      <a:r>
+                        <a:rPr lang="es-AR" sz="1100" dirty="0" smtClean="0">
+                          <a:latin typeface="Calibri"/>
+                          <a:ea typeface="Calibri"/>
+                          <a:cs typeface="Times New Roman"/>
+                        </a:rPr>
+                        <a:t>1</a:t>
+                      </a:r>
+                      <a:endParaRPr lang="en-US" sz="1100" dirty="0">
+                        <a:latin typeface="Calibri"/>
+                        <a:ea typeface="Calibri"/>
+                        <a:cs typeface="Times New Roman"/>
+                      </a:endParaRPr>
+                    </a:p>
+                  </a:txBody>
+                  <a:tcPr marL="73025" marR="73025">
+                    <a:lnL w="19050" cap="flat" cmpd="sng" algn="ctr">
+                      <a:solidFill>
+                        <a:srgbClr val="404040"/>
+                      </a:solidFill>
+                      <a:prstDash val="solid"/>
+                      <a:round/>
+                      <a:headEnd type="none" w="med" len="med"/>
+                      <a:tailEnd type="none" w="med" len="med"/>
+                    </a:lnL>
+                    <a:lnR>
+                      <a:noFill/>
+                    </a:lnR>
+                    <a:lnT w="19050" cap="flat" cmpd="sng" algn="ctr">
+                      <a:solidFill>
+                        <a:srgbClr val="404040"/>
+                      </a:solidFill>
+                      <a:prstDash val="solid"/>
+                      <a:round/>
+                      <a:headEnd type="none" w="med" len="med"/>
+                      <a:tailEnd type="none" w="med" len="med"/>
+                    </a:lnT>
+                    <a:lnB w="19050" cap="flat" cmpd="sng" algn="ctr">
+                      <a:solidFill>
+                        <a:srgbClr val="404040"/>
+                      </a:solidFill>
+                      <a:prstDash val="solid"/>
+                      <a:round/>
+                      <a:headEnd type="none" w="med" len="med"/>
+                      <a:tailEnd type="none" w="med" len="med"/>
+                    </a:lnB>
+                  </a:tcPr>
+                </a:tc>
+              </a:tr>
+              <a:tr h="0">
+                <a:tc>
+                  <a:txBody>
+                    <a:bodyPr/>
+                    <a:lstStyle/>
+                    <a:p>
+                      <a:pPr marL="0" marR="0" algn="ctr">
+                        <a:lnSpc>
+                          <a:spcPct val="115000"/>
+                        </a:lnSpc>
+                        <a:spcBef>
+                          <a:spcPts val="0"/>
+                        </a:spcBef>
+                        <a:spcAft>
+                          <a:spcPts val="0"/>
+                        </a:spcAft>
+                      </a:pPr>
+                      <a:r>
+                        <a:rPr lang="en-US" sz="1100" b="1" dirty="0">
+                          <a:latin typeface="Calibri"/>
+                          <a:ea typeface="Calibri"/>
+                          <a:cs typeface="Times New Roman"/>
+                        </a:rPr>
+                        <a:t>Recall</a:t>
+                      </a:r>
+                      <a:endParaRPr lang="en-US" sz="1100" dirty="0">
+                        <a:latin typeface="Calibri"/>
+                        <a:ea typeface="Calibri"/>
+                        <a:cs typeface="Times New Roman"/>
+                      </a:endParaRPr>
+                    </a:p>
+                  </a:txBody>
+                  <a:tcPr marL="73025" marR="73025" anchor="ctr">
+                    <a:lnL>
+                      <a:noFill/>
+                    </a:lnL>
+                    <a:lnR w="19050" cap="flat" cmpd="sng" algn="ctr">
+                      <a:solidFill>
+                        <a:srgbClr val="404040"/>
+                      </a:solidFill>
+                      <a:prstDash val="solid"/>
+                      <a:round/>
+                      <a:headEnd type="none" w="med" len="med"/>
+                      <a:tailEnd type="none" w="med" len="med"/>
+                    </a:lnR>
+                    <a:lnT w="19050" cap="flat" cmpd="sng" algn="ctr">
+                      <a:solidFill>
+                        <a:srgbClr val="404040"/>
+                      </a:solidFill>
+                      <a:prstDash val="solid"/>
+                      <a:round/>
+                      <a:headEnd type="none" w="med" len="med"/>
+                      <a:tailEnd type="none" w="med" len="med"/>
+                    </a:lnT>
+                    <a:lnB w="19050" cap="flat" cmpd="sng" algn="ctr">
+                      <a:solidFill>
+                        <a:srgbClr val="404040"/>
+                      </a:solidFill>
+                      <a:prstDash val="solid"/>
+                      <a:round/>
+                      <a:headEnd type="none" w="med" len="med"/>
+                      <a:tailEnd type="none" w="med" len="med"/>
+                    </a:lnB>
+                  </a:tcPr>
+                </a:tc>
+                <a:tc>
+                  <a:txBody>
+                    <a:bodyPr/>
+                    <a:lstStyle/>
+                    <a:p>
+                      <a:pPr marL="0" marR="0" algn="ctr">
+                        <a:lnSpc>
+                          <a:spcPct val="115000"/>
+                        </a:lnSpc>
+                        <a:spcBef>
+                          <a:spcPts val="0"/>
+                        </a:spcBef>
+                        <a:spcAft>
+                          <a:spcPts val="0"/>
+                        </a:spcAft>
+                      </a:pPr>
+                      <a:r>
+                        <a:rPr lang="en-US" sz="1100">
+                          <a:latin typeface="Calibri"/>
+                          <a:ea typeface="Calibri"/>
+                          <a:cs typeface="Times New Roman"/>
+                        </a:rPr>
+                        <a:t>0,5</a:t>
+                      </a:r>
+                    </a:p>
+                  </a:txBody>
+                  <a:tcPr marL="73025" marR="73025">
+                    <a:lnL w="19050" cap="flat" cmpd="sng" algn="ctr">
+                      <a:solidFill>
+                        <a:srgbClr val="404040"/>
+                      </a:solidFill>
+                      <a:prstDash val="solid"/>
+                      <a:round/>
+                      <a:headEnd type="none" w="med" len="med"/>
+                      <a:tailEnd type="none" w="med" len="med"/>
+                    </a:lnL>
+                    <a:lnR w="19050" cap="flat" cmpd="sng" algn="ctr">
+                      <a:solidFill>
+                        <a:srgbClr val="404040"/>
+                      </a:solidFill>
+                      <a:prstDash val="solid"/>
+                      <a:round/>
+                      <a:headEnd type="none" w="med" len="med"/>
+                      <a:tailEnd type="none" w="med" len="med"/>
+                    </a:lnR>
+                    <a:lnT w="19050" cap="flat" cmpd="sng" algn="ctr">
+                      <a:solidFill>
+                        <a:srgbClr val="404040"/>
+                      </a:solidFill>
+                      <a:prstDash val="solid"/>
+                      <a:round/>
+                      <a:headEnd type="none" w="med" len="med"/>
+                      <a:tailEnd type="none" w="med" len="med"/>
+                    </a:lnT>
+                    <a:lnB w="19050" cap="flat" cmpd="sng" algn="ctr">
+                      <a:solidFill>
+                        <a:srgbClr val="404040"/>
+                      </a:solidFill>
+                      <a:prstDash val="solid"/>
+                      <a:round/>
+                      <a:headEnd type="none" w="med" len="med"/>
+                      <a:tailEnd type="none" w="med" len="med"/>
+                    </a:lnB>
+                  </a:tcPr>
+                </a:tc>
+                <a:tc>
+                  <a:txBody>
+                    <a:bodyPr/>
+                    <a:lstStyle/>
+                    <a:p>
+                      <a:pPr marL="0" marR="0" algn="ctr">
+                        <a:lnSpc>
+                          <a:spcPct val="115000"/>
+                        </a:lnSpc>
+                        <a:spcBef>
+                          <a:spcPts val="0"/>
+                        </a:spcBef>
+                        <a:spcAft>
+                          <a:spcPts val="0"/>
+                        </a:spcAft>
+                      </a:pPr>
+                      <a:r>
+                        <a:rPr lang="en-US" sz="1100">
+                          <a:latin typeface="Calibri"/>
+                          <a:ea typeface="Calibri"/>
+                          <a:cs typeface="Times New Roman"/>
+                        </a:rPr>
+                        <a:t>0,66</a:t>
+                      </a:r>
+                    </a:p>
+                  </a:txBody>
+                  <a:tcPr marL="73025" marR="73025">
+                    <a:lnL w="19050" cap="flat" cmpd="sng" algn="ctr">
+                      <a:solidFill>
+                        <a:srgbClr val="404040"/>
+                      </a:solidFill>
+                      <a:prstDash val="solid"/>
+                      <a:round/>
+                      <a:headEnd type="none" w="med" len="med"/>
+                      <a:tailEnd type="none" w="med" len="med"/>
+                    </a:lnL>
+                    <a:lnR w="19050" cap="flat" cmpd="sng" algn="ctr">
+                      <a:solidFill>
+                        <a:srgbClr val="404040"/>
+                      </a:solidFill>
+                      <a:prstDash val="solid"/>
+                      <a:round/>
+                      <a:headEnd type="none" w="med" len="med"/>
+                      <a:tailEnd type="none" w="med" len="med"/>
+                    </a:lnR>
+                    <a:lnT w="19050" cap="flat" cmpd="sng" algn="ctr">
+                      <a:solidFill>
+                        <a:srgbClr val="404040"/>
+                      </a:solidFill>
+                      <a:prstDash val="solid"/>
+                      <a:round/>
+                      <a:headEnd type="none" w="med" len="med"/>
+                      <a:tailEnd type="none" w="med" len="med"/>
+                    </a:lnT>
+                    <a:lnB w="19050" cap="flat" cmpd="sng" algn="ctr">
+                      <a:solidFill>
+                        <a:srgbClr val="404040"/>
+                      </a:solidFill>
+                      <a:prstDash val="solid"/>
+                      <a:round/>
+                      <a:headEnd type="none" w="med" len="med"/>
+                      <a:tailEnd type="none" w="med" len="med"/>
+                    </a:lnB>
+                  </a:tcPr>
+                </a:tc>
+                <a:tc>
+                  <a:txBody>
+                    <a:bodyPr/>
+                    <a:lstStyle/>
+                    <a:p>
+                      <a:pPr marL="0" marR="0" algn="ctr">
+                        <a:lnSpc>
+                          <a:spcPct val="115000"/>
+                        </a:lnSpc>
+                        <a:spcBef>
+                          <a:spcPts val="0"/>
+                        </a:spcBef>
+                        <a:spcAft>
+                          <a:spcPts val="0"/>
+                        </a:spcAft>
+                      </a:pPr>
+                      <a:r>
+                        <a:rPr lang="en-US" sz="1100" dirty="0">
+                          <a:latin typeface="Calibri"/>
+                          <a:ea typeface="Calibri"/>
+                          <a:cs typeface="Times New Roman"/>
+                        </a:rPr>
+                        <a:t>0,1666</a:t>
+                      </a:r>
+                    </a:p>
+                  </a:txBody>
+                  <a:tcPr marL="73025" marR="73025">
+                    <a:lnL w="19050" cap="flat" cmpd="sng" algn="ctr">
+                      <a:solidFill>
+                        <a:srgbClr val="404040"/>
+                      </a:solidFill>
+                      <a:prstDash val="solid"/>
+                      <a:round/>
+                      <a:headEnd type="none" w="med" len="med"/>
+                      <a:tailEnd type="none" w="med" len="med"/>
+                    </a:lnL>
+                    <a:lnR>
+                      <a:noFill/>
+                    </a:lnR>
+                    <a:lnT w="19050" cap="flat" cmpd="sng" algn="ctr">
+                      <a:solidFill>
+                        <a:srgbClr val="404040"/>
                       </a:solidFill>
                       <a:prstDash val="solid"/>
                       <a:round/>
@@ -21890,7 +23830,60 @@
       </p:graphicFrame>
       <p:sp>
         <p:nvSpPr>
-          <p:cNvPr id="5" name="5 Marcador de contenido"/>
+          <p:cNvPr id="9" name="5 Marcador de contenido"/>
+          <p:cNvSpPr>
+            <a:spLocks noGrp="1"/>
+          </p:cNvSpPr>
+          <p:nvPr>
+            <p:ph idx="1"/>
+          </p:nvPr>
+        </p:nvSpPr>
+        <p:spPr>
+          <a:xfrm>
+            <a:off x="285720" y="4786322"/>
+            <a:ext cx="1928826" cy="857256"/>
+          </a:xfrm>
+        </p:spPr>
+        <p:txBody>
+          <a:bodyPr>
+            <a:noAutofit/>
+          </a:bodyPr>
+          <a:lstStyle/>
+          <a:p>
+            <a:pPr>
+              <a:buNone/>
+            </a:pPr>
+            <a:r>
+              <a:rPr lang="es-AR" sz="2400" dirty="0" smtClean="0">
+                <a:solidFill>
+                  <a:srgbClr val="0F233C"/>
+                </a:solidFill>
+              </a:rPr>
+              <a:t>Métricas</a:t>
+            </a:r>
+            <a:r>
+              <a:rPr lang="es-ES" sz="2400" dirty="0" smtClean="0"/>
+              <a:t> </a:t>
+            </a:r>
+            <a:r>
+              <a:rPr lang="es-ES" sz="2400" dirty="0" smtClean="0">
+                <a:solidFill>
+                  <a:srgbClr val="0F233C"/>
+                </a:solidFill>
+              </a:rPr>
+              <a:t>Obtenidas</a:t>
+            </a:r>
+            <a:endParaRPr lang="es-AR" sz="2400" dirty="0" smtClean="0">
+              <a:solidFill>
+                <a:srgbClr val="0F233C"/>
+              </a:solidFill>
+            </a:endParaRPr>
+          </a:p>
+        </p:txBody>
+      </p:sp>
+      <p:sp>
+        <p:nvSpPr>
+          <p:cNvPr id="10" name="5 Marcador de contenido"/>
           <p:cNvSpPr txBox="1">
             <a:spLocks/>
           </p:cNvSpPr>
@@ -21898,8 +23891,8 @@
         </p:nvSpPr>
         <p:spPr>
           <a:xfrm>
-            <a:off x="500034" y="4714884"/>
-            <a:ext cx="7929618" cy="1714536"/>
+            <a:off x="6715140" y="2000240"/>
+            <a:ext cx="2428860" cy="1428760"/>
           </a:xfrm>
           <a:prstGeom prst="rect">
             <a:avLst/>
@@ -21907,66 +23900,34 @@
         </p:spPr>
         <p:txBody>
           <a:bodyPr vert="horz" lIns="91440" tIns="45720" rIns="91440" bIns="45720" rtlCol="0">
-            <a:normAutofit/>
+            <a:noAutofit/>
           </a:bodyPr>
           <a:lstStyle/>
           <a:p>
-            <a:pPr lvl="0"/>
-            <a:r>
-              <a:rPr lang="es-AR" sz="2400" b="1" dirty="0" smtClean="0">
-                <a:solidFill>
-                  <a:srgbClr val="0F233C"/>
-                </a:solidFill>
-              </a:rPr>
-              <a:t>Tabla de Número de </a:t>
-            </a:r>
-            <a:r>
-              <a:rPr lang="es-AR" sz="2400" b="1" dirty="0" err="1" smtClean="0">
-                <a:solidFill>
-                  <a:srgbClr val="0F233C"/>
-                </a:solidFill>
-              </a:rPr>
-              <a:t>seeds</a:t>
-            </a:r>
-            <a:r>
-              <a:rPr lang="es-AR" sz="2400" b="1" dirty="0" smtClean="0">
-                <a:solidFill>
-                  <a:srgbClr val="0F233C"/>
-                </a:solidFill>
-              </a:rPr>
-              <a:t> reportados,  Número de </a:t>
-            </a:r>
-            <a:r>
-              <a:rPr lang="es-AR" sz="2400" b="1" dirty="0" err="1" smtClean="0">
-                <a:solidFill>
-                  <a:srgbClr val="0F233C"/>
-                </a:solidFill>
-              </a:rPr>
-              <a:t>seeds</a:t>
-            </a:r>
-            <a:r>
-              <a:rPr lang="es-AR" sz="2400" b="1" dirty="0" smtClean="0">
-                <a:solidFill>
-                  <a:srgbClr val="0F233C"/>
-                </a:solidFill>
-              </a:rPr>
-              <a:t> confirmados</a:t>
-            </a:r>
+            <a:pPr marL="342900" marR="0" lvl="0" indent="-342900" algn="l" defTabSz="914400" rtl="0" eaLnBrk="1" fontAlgn="auto" latinLnBrk="0" hangingPunct="1">
+              <a:lnSpc>
+                <a:spcPct val="100000"/>
+              </a:lnSpc>
+              <a:spcBef>
+                <a:spcPct val="20000"/>
+              </a:spcBef>
+              <a:spcAft>
+                <a:spcPts val="0"/>
+              </a:spcAft>
+              <a:buClrTx/>
+              <a:buSzTx/>
+              <a:buFont typeface="Arial" pitchFamily="34" charset="0"/>
+              <a:buNone/>
+              <a:tabLst/>
+              <a:defRPr/>
+            </a:pPr>
             <a:r>
               <a:rPr lang="es-AR" sz="2400" dirty="0" smtClean="0">
                 <a:solidFill>
                   <a:srgbClr val="0F233C"/>
                 </a:solidFill>
               </a:rPr>
-              <a:t>, </a:t>
-            </a:r>
-            <a:r>
-              <a:rPr lang="es-AR" sz="2400" b="1" dirty="0" smtClean="0">
-                <a:solidFill>
-                  <a:srgbClr val="0F233C"/>
-                </a:solidFill>
-              </a:rPr>
-              <a:t>Número de falsos positivos</a:t>
+              <a:t>Crosscutting </a:t>
             </a:r>
             <a:r>
               <a:rPr lang="es-AR" sz="2400" dirty="0" smtClean="0">
@@ -21974,15 +23935,7 @@
                   <a:srgbClr val="0F233C"/>
                 </a:solidFill>
               </a:rPr>
-              <a:t>, </a:t>
-            </a:r>
-            <a:r>
-              <a:rPr lang="es-AR" sz="2400" b="1" dirty="0" smtClean="0">
-                <a:solidFill>
-                  <a:srgbClr val="0F233C"/>
-                </a:solidFill>
-              </a:rPr>
-              <a:t>Número de falsos negativos</a:t>
+              <a:t>concerns </a:t>
             </a:r>
             <a:r>
               <a:rPr lang="es-AR" sz="2400" dirty="0" smtClean="0">
@@ -21990,45 +23943,8 @@
                   <a:srgbClr val="0F233C"/>
                 </a:solidFill>
               </a:rPr>
-              <a:t>, </a:t>
-            </a:r>
-            <a:r>
-              <a:rPr lang="es-AR" sz="2400" b="1" dirty="0" smtClean="0">
-                <a:solidFill>
-                  <a:srgbClr val="0F233C"/>
-                </a:solidFill>
-              </a:rPr>
-              <a:t>Precisión</a:t>
-            </a:r>
-            <a:r>
-              <a:rPr lang="es-AR" sz="2400" dirty="0" smtClean="0">
-                <a:solidFill>
-                  <a:srgbClr val="0F233C"/>
-                </a:solidFill>
-              </a:rPr>
-              <a:t>, </a:t>
-            </a:r>
-            <a:r>
-              <a:rPr lang="en-US" sz="2400" b="1" dirty="0" smtClean="0">
-                <a:solidFill>
-                  <a:srgbClr val="0F233C"/>
-                </a:solidFill>
-              </a:rPr>
-              <a:t>Recall</a:t>
-            </a:r>
-            <a:r>
-              <a:rPr lang="en-US" sz="2400" dirty="0" smtClean="0">
-                <a:solidFill>
-                  <a:srgbClr val="0F233C"/>
-                </a:solidFill>
-              </a:rPr>
-              <a:t>.</a:t>
-            </a:r>
-            <a:endParaRPr lang="en-US" sz="2400" dirty="0">
-              <a:solidFill>
-                <a:srgbClr val="0F233C"/>
-              </a:solidFill>
-            </a:endParaRPr>
+              <a:t>identificados</a:t>
+            </a:r>
           </a:p>
         </p:txBody>
       </p:sp>
@@ -23010,10 +24926,85 @@
         </p:nvSpPr>
         <p:spPr/>
         <p:txBody>
-          <a:bodyPr/>
+          <a:bodyPr>
+            <a:noAutofit/>
+          </a:bodyPr>
           <a:lstStyle/>
           <a:p>
-            <a:endParaRPr lang="en-US" dirty="0"/>
+            <a:pPr algn="just"/>
+            <a:r>
+              <a:rPr lang="es-AR" sz="2800" dirty="0" smtClean="0">
+                <a:solidFill>
+                  <a:srgbClr val="0F233C"/>
+                </a:solidFill>
+              </a:rPr>
+              <a:t>Cumple con el objetivo de </a:t>
+            </a:r>
+            <a:r>
+              <a:rPr lang="es-ES_tradnl" sz="2800" dirty="0" smtClean="0"/>
+              <a:t>asistir </a:t>
+            </a:r>
+            <a:r>
+              <a:rPr lang="es-ES_tradnl" sz="2800" dirty="0" smtClean="0"/>
+              <a:t>en la búsqueda de crosscutting concerns que pueden convertirse en potenciales aspectos en un código </a:t>
+            </a:r>
+            <a:r>
+              <a:rPr lang="es-ES_tradnl" sz="2800" dirty="0" smtClean="0"/>
+              <a:t>fuente.</a:t>
+            </a:r>
+          </a:p>
+          <a:p>
+            <a:pPr algn="just"/>
+            <a:r>
+              <a:rPr lang="es-ES_tradnl" sz="2800" dirty="0" smtClean="0"/>
+              <a:t>Se reconocen crosscutting concerns sobre sistemas reales.</a:t>
+            </a:r>
+          </a:p>
+          <a:p>
+            <a:pPr algn="just"/>
+            <a:r>
+              <a:rPr lang="es-ES_tradnl" sz="2800" dirty="0" smtClean="0"/>
+              <a:t>Solo se reconocen crosscutting concerns implementados como llamadas a métodos, y patrones </a:t>
+            </a:r>
+            <a:r>
+              <a:rPr lang="es-ES_tradnl" sz="2800" dirty="0" err="1" smtClean="0"/>
+              <a:t>decorators</a:t>
+            </a:r>
+            <a:r>
+              <a:rPr lang="es-ES_tradnl" sz="2800" dirty="0" smtClean="0"/>
+              <a:t> y </a:t>
+            </a:r>
+            <a:r>
+              <a:rPr lang="es-ES_tradnl" sz="2800" dirty="0" err="1" smtClean="0"/>
+              <a:t>adapters</a:t>
+            </a:r>
+            <a:r>
+              <a:rPr lang="es-ES_tradnl" sz="2800" dirty="0" smtClean="0"/>
+              <a:t>.</a:t>
+            </a:r>
+          </a:p>
+          <a:p>
+            <a:pPr algn="just"/>
+            <a:r>
+              <a:rPr lang="es-ES_tradnl" sz="2800" dirty="0" smtClean="0"/>
+              <a:t>Enfoque flexibilidad para implementar </a:t>
+            </a:r>
+            <a:r>
+              <a:rPr lang="es-ES_tradnl" sz="2800" dirty="0" smtClean="0"/>
+              <a:t>los </a:t>
+            </a:r>
+            <a:r>
+              <a:rPr lang="es-ES_tradnl" sz="2800" dirty="0" smtClean="0"/>
+              <a:t>análisis.</a:t>
+            </a:r>
+          </a:p>
+          <a:p>
+            <a:pPr algn="just"/>
+            <a:endParaRPr lang="en-US" sz="2800" dirty="0" smtClean="0">
+              <a:solidFill>
+                <a:srgbClr val="0F233C"/>
+              </a:solidFill>
+            </a:endParaRPr>
           </a:p>
         </p:txBody>
       </p:sp>
@@ -23706,7 +25697,7 @@
       </p:sp>
       <p:sp>
         <p:nvSpPr>
-          <p:cNvPr id="3" name="2 Marcador de contenido"/>
+          <p:cNvPr id="4" name="2 Marcador de contenido"/>
           <p:cNvSpPr>
             <a:spLocks noGrp="1"/>
           </p:cNvSpPr>
@@ -23714,12 +25705,128 @@
             <p:ph idx="1"/>
           </p:nvPr>
         </p:nvSpPr>
-        <p:spPr/>
+        <p:spPr>
+          <a:xfrm>
+            <a:off x="457200" y="1600200"/>
+            <a:ext cx="8229600" cy="4525963"/>
+          </a:xfrm>
+        </p:spPr>
         <p:txBody>
-          <a:bodyPr/>
+          <a:bodyPr>
+            <a:noAutofit/>
+          </a:bodyPr>
           <a:lstStyle/>
           <a:p>
-            <a:endParaRPr lang="en-US"/>
+            <a:pPr algn="just"/>
+            <a:r>
+              <a:rPr lang="es-AR" sz="2800" dirty="0" smtClean="0">
+                <a:solidFill>
+                  <a:srgbClr val="0F233C"/>
+                </a:solidFill>
+              </a:rPr>
+              <a:t>Representar otras técnicas de aspect mining en el sistema experto.</a:t>
+            </a:r>
+            <a:endParaRPr lang="en-US" sz="2800" dirty="0" smtClean="0">
+              <a:solidFill>
+                <a:srgbClr val="0F233C"/>
+              </a:solidFill>
+            </a:endParaRPr>
+          </a:p>
+          <a:p>
+            <a:pPr algn="just"/>
+            <a:r>
+              <a:rPr lang="es-AR" sz="2800" dirty="0" smtClean="0">
+                <a:solidFill>
+                  <a:srgbClr val="0F233C"/>
+                </a:solidFill>
+              </a:rPr>
+              <a:t>Incorporar diferentes técnicas de aspect mining a la técnica de Sinergia.</a:t>
+            </a:r>
+            <a:endParaRPr lang="en-US" sz="2800" dirty="0" smtClean="0">
+              <a:solidFill>
+                <a:srgbClr val="0F233C"/>
+              </a:solidFill>
+            </a:endParaRPr>
+          </a:p>
+          <a:p>
+            <a:pPr algn="just"/>
+            <a:r>
+              <a:rPr lang="es-AR" sz="2800" dirty="0" smtClean="0">
+                <a:solidFill>
+                  <a:srgbClr val="0F233C"/>
+                </a:solidFill>
+              </a:rPr>
+              <a:t>Representar </a:t>
+            </a:r>
+            <a:r>
+              <a:rPr lang="es-AR" sz="2800" dirty="0" err="1" smtClean="0">
+                <a:solidFill>
+                  <a:srgbClr val="0F233C"/>
+                </a:solidFill>
+              </a:rPr>
+              <a:t>refactorings</a:t>
+            </a:r>
+            <a:r>
+              <a:rPr lang="es-AR" sz="2800" dirty="0" smtClean="0">
+                <a:solidFill>
+                  <a:srgbClr val="0F233C"/>
+                </a:solidFill>
+              </a:rPr>
+              <a:t> orientados a aspectos en el sistema experto.</a:t>
+            </a:r>
+            <a:endParaRPr lang="en-US" sz="2800" dirty="0" smtClean="0">
+              <a:solidFill>
+                <a:srgbClr val="0F233C"/>
+              </a:solidFill>
+            </a:endParaRPr>
+          </a:p>
+          <a:p>
+            <a:pPr algn="just"/>
+            <a:r>
+              <a:rPr lang="es-AR" sz="2800" dirty="0" smtClean="0">
+                <a:solidFill>
+                  <a:srgbClr val="0F233C"/>
+                </a:solidFill>
+              </a:rPr>
+              <a:t>Analizar y recomendar los posibles </a:t>
+            </a:r>
+            <a:r>
+              <a:rPr lang="es-AR" sz="2800" dirty="0" err="1" smtClean="0">
+                <a:solidFill>
+                  <a:srgbClr val="0F233C"/>
+                </a:solidFill>
+              </a:rPr>
+              <a:t>refactorings</a:t>
+            </a:r>
+            <a:r>
+              <a:rPr lang="es-AR" sz="2800" dirty="0" smtClean="0">
+                <a:solidFill>
+                  <a:srgbClr val="0F233C"/>
+                </a:solidFill>
+              </a:rPr>
+              <a:t> a aplicar por medio de inferencias en el sistema experto.</a:t>
+            </a:r>
+            <a:endParaRPr lang="en-US" sz="2800" dirty="0" smtClean="0">
+              <a:solidFill>
+                <a:srgbClr val="0F233C"/>
+              </a:solidFill>
+            </a:endParaRPr>
+          </a:p>
+          <a:p>
+            <a:pPr algn="just"/>
+            <a:r>
+              <a:rPr lang="es-AR" sz="2800" dirty="0" smtClean="0">
+                <a:solidFill>
+                  <a:srgbClr val="0F233C"/>
+                </a:solidFill>
+              </a:rPr>
+              <a:t>Incorporar técnicas de análisis dinámico.</a:t>
+            </a:r>
+            <a:endParaRPr lang="en-US" sz="2800" dirty="0" smtClean="0">
+              <a:solidFill>
+                <a:srgbClr val="0F233C"/>
+              </a:solidFill>
+            </a:endParaRPr>
           </a:p>
         </p:txBody>
       </p:sp>
@@ -23788,25 +25895,32 @@
           </a:p>
         </p:txBody>
       </p:sp>
-      <p:sp>
-        <p:nvSpPr>
-          <p:cNvPr id="3" name="2 Marcador de contenido"/>
-          <p:cNvSpPr>
-            <a:spLocks noGrp="1"/>
-          </p:cNvSpPr>
-          <p:nvPr>
-            <p:ph idx="1"/>
-          </p:nvPr>
-        </p:nvSpPr>
-        <p:spPr/>
-        <p:txBody>
-          <a:bodyPr/>
-          <a:lstStyle/>
-          <a:p>
-            <a:endParaRPr lang="en-US"/>
-          </a:p>
-        </p:txBody>
-      </p:sp>
+      <p:pic>
+        <p:nvPicPr>
+          <p:cNvPr id="5121" name="Picture 1" descr="C:\Users\maria\Desktop\PREGUNTA.gif"/>
+          <p:cNvPicPr>
+            <a:picLocks noChangeAspect="1" noChangeArrowheads="1"/>
+          </p:cNvPicPr>
+          <p:nvPr/>
+        </p:nvPicPr>
+        <p:blipFill>
+          <a:blip r:embed="rId2" cstate="print"/>
+          <a:srcRect/>
+          <a:stretch>
+            <a:fillRect/>
+          </a:stretch>
+        </p:blipFill>
+        <p:spPr bwMode="auto">
+          <a:xfrm>
+            <a:off x="2428860" y="1928801"/>
+            <a:ext cx="3857652" cy="4500594"/>
+          </a:xfrm>
+          <a:prstGeom prst="rect">
+            <a:avLst/>
+          </a:prstGeom>
+          <a:noFill/>
+        </p:spPr>
+      </p:pic>
     </p:spTree>
   </p:cSld>
   <p:clrMapOvr>
@@ -23900,7 +26014,7 @@
           </a:bodyPr>
           <a:lstStyle/>
           <a:p>
-            <a:pPr>
+            <a:pPr algn="just">
               <a:spcAft>
                 <a:spcPts val="600"/>
               </a:spcAft>
@@ -23975,7 +26089,7 @@
             </a:endParaRPr>
           </a:p>
           <a:p>
-            <a:pPr>
+            <a:pPr algn="just">
               <a:spcAft>
                 <a:spcPts val="600"/>
               </a:spcAft>
@@ -24014,7 +26128,7 @@
             </a:r>
           </a:p>
           <a:p>
-            <a:pPr>
+            <a:pPr algn="just">
               <a:spcAft>
                 <a:spcPts val="600"/>
               </a:spcAft>
@@ -24174,7 +26288,7 @@
           <a:bodyPr/>
           <a:lstStyle/>
           <a:p>
-            <a:pPr>
+            <a:pPr algn="just">
               <a:spcAft>
                 <a:spcPts val="600"/>
               </a:spcAft>
@@ -24185,7 +26299,7 @@
                   <a:srgbClr val="0F233C"/>
                 </a:solidFill>
               </a:rPr>
-              <a:t>La etapa de </a:t>
+              <a:t>Etapa de </a:t>
             </a:r>
             <a:r>
               <a:rPr lang="es-AR" sz="2800" dirty="0" err="1" smtClean="0">
@@ -24201,11 +26315,32 @@
                   <a:srgbClr val="0F233C"/>
                 </a:solidFill>
               </a:rPr>
-              <a:t> insume un esfuerzo constante, generando un costo de igual naturaleza.</a:t>
-            </a:r>
-          </a:p>
-          <a:p>
-            <a:pPr>
+              <a:t>: esfuerzo </a:t>
+            </a:r>
+            <a:r>
+              <a:rPr lang="es-AR" sz="2800" dirty="0" smtClean="0">
+                <a:solidFill>
+                  <a:srgbClr val="0F233C"/>
+                </a:solidFill>
+              </a:rPr>
+              <a:t>constante, </a:t>
+            </a:r>
+            <a:r>
+              <a:rPr lang="es-AR" sz="2800" dirty="0" smtClean="0">
+                <a:solidFill>
+                  <a:srgbClr val="0F233C"/>
+                </a:solidFill>
+              </a:rPr>
+              <a:t>costo elevado.</a:t>
+            </a:r>
+            <a:endParaRPr lang="es-AR" sz="2800" dirty="0" smtClean="0">
+              <a:solidFill>
+                <a:srgbClr val="0F233C"/>
+              </a:solidFill>
+            </a:endParaRPr>
+          </a:p>
+          <a:p>
+            <a:pPr algn="just">
               <a:spcAft>
                 <a:spcPts val="600"/>
               </a:spcAft>
@@ -24236,7 +26371,7 @@
             </a:r>
           </a:p>
           <a:p>
-            <a:pPr>
+            <a:pPr algn="just">
               <a:spcAft>
                 <a:spcPts val="600"/>
               </a:spcAft>
@@ -25005,8 +27140,8 @@
         </p:nvSpPr>
         <p:spPr>
           <a:xfrm>
-            <a:off x="214282" y="1285860"/>
-            <a:ext cx="8643998" cy="2357454"/>
+            <a:off x="457200" y="1428736"/>
+            <a:ext cx="8643998" cy="1857388"/>
           </a:xfrm>
         </p:spPr>
         <p:txBody>
@@ -25015,13 +27150,22 @@
           </a:bodyPr>
           <a:lstStyle/>
           <a:p>
+            <a:pPr algn="just"/>
             <a:r>
               <a:rPr lang="es-AR" sz="2800" dirty="0" smtClean="0">
                 <a:solidFill>
                   <a:srgbClr val="0F233C"/>
                 </a:solidFill>
               </a:rPr>
-              <a:t>Surge con la intención </a:t>
+              <a:t>Tiene como objetivo </a:t>
+            </a:r>
+            <a:r>
+              <a:rPr lang="en-US" sz="2800" dirty="0" err="1" smtClean="0">
+                <a:solidFill>
+                  <a:srgbClr val="0F233C"/>
+                </a:solidFill>
+              </a:rPr>
+              <a:t>separar</a:t>
             </a:r>
             <a:r>
               <a:rPr lang="en-US" sz="2800" dirty="0" smtClean="0">
@@ -25029,15 +27173,7 @@
                   <a:srgbClr val="0F233C"/>
                 </a:solidFill>
               </a:rPr>
-              <a:t>de </a:t>
-            </a:r>
-            <a:r>
-              <a:rPr lang="en-US" sz="2800" dirty="0" err="1" smtClean="0">
-                <a:solidFill>
-                  <a:srgbClr val="0F233C"/>
-                </a:solidFill>
-              </a:rPr>
-              <a:t>separar</a:t>
+              <a:t> </a:t>
             </a:r>
             <a:r>
               <a:rPr lang="en-US" sz="2800" dirty="0" smtClean="0">
@@ -25045,7 +27181,7 @@
                   <a:srgbClr val="0F233C"/>
                 </a:solidFill>
               </a:rPr>
-              <a:t> los</a:t>
+              <a:t>los</a:t>
             </a:r>
             <a:r>
               <a:rPr lang="es-AR" sz="2800" dirty="0" smtClean="0">
@@ -25089,13 +27225,22 @@
             </a:r>
           </a:p>
           <a:p>
+            <a:pPr algn="just"/>
             <a:r>
               <a:rPr lang="es-AR" sz="2800" dirty="0" smtClean="0">
                 <a:solidFill>
                   <a:srgbClr val="0F233C"/>
                 </a:solidFill>
               </a:rPr>
-              <a:t>El paradigma provee de un nuevo constructor denominado aspecto.</a:t>
+              <a:t>Provee de un </a:t>
+            </a:r>
+            <a:r>
+              <a:rPr lang="es-AR" sz="2800" dirty="0" smtClean="0">
+                <a:solidFill>
+                  <a:srgbClr val="0F233C"/>
+                </a:solidFill>
+              </a:rPr>
+              <a:t>nuevo constructor denominado aspecto.</a:t>
             </a:r>
             <a:endParaRPr lang="en-US" sz="2800" dirty="0">
               <a:solidFill>
@@ -25122,8 +27267,8 @@
         </p:blipFill>
         <p:spPr bwMode="auto">
           <a:xfrm>
-            <a:off x="611378" y="3929066"/>
-            <a:ext cx="3600000" cy="2340000"/>
+            <a:off x="357158" y="3643314"/>
+            <a:ext cx="3854220" cy="2625752"/>
           </a:xfrm>
           <a:prstGeom prst="rect">
             <a:avLst/>
@@ -25156,8 +27301,8 @@
         </p:blipFill>
         <p:spPr bwMode="auto">
           <a:xfrm>
-            <a:off x="4841986" y="3929066"/>
-            <a:ext cx="3600000" cy="2340000"/>
+            <a:off x="4932622" y="3643314"/>
+            <a:ext cx="3854220" cy="2625752"/>
           </a:xfrm>
           <a:prstGeom prst="rect">
             <a:avLst/>
@@ -25181,8 +27326,8 @@
         </p:nvSpPr>
         <p:spPr>
           <a:xfrm>
-            <a:off x="4286248" y="4857760"/>
-            <a:ext cx="500066" cy="357190"/>
+            <a:off x="4322373" y="4814141"/>
+            <a:ext cx="535379" cy="400809"/>
           </a:xfrm>
           <a:prstGeom prst="rightArrow">
             <a:avLst/>
@@ -25342,7 +27487,7 @@
         </p:nvSpPr>
         <p:spPr>
           <a:xfrm>
-            <a:off x="214282" y="1600200"/>
+            <a:off x="457200" y="1600200"/>
             <a:ext cx="8472518" cy="2400303"/>
           </a:xfrm>
         </p:spPr>
@@ -25378,7 +27523,15 @@
                   <a:srgbClr val="0F233C"/>
                 </a:solidFill>
               </a:rPr>
-              <a:t>Se distinguen tres fases: </a:t>
+              <a:t>Fases en la migración: </a:t>
+            </a:r>
+            <a:r>
+              <a:rPr lang="es-AR" sz="2800" dirty="0" smtClean="0">
+                <a:solidFill>
+                  <a:srgbClr val="0F233C"/>
+                </a:solidFill>
+              </a:rPr>
+              <a:t>Aspect </a:t>
             </a:r>
             <a:r>
               <a:rPr lang="es-AR" sz="2800" dirty="0" err="1" smtClean="0">
@@ -25386,7 +27539,7 @@
                   <a:srgbClr val="0F233C"/>
                 </a:solidFill>
               </a:rPr>
-              <a:t>Aspect</a:t>
+              <a:t>Exploration</a:t>
             </a:r>
             <a:r>
               <a:rPr lang="es-AR" sz="2800" dirty="0" smtClean="0">
@@ -25394,7 +27547,7 @@
                   <a:srgbClr val="0F233C"/>
                 </a:solidFill>
               </a:rPr>
-              <a:t> </a:t>
+              <a:t>, Aspect </a:t>
             </a:r>
             <a:r>
               <a:rPr lang="es-AR" sz="2800" dirty="0" err="1" smtClean="0">
@@ -25402,7 +27555,7 @@
                   <a:srgbClr val="0F233C"/>
                 </a:solidFill>
               </a:rPr>
-              <a:t>Exploration</a:t>
+              <a:t>Extraction</a:t>
             </a:r>
             <a:r>
               <a:rPr lang="es-AR" sz="2800" dirty="0" smtClean="0">
@@ -25410,55 +27563,7 @@
                   <a:srgbClr val="0F233C"/>
                 </a:solidFill>
               </a:rPr>
-              <a:t>, </a:t>
-            </a:r>
-            <a:r>
-              <a:rPr lang="es-AR" sz="2800" dirty="0" err="1" smtClean="0">
-                <a:solidFill>
-                  <a:srgbClr val="0F233C"/>
-                </a:solidFill>
-              </a:rPr>
-              <a:t>Aspect</a:t>
-            </a:r>
-            <a:r>
-              <a:rPr lang="es-AR" sz="2800" dirty="0" smtClean="0">
-                <a:solidFill>
-                  <a:srgbClr val="0F233C"/>
-                </a:solidFill>
-              </a:rPr>
-              <a:t> </a:t>
-            </a:r>
-            <a:r>
-              <a:rPr lang="es-AR" sz="2800" dirty="0" err="1" smtClean="0">
-                <a:solidFill>
-                  <a:srgbClr val="0F233C"/>
-                </a:solidFill>
-              </a:rPr>
-              <a:t>Extraction</a:t>
-            </a:r>
-            <a:r>
-              <a:rPr lang="es-AR" sz="2800" dirty="0" smtClean="0">
-                <a:solidFill>
-                  <a:srgbClr val="0F233C"/>
-                </a:solidFill>
-              </a:rPr>
-              <a:t> y </a:t>
-            </a:r>
-            <a:r>
-              <a:rPr lang="es-AR" sz="2800" dirty="0" err="1" smtClean="0">
-                <a:solidFill>
-                  <a:srgbClr val="0F233C"/>
-                </a:solidFill>
-              </a:rPr>
-              <a:t>Aspect</a:t>
-            </a:r>
-            <a:r>
-              <a:rPr lang="es-AR" sz="2800" dirty="0" smtClean="0">
-                <a:solidFill>
-                  <a:srgbClr val="0F233C"/>
-                </a:solidFill>
-              </a:rPr>
-              <a:t> </a:t>
+              <a:t> y Aspect </a:t>
             </a:r>
             <a:r>
               <a:rPr lang="es-AR" sz="2800" dirty="0" err="1" smtClean="0">
@@ -25498,7 +27603,7 @@
         </p:blipFill>
         <p:spPr bwMode="auto">
           <a:xfrm>
-            <a:off x="642910" y="4215307"/>
+            <a:off x="706781" y="4215307"/>
             <a:ext cx="7579995" cy="1785461"/>
           </a:xfrm>
           <a:prstGeom prst="rect">
